--- a/Lectures/Lecture 8 - Gene Expression.pptx
+++ b/Lectures/Lecture 8 - Gene Expression.pptx
@@ -5,7 +5,7 @@
     <p:sldMasterId id="2147483649" r:id="rId1"/>
   </p:sldMasterIdLst>
   <p:notesMasterIdLst>
-    <p:notesMasterId r:id="rId46"/>
+    <p:notesMasterId r:id="rId45"/>
   </p:notesMasterIdLst>
   <p:sldIdLst>
     <p:sldId id="662" r:id="rId2"/>
@@ -51,7 +51,6 @@
     <p:sldId id="763" r:id="rId42"/>
     <p:sldId id="765" r:id="rId43"/>
     <p:sldId id="716" r:id="rId44"/>
-    <p:sldId id="776" r:id="rId45"/>
   </p:sldIdLst>
   <p:sldSz cx="9144000" cy="6858000" type="screen4x3"/>
   <p:notesSz cx="6858000" cy="9144000"/>
@@ -3995,99 +3994,6 @@
         </p:txBody>
       </p:sp>
     </p:spTree>
-  </p:cSld>
-  <p:clrMapOvr>
-    <a:masterClrMapping/>
-  </p:clrMapOvr>
-</p:notes>
-</file>
-
-<file path=ppt/notesSlides/notesSlide44.xml><?xml version="1.0" encoding="utf-8"?>
-<p:notes xmlns:a="http://schemas.openxmlformats.org/drawingml/2006/main" xmlns:r="http://schemas.openxmlformats.org/officeDocument/2006/relationships" xmlns:p="http://schemas.openxmlformats.org/presentationml/2006/main">
-  <p:cSld>
-    <p:spTree>
-      <p:nvGrpSpPr>
-        <p:cNvPr id="1" name=""/>
-        <p:cNvGrpSpPr/>
-        <p:nvPr/>
-      </p:nvGrpSpPr>
-      <p:grpSpPr>
-        <a:xfrm>
-          <a:off x="0" y="0"/>
-          <a:ext cx="0" cy="0"/>
-          <a:chOff x="0" y="0"/>
-          <a:chExt cx="0" cy="0"/>
-        </a:xfrm>
-      </p:grpSpPr>
-      <p:sp>
-        <p:nvSpPr>
-          <p:cNvPr id="15362" name="Rectangle 7"/>
-          <p:cNvSpPr>
-            <a:spLocks noGrp="1" noChangeArrowheads="1"/>
-          </p:cNvSpPr>
-          <p:nvPr>
-            <p:ph type="sldNum" sz="quarter" idx="5"/>
-          </p:nvPr>
-        </p:nvSpPr>
-        <p:spPr>
-          <a:noFill/>
-        </p:spPr>
-        <p:txBody>
-          <a:bodyPr/>
-          <a:lstStyle/>
-          <a:p>
-            <a:fld id="{C3095A83-93CF-9340-9B73-54644CC0C2D9}" type="slidenum">
-              <a:rPr lang="en-US"/>
-              <a:pPr/>
-              <a:t>44</a:t>
-            </a:fld>
-            <a:endParaRPr lang="en-US"/>
-          </a:p>
-        </p:txBody>
-      </p:sp>
-      <p:sp>
-        <p:nvSpPr>
-          <p:cNvPr id="15363" name="Rectangle 2"/>
-          <p:cNvSpPr>
-            <a:spLocks noGrp="1" noRot="1" noChangeAspect="1" noChangeArrowheads="1" noTextEdit="1"/>
-          </p:cNvSpPr>
-          <p:nvPr>
-            <p:ph type="sldImg"/>
-          </p:nvPr>
-        </p:nvSpPr>
-        <p:spPr>
-          <a:ln/>
-        </p:spPr>
-      </p:sp>
-      <p:sp>
-        <p:nvSpPr>
-          <p:cNvPr id="15364" name="Rectangle 3"/>
-          <p:cNvSpPr>
-            <a:spLocks noGrp="1" noChangeArrowheads="1"/>
-          </p:cNvSpPr>
-          <p:nvPr>
-            <p:ph type="body" idx="1"/>
-          </p:nvPr>
-        </p:nvSpPr>
-        <p:spPr>
-          <a:noFill/>
-          <a:ln/>
-        </p:spPr>
-        <p:txBody>
-          <a:bodyPr/>
-          <a:lstStyle/>
-          <a:p>
-            <a:pPr eaLnBrk="1" hangingPunct="1"/>
-            <a:endParaRPr lang="en-US"/>
-          </a:p>
-        </p:txBody>
-      </p:sp>
-    </p:spTree>
-    <p:extLst>
-      <p:ext uri="{BB962C8B-B14F-4D97-AF65-F5344CB8AC3E}">
-        <p14:creationId xmlns:p14="http://schemas.microsoft.com/office/powerpoint/2010/main" val="1252246203"/>
-      </p:ext>
-    </p:extLst>
   </p:cSld>
   <p:clrMapOvr>
     <a:masterClrMapping/>
@@ -23978,41 +23884,12 @@
           <a:chExt cx="0" cy="0"/>
         </a:xfrm>
       </p:grpSpPr>
-      <p:sp>
-        <p:nvSpPr>
-          <p:cNvPr id="9" name="Rectangle 2"/>
-          <p:cNvSpPr>
-            <a:spLocks noGrp="1" noChangeArrowheads="1"/>
-          </p:cNvSpPr>
-          <p:nvPr>
-            <p:ph type="ctrTitle"/>
-          </p:nvPr>
-        </p:nvSpPr>
-        <p:spPr>
-          <a:xfrm>
-            <a:off x="323528" y="-171400"/>
-            <a:ext cx="8568952" cy="1535832"/>
-          </a:xfrm>
-        </p:spPr>
-        <p:txBody>
-          <a:bodyPr/>
-          <a:lstStyle/>
-          <a:p>
-            <a:pPr algn="l" eaLnBrk="1" hangingPunct="1"/>
-            <a:r>
-              <a:rPr lang="en-US" sz="3200" b="1" dirty="0"/>
-              <a:t>Flash Updates</a:t>
-            </a:r>
-            <a:endParaRPr lang="en-US" sz="3200" dirty="0"/>
-          </a:p>
-        </p:txBody>
-      </p:sp>
       <p:pic>
         <p:nvPicPr>
-          <p:cNvPr id="4" name="Picture 3" descr="Graphical user interface, text, application, email&#10;&#10;Description automatically generated">
+          <p:cNvPr id="3" name="Picture 2">
             <a:extLst>
               <a:ext uri="{FF2B5EF4-FFF2-40B4-BE49-F238E27FC236}">
-                <a16:creationId xmlns:a16="http://schemas.microsoft.com/office/drawing/2014/main" id="{FAA5E7DA-E77D-CE43-833D-C73B893DD2AF}"/>
+                <a16:creationId xmlns:a16="http://schemas.microsoft.com/office/drawing/2014/main" id="{F49BFD00-E75C-F09F-6CA4-517DDB091422}"/>
               </a:ext>
             </a:extLst>
           </p:cNvPr>
@@ -24029,50 +23906,50 @@
         </p:blipFill>
         <p:spPr>
           <a:xfrm>
-            <a:off x="804862" y="1344906"/>
-            <a:ext cx="7534275" cy="4826818"/>
+            <a:off x="251520" y="1556792"/>
+            <a:ext cx="7772400" cy="686393"/>
           </a:xfrm>
           <a:prstGeom prst="rect">
             <a:avLst/>
           </a:prstGeom>
         </p:spPr>
       </p:pic>
-    </p:spTree>
-    <p:extLst>
-      <p:ext uri="{BB962C8B-B14F-4D97-AF65-F5344CB8AC3E}">
-        <p14:creationId xmlns:p14="http://schemas.microsoft.com/office/powerpoint/2010/main" val="3842182682"/>
-      </p:ext>
-    </p:extLst>
-  </p:cSld>
-  <p:clrMapOvr>
-    <a:masterClrMapping/>
-  </p:clrMapOvr>
-</p:sld>
-</file>
-
-<file path=ppt/slides/slide44.xml><?xml version="1.0" encoding="utf-8"?>
-<p:sld xmlns:a="http://schemas.openxmlformats.org/drawingml/2006/main" xmlns:r="http://schemas.openxmlformats.org/officeDocument/2006/relationships" xmlns:p="http://schemas.openxmlformats.org/presentationml/2006/main">
-  <p:cSld>
-    <p:spTree>
-      <p:nvGrpSpPr>
-        <p:cNvPr id="1" name=""/>
-        <p:cNvGrpSpPr/>
-        <p:nvPr/>
-      </p:nvGrpSpPr>
-      <p:grpSpPr>
-        <a:xfrm>
-          <a:off x="0" y="0"/>
-          <a:ext cx="0" cy="0"/>
-          <a:chOff x="0" y="0"/>
-          <a:chExt cx="0" cy="0"/>
-        </a:xfrm>
-      </p:grpSpPr>
-      <p:sp>
-        <p:nvSpPr>
-          <p:cNvPr id="6" name="Rectangle 2">
+      <p:pic>
+        <p:nvPicPr>
+          <p:cNvPr id="6" name="Picture 5" descr="A close-up of a computer&#10;&#10;Description automatically generated">
             <a:extLst>
               <a:ext uri="{FF2B5EF4-FFF2-40B4-BE49-F238E27FC236}">
-                <a16:creationId xmlns:a16="http://schemas.microsoft.com/office/drawing/2014/main" id="{96183A83-05C1-244B-A367-F9B615ED232F}"/>
+                <a16:creationId xmlns:a16="http://schemas.microsoft.com/office/drawing/2014/main" id="{D2B3A046-710B-A5E5-1951-04C2526E6938}"/>
+              </a:ext>
+            </a:extLst>
+          </p:cNvPr>
+          <p:cNvPicPr>
+            <a:picLocks noChangeAspect="1"/>
+          </p:cNvPicPr>
+          <p:nvPr/>
+        </p:nvPicPr>
+        <p:blipFill>
+          <a:blip r:embed="rId4"/>
+          <a:stretch>
+            <a:fillRect/>
+          </a:stretch>
+        </p:blipFill>
+        <p:spPr>
+          <a:xfrm>
+            <a:off x="899592" y="3140968"/>
+            <a:ext cx="7772400" cy="2292446"/>
+          </a:xfrm>
+          <a:prstGeom prst="rect">
+            <a:avLst/>
+          </a:prstGeom>
+        </p:spPr>
+      </p:pic>
+      <p:sp>
+        <p:nvSpPr>
+          <p:cNvPr id="10" name="Rectangle 2">
+            <a:extLst>
+              <a:ext uri="{FF2B5EF4-FFF2-40B4-BE49-F238E27FC236}">
+                <a16:creationId xmlns:a16="http://schemas.microsoft.com/office/drawing/2014/main" id="{0BF2B727-F413-C5D1-D0F3-9D1668DC5F94}"/>
               </a:ext>
             </a:extLst>
           </p:cNvPr>
@@ -24083,8 +23960,8 @@
         </p:nvSpPr>
         <p:spPr bwMode="auto">
           <a:xfrm>
-            <a:off x="220988" y="2256656"/>
-            <a:ext cx="8686800" cy="1676400"/>
+            <a:off x="323528" y="-171400"/>
+            <a:ext cx="8568952" cy="1535832"/>
           </a:xfrm>
           <a:prstGeom prst="rect">
             <a:avLst/>
@@ -24242,27 +24119,19 @@
             </a:lvl9pPr>
           </a:lstStyle>
           <a:p>
-            <a:pPr eaLnBrk="1" hangingPunct="1"/>
-            <a:r>
-              <a:rPr lang="en-US" sz="1800" b="1" dirty="0">
-                <a:solidFill>
-                  <a:schemeClr val="tx1"/>
-                </a:solidFill>
-              </a:rPr>
-              <a:t>End</a:t>
-            </a:r>
-            <a:endParaRPr lang="en-US" sz="1800" dirty="0">
-              <a:solidFill>
-                <a:schemeClr val="tx1"/>
-              </a:solidFill>
-            </a:endParaRPr>
+            <a:pPr algn="l" eaLnBrk="1" hangingPunct="1"/>
+            <a:r>
+              <a:rPr lang="en-US" sz="3200" b="1" kern="0"/>
+              <a:t>This week...</a:t>
+            </a:r>
+            <a:endParaRPr lang="en-US" sz="3200" kern="0" dirty="0"/>
           </a:p>
         </p:txBody>
       </p:sp>
     </p:spTree>
     <p:extLst>
       <p:ext uri="{BB962C8B-B14F-4D97-AF65-F5344CB8AC3E}">
-        <p14:creationId xmlns:p14="http://schemas.microsoft.com/office/powerpoint/2010/main" val="3051025158"/>
+        <p14:creationId xmlns:p14="http://schemas.microsoft.com/office/powerpoint/2010/main" val="3842182682"/>
       </p:ext>
     </p:extLst>
   </p:cSld>

--- a/Lectures/Lecture 8 - Gene Expression.pptx
+++ b/Lectures/Lecture 8 - Gene Expression.pptx
@@ -10925,7 +10925,7 @@
             <a:pPr algn="l" eaLnBrk="1" hangingPunct="1"/>
             <a:r>
               <a:rPr lang="en-US" sz="3200" b="1" dirty="0"/>
-              <a:t>Single Sample Approaches</a:t>
+              <a:t>Single Sample Approaches (One-Dye)</a:t>
             </a:r>
             <a:endParaRPr lang="en-US" sz="3200" dirty="0"/>
           </a:p>
@@ -17957,7 +17957,17 @@
             </a:pPr>
             <a:r>
               <a:rPr lang="en-US" sz="2000" dirty="0"/>
-              <a:t>Reduce mean and variance relationships in one dye experiments, reduce Type I and Type II error</a:t>
+              <a:t>Reduce mean and variance relationships in one dye experiments</a:t>
+            </a:r>
+          </a:p>
+          <a:p>
+            <a:pPr marL="1257300" lvl="2" indent="-342900">
+              <a:buFont typeface="Arial"/>
+              <a:buChar char="•"/>
+            </a:pPr>
+            <a:r>
+              <a:rPr lang="en-US" sz="2000" dirty="0"/>
+              <a:t>reduce Type I and Type II error</a:t>
             </a:r>
           </a:p>
           <a:p>
@@ -20801,7 +20811,15 @@
             </a:pPr>
             <a:r>
               <a:rPr lang="en-US" sz="2000" dirty="0"/>
-              <a:t>A p-value of 0.0101 implies a 1.01% chance of false positives in the experiment. 0.0101 x 3516 = 35.51 false positives in the top 800 hits</a:t>
+              <a:t>A p-value of 0.0101 implies a 1.01% chance of false positives </a:t>
+            </a:r>
+            <a:r>
+              <a:rPr lang="en-US" sz="2000" u="sng" dirty="0"/>
+              <a:t>in the experiment</a:t>
+            </a:r>
+            <a:r>
+              <a:rPr lang="en-US" sz="2000" dirty="0"/>
+              <a:t>. 0.0101 x 3516 = 35.51 false positives in the top 800 hits</a:t>
             </a:r>
           </a:p>
         </p:txBody>
@@ -20867,7 +20885,15 @@
             </a:pPr>
             <a:r>
               <a:rPr lang="en-US" sz="2000" dirty="0"/>
-              <a:t>A q-value of 0.0172 implies only 1.72% of the top 800 compounds are false positives = 800 * 0.0172 = 13.76 false positives</a:t>
+              <a:t>A q-value of 0.0172 implies only 1.72% of the </a:t>
+            </a:r>
+            <a:r>
+              <a:rPr lang="en-US" sz="2000" u="sng" dirty="0"/>
+              <a:t>top 800 compounds</a:t>
+            </a:r>
+            <a:r>
+              <a:rPr lang="en-US" sz="2000" dirty="0"/>
+              <a:t> are false positives = 800 * 0.0172 = 13.76 false positives</a:t>
             </a:r>
           </a:p>
           <a:p>
@@ -22263,6 +22289,48 @@
           </a:p>
         </p:txBody>
       </p:sp>
+      <p:sp>
+        <p:nvSpPr>
+          <p:cNvPr id="3" name="TextBox 2">
+            <a:extLst>
+              <a:ext uri="{FF2B5EF4-FFF2-40B4-BE49-F238E27FC236}">
+                <a16:creationId xmlns:a16="http://schemas.microsoft.com/office/drawing/2014/main" id="{C53A3CD6-3CC0-ADA4-960D-058399F5A1A7}"/>
+              </a:ext>
+            </a:extLst>
+          </p:cNvPr>
+          <p:cNvSpPr txBox="1"/>
+          <p:nvPr/>
+        </p:nvSpPr>
+        <p:spPr>
+          <a:xfrm>
+            <a:off x="7416316" y="354142"/>
+            <a:ext cx="2952328" cy="338554"/>
+          </a:xfrm>
+          <a:prstGeom prst="rect">
+            <a:avLst/>
+          </a:prstGeom>
+          <a:noFill/>
+          <a:ln>
+            <a:noFill/>
+          </a:ln>
+        </p:spPr>
+        <p:txBody>
+          <a:bodyPr wrap="square" rtlCol="0">
+            <a:spAutoFit/>
+          </a:bodyPr>
+          <a:lstStyle/>
+          <a:p>
+            <a:r>
+              <a:rPr lang="en-US" sz="1600" dirty="0">
+                <a:solidFill>
+                  <a:schemeClr val="bg1"/>
+                </a:solidFill>
+              </a:rPr>
+              <a:t>Lab 4</a:t>
+            </a:r>
+          </a:p>
+        </p:txBody>
+      </p:sp>
     </p:spTree>
     <p:extLst>
       <p:ext uri="{BB962C8B-B14F-4D97-AF65-F5344CB8AC3E}">
@@ -22352,7 +22420,13 @@
               <a:buChar char="•"/>
             </a:pPr>
             <a:r>
-              <a:rPr lang="en-US" sz="2000" dirty="0"/>
+              <a:rPr lang="en-US" sz="2000" dirty="0">
+                <a:solidFill>
+                  <a:schemeClr val="accent4">
+                    <a:lumMod val="75000"/>
+                  </a:schemeClr>
+                </a:solidFill>
+              </a:rPr>
               <a:t>Heat Maps</a:t>
             </a:r>
           </a:p>
@@ -22362,7 +22436,13 @@
               <a:buChar char="•"/>
             </a:pPr>
             <a:r>
-              <a:rPr lang="en-US" sz="2000" dirty="0"/>
+              <a:rPr lang="en-US" sz="2000" dirty="0">
+                <a:solidFill>
+                  <a:schemeClr val="accent4">
+                    <a:lumMod val="75000"/>
+                  </a:schemeClr>
+                </a:solidFill>
+              </a:rPr>
               <a:t>variety of clustering algorithms</a:t>
             </a:r>
           </a:p>
@@ -22372,7 +22452,13 @@
               <a:buChar char="•"/>
             </a:pPr>
             <a:r>
-              <a:rPr lang="en-US" sz="2000" dirty="0"/>
+              <a:rPr lang="en-US" sz="2000" dirty="0">
+                <a:solidFill>
+                  <a:schemeClr val="accent4">
+                    <a:lumMod val="75000"/>
+                  </a:schemeClr>
+                </a:solidFill>
+              </a:rPr>
               <a:t>clusters of co-variation may indicate common regulatory pathways</a:t>
             </a:r>
           </a:p>
@@ -22382,7 +22468,13 @@
               <a:buChar char="•"/>
             </a:pPr>
             <a:r>
-              <a:rPr lang="en-US" sz="2000" dirty="0"/>
+              <a:rPr lang="en-US" sz="2000" dirty="0">
+                <a:solidFill>
+                  <a:schemeClr val="accent4">
+                    <a:lumMod val="75000"/>
+                  </a:schemeClr>
+                </a:solidFill>
+              </a:rPr>
               <a:t>particularly good for time series data</a:t>
             </a:r>
           </a:p>
@@ -22537,7 +22629,13 @@
               <a:buChar char="•"/>
             </a:pPr>
             <a:r>
-              <a:rPr lang="en-US" sz="2000" dirty="0"/>
+              <a:rPr lang="en-US" sz="2000" dirty="0">
+                <a:solidFill>
+                  <a:schemeClr val="accent4">
+                    <a:lumMod val="75000"/>
+                  </a:schemeClr>
+                </a:solidFill>
+              </a:rPr>
               <a:t>Heat Maps</a:t>
             </a:r>
           </a:p>
@@ -22547,7 +22645,13 @@
               <a:buChar char="•"/>
             </a:pPr>
             <a:r>
-              <a:rPr lang="en-US" sz="2000" dirty="0"/>
+              <a:rPr lang="en-US" sz="2000" dirty="0">
+                <a:solidFill>
+                  <a:schemeClr val="accent4">
+                    <a:lumMod val="75000"/>
+                  </a:schemeClr>
+                </a:solidFill>
+              </a:rPr>
               <a:t>variety of clustering algorithms</a:t>
             </a:r>
           </a:p>
@@ -22557,7 +22661,13 @@
               <a:buChar char="•"/>
             </a:pPr>
             <a:r>
-              <a:rPr lang="en-US" sz="2000" dirty="0"/>
+              <a:rPr lang="en-US" sz="2000" dirty="0">
+                <a:solidFill>
+                  <a:schemeClr val="accent4">
+                    <a:lumMod val="75000"/>
+                  </a:schemeClr>
+                </a:solidFill>
+              </a:rPr>
               <a:t>clusters of co-variation may indicate common regulatory pathways</a:t>
             </a:r>
           </a:p>
@@ -22567,7 +22677,13 @@
               <a:buChar char="•"/>
             </a:pPr>
             <a:r>
-              <a:rPr lang="en-US" sz="2000" dirty="0"/>
+              <a:rPr lang="en-US" sz="2000" dirty="0">
+                <a:solidFill>
+                  <a:schemeClr val="accent4">
+                    <a:lumMod val="75000"/>
+                  </a:schemeClr>
+                </a:solidFill>
+              </a:rPr>
               <a:t>particularly good for time series data</a:t>
             </a:r>
           </a:p>
@@ -22576,7 +22692,13 @@
               <a:buFont typeface="Arial"/>
               <a:buChar char="•"/>
             </a:pPr>
-            <a:endParaRPr lang="en-US" sz="2000" dirty="0"/>
+            <a:endParaRPr lang="en-US" sz="2000" dirty="0">
+              <a:solidFill>
+                <a:schemeClr val="accent4">
+                  <a:lumMod val="75000"/>
+                </a:schemeClr>
+              </a:solidFill>
+            </a:endParaRPr>
           </a:p>
           <a:p>
             <a:pPr marL="342900" indent="-342900">
@@ -22584,7 +22706,13 @@
               <a:buChar char="•"/>
             </a:pPr>
             <a:r>
-              <a:rPr lang="en-US" sz="2000" dirty="0"/>
+              <a:rPr lang="en-US" sz="2000" dirty="0">
+                <a:solidFill>
+                  <a:schemeClr val="accent4">
+                    <a:lumMod val="75000"/>
+                  </a:schemeClr>
+                </a:solidFill>
+              </a:rPr>
               <a:t>VENN diagrams</a:t>
             </a:r>
           </a:p>
@@ -22594,7 +22722,13 @@
               <a:buChar char="•"/>
             </a:pPr>
             <a:r>
-              <a:rPr lang="en-US" sz="2000" dirty="0"/>
+              <a:rPr lang="en-US" sz="2000" dirty="0">
+                <a:solidFill>
+                  <a:schemeClr val="accent4">
+                    <a:lumMod val="75000"/>
+                  </a:schemeClr>
+                </a:solidFill>
+              </a:rPr>
               <a:t>excellent for visualizing shared response and designing follow-up experiments</a:t>
             </a:r>
           </a:p>

--- a/Lectures/Lecture 8 - Gene Expression.pptx
+++ b/Lectures/Lecture 8 - Gene Expression.pptx
@@ -23564,36 +23564,6 @@
       </p:grpSpPr>
       <p:pic>
         <p:nvPicPr>
-          <p:cNvPr id="3" name="Picture 2">
-            <a:extLst>
-              <a:ext uri="{FF2B5EF4-FFF2-40B4-BE49-F238E27FC236}">
-                <a16:creationId xmlns:a16="http://schemas.microsoft.com/office/drawing/2014/main" id="{F49BFD00-E75C-F09F-6CA4-517DDB091422}"/>
-              </a:ext>
-            </a:extLst>
-          </p:cNvPr>
-          <p:cNvPicPr>
-            <a:picLocks noChangeAspect="1"/>
-          </p:cNvPicPr>
-          <p:nvPr/>
-        </p:nvPicPr>
-        <p:blipFill>
-          <a:blip r:embed="rId3"/>
-          <a:stretch>
-            <a:fillRect/>
-          </a:stretch>
-        </p:blipFill>
-        <p:spPr>
-          <a:xfrm>
-            <a:off x="251520" y="1556792"/>
-            <a:ext cx="7772400" cy="686393"/>
-          </a:xfrm>
-          <a:prstGeom prst="rect">
-            <a:avLst/>
-          </a:prstGeom>
-        </p:spPr>
-      </p:pic>
-      <p:pic>
-        <p:nvPicPr>
           <p:cNvPr id="6" name="Picture 5" descr="A close-up of a computer&#10;&#10;Description automatically generated">
             <a:extLst>
               <a:ext uri="{FF2B5EF4-FFF2-40B4-BE49-F238E27FC236}">
@@ -23607,7 +23577,7 @@
           <p:nvPr/>
         </p:nvPicPr>
         <p:blipFill>
-          <a:blip r:embed="rId4"/>
+          <a:blip r:embed="rId3"/>
           <a:stretch>
             <a:fillRect/>
           </a:stretch>
@@ -23806,6 +23776,36 @@
           </a:p>
         </p:txBody>
       </p:sp>
+      <p:pic>
+        <p:nvPicPr>
+          <p:cNvPr id="4" name="Picture 3">
+            <a:extLst>
+              <a:ext uri="{FF2B5EF4-FFF2-40B4-BE49-F238E27FC236}">
+                <a16:creationId xmlns:a16="http://schemas.microsoft.com/office/drawing/2014/main" id="{60C5D6ED-D38B-56CF-DDF2-97AF046B9DEC}"/>
+              </a:ext>
+            </a:extLst>
+          </p:cNvPr>
+          <p:cNvPicPr>
+            <a:picLocks noChangeAspect="1"/>
+          </p:cNvPicPr>
+          <p:nvPr/>
+        </p:nvPicPr>
+        <p:blipFill>
+          <a:blip r:embed="rId4"/>
+          <a:stretch>
+            <a:fillRect/>
+          </a:stretch>
+        </p:blipFill>
+        <p:spPr>
+          <a:xfrm>
+            <a:off x="339836" y="1368092"/>
+            <a:ext cx="7772400" cy="925522"/>
+          </a:xfrm>
+          <a:prstGeom prst="rect">
+            <a:avLst/>
+          </a:prstGeom>
+        </p:spPr>
+      </p:pic>
     </p:spTree>
     <p:extLst>
       <p:ext uri="{BB962C8B-B14F-4D97-AF65-F5344CB8AC3E}">

--- a/Lectures/Lecture 8 - Gene Expression.pptx
+++ b/Lectures/Lecture 8 - Gene Expression.pptx
@@ -2,7 +2,7 @@
 <file path=ppt/presentation.xml><?xml version="1.0" encoding="utf-8"?>
 <p:presentation xmlns:a="http://schemas.openxmlformats.org/drawingml/2006/main" xmlns:r="http://schemas.openxmlformats.org/officeDocument/2006/relationships" xmlns:p="http://schemas.openxmlformats.org/presentationml/2006/main" strictFirstAndLastChars="0" saveSubsetFonts="1" autoCompressPictures="0">
   <p:sldMasterIdLst>
-    <p:sldMasterId id="2147483649" r:id="rId1"/>
+    <p:sldMasterId id="2147483673" r:id="rId1"/>
   </p:sldMasterIdLst>
   <p:notesMasterIdLst>
     <p:notesMasterId r:id="rId42"/>
@@ -55,122 +55,92 @@
     <a:defPPr>
       <a:defRPr lang="en-US"/>
     </a:defPPr>
-    <a:lvl1pPr algn="l" rtl="0" eaLnBrk="0" fontAlgn="base" hangingPunct="0">
-      <a:spcBef>
-        <a:spcPct val="0"/>
-      </a:spcBef>
-      <a:spcAft>
-        <a:spcPct val="0"/>
-      </a:spcAft>
-      <a:defRPr sz="2400" kern="1200">
+    <a:lvl1pPr marL="0" algn="l" defTabSz="914400" rtl="0" eaLnBrk="1" latinLnBrk="0" hangingPunct="1">
+      <a:defRPr sz="1800" kern="1200">
         <a:solidFill>
           <a:schemeClr val="tx1"/>
         </a:solidFill>
-        <a:latin typeface="Times" charset="0"/>
+        <a:latin typeface="+mn-lt"/>
         <a:ea typeface="+mn-ea"/>
         <a:cs typeface="+mn-cs"/>
       </a:defRPr>
     </a:lvl1pPr>
-    <a:lvl2pPr marL="457200" algn="l" rtl="0" eaLnBrk="0" fontAlgn="base" hangingPunct="0">
-      <a:spcBef>
-        <a:spcPct val="0"/>
-      </a:spcBef>
-      <a:spcAft>
-        <a:spcPct val="0"/>
-      </a:spcAft>
-      <a:defRPr sz="2400" kern="1200">
+    <a:lvl2pPr marL="457200" algn="l" defTabSz="914400" rtl="0" eaLnBrk="1" latinLnBrk="0" hangingPunct="1">
+      <a:defRPr sz="1800" kern="1200">
         <a:solidFill>
           <a:schemeClr val="tx1"/>
         </a:solidFill>
-        <a:latin typeface="Times" charset="0"/>
+        <a:latin typeface="+mn-lt"/>
         <a:ea typeface="+mn-ea"/>
         <a:cs typeface="+mn-cs"/>
       </a:defRPr>
     </a:lvl2pPr>
-    <a:lvl3pPr marL="914400" algn="l" rtl="0" eaLnBrk="0" fontAlgn="base" hangingPunct="0">
-      <a:spcBef>
-        <a:spcPct val="0"/>
-      </a:spcBef>
-      <a:spcAft>
-        <a:spcPct val="0"/>
-      </a:spcAft>
-      <a:defRPr sz="2400" kern="1200">
+    <a:lvl3pPr marL="914400" algn="l" defTabSz="914400" rtl="0" eaLnBrk="1" latinLnBrk="0" hangingPunct="1">
+      <a:defRPr sz="1800" kern="1200">
         <a:solidFill>
           <a:schemeClr val="tx1"/>
         </a:solidFill>
-        <a:latin typeface="Times" charset="0"/>
+        <a:latin typeface="+mn-lt"/>
         <a:ea typeface="+mn-ea"/>
         <a:cs typeface="+mn-cs"/>
       </a:defRPr>
     </a:lvl3pPr>
-    <a:lvl4pPr marL="1371600" algn="l" rtl="0" eaLnBrk="0" fontAlgn="base" hangingPunct="0">
-      <a:spcBef>
-        <a:spcPct val="0"/>
-      </a:spcBef>
-      <a:spcAft>
-        <a:spcPct val="0"/>
-      </a:spcAft>
-      <a:defRPr sz="2400" kern="1200">
+    <a:lvl4pPr marL="1371600" algn="l" defTabSz="914400" rtl="0" eaLnBrk="1" latinLnBrk="0" hangingPunct="1">
+      <a:defRPr sz="1800" kern="1200">
         <a:solidFill>
           <a:schemeClr val="tx1"/>
         </a:solidFill>
-        <a:latin typeface="Times" charset="0"/>
+        <a:latin typeface="+mn-lt"/>
         <a:ea typeface="+mn-ea"/>
         <a:cs typeface="+mn-cs"/>
       </a:defRPr>
     </a:lvl4pPr>
-    <a:lvl5pPr marL="1828800" algn="l" rtl="0" eaLnBrk="0" fontAlgn="base" hangingPunct="0">
-      <a:spcBef>
-        <a:spcPct val="0"/>
-      </a:spcBef>
-      <a:spcAft>
-        <a:spcPct val="0"/>
-      </a:spcAft>
-      <a:defRPr sz="2400" kern="1200">
+    <a:lvl5pPr marL="1828800" algn="l" defTabSz="914400" rtl="0" eaLnBrk="1" latinLnBrk="0" hangingPunct="1">
+      <a:defRPr sz="1800" kern="1200">
         <a:solidFill>
           <a:schemeClr val="tx1"/>
         </a:solidFill>
-        <a:latin typeface="Times" charset="0"/>
+        <a:latin typeface="+mn-lt"/>
         <a:ea typeface="+mn-ea"/>
         <a:cs typeface="+mn-cs"/>
       </a:defRPr>
     </a:lvl5pPr>
-    <a:lvl6pPr marL="2286000" algn="l" defTabSz="457200" rtl="0" eaLnBrk="1" latinLnBrk="0" hangingPunct="1">
-      <a:defRPr sz="2400" kern="1200">
+    <a:lvl6pPr marL="2286000" algn="l" defTabSz="914400" rtl="0" eaLnBrk="1" latinLnBrk="0" hangingPunct="1">
+      <a:defRPr sz="1800" kern="1200">
         <a:solidFill>
           <a:schemeClr val="tx1"/>
         </a:solidFill>
-        <a:latin typeface="Times" charset="0"/>
+        <a:latin typeface="+mn-lt"/>
         <a:ea typeface="+mn-ea"/>
         <a:cs typeface="+mn-cs"/>
       </a:defRPr>
     </a:lvl6pPr>
-    <a:lvl7pPr marL="2743200" algn="l" defTabSz="457200" rtl="0" eaLnBrk="1" latinLnBrk="0" hangingPunct="1">
-      <a:defRPr sz="2400" kern="1200">
+    <a:lvl7pPr marL="2743200" algn="l" defTabSz="914400" rtl="0" eaLnBrk="1" latinLnBrk="0" hangingPunct="1">
+      <a:defRPr sz="1800" kern="1200">
         <a:solidFill>
           <a:schemeClr val="tx1"/>
         </a:solidFill>
-        <a:latin typeface="Times" charset="0"/>
+        <a:latin typeface="+mn-lt"/>
         <a:ea typeface="+mn-ea"/>
         <a:cs typeface="+mn-cs"/>
       </a:defRPr>
     </a:lvl7pPr>
-    <a:lvl8pPr marL="3200400" algn="l" defTabSz="457200" rtl="0" eaLnBrk="1" latinLnBrk="0" hangingPunct="1">
-      <a:defRPr sz="2400" kern="1200">
+    <a:lvl8pPr marL="3200400" algn="l" defTabSz="914400" rtl="0" eaLnBrk="1" latinLnBrk="0" hangingPunct="1">
+      <a:defRPr sz="1800" kern="1200">
         <a:solidFill>
           <a:schemeClr val="tx1"/>
         </a:solidFill>
-        <a:latin typeface="Times" charset="0"/>
+        <a:latin typeface="+mn-lt"/>
         <a:ea typeface="+mn-ea"/>
         <a:cs typeface="+mn-cs"/>
       </a:defRPr>
     </a:lvl8pPr>
-    <a:lvl9pPr marL="3657600" algn="l" defTabSz="457200" rtl="0" eaLnBrk="1" latinLnBrk="0" hangingPunct="1">
-      <a:defRPr sz="2400" kern="1200">
+    <a:lvl9pPr marL="3657600" algn="l" defTabSz="914400" rtl="0" eaLnBrk="1" latinLnBrk="0" hangingPunct="1">
+      <a:defRPr sz="1800" kern="1200">
         <a:solidFill>
           <a:schemeClr val="tx1"/>
         </a:solidFill>
-        <a:latin typeface="Times" charset="0"/>
+        <a:latin typeface="+mn-lt"/>
         <a:ea typeface="+mn-ea"/>
         <a:cs typeface="+mn-cs"/>
       </a:defRPr>
@@ -4193,25 +4163,31 @@
       </p:grpSpPr>
       <p:sp>
         <p:nvSpPr>
-          <p:cNvPr id="4098" name="Rectangle 2"/>
+          <p:cNvPr id="2" name="Title 1">
+            <a:extLst>
+              <a:ext uri="{FF2B5EF4-FFF2-40B4-BE49-F238E27FC236}">
+                <a16:creationId xmlns:a16="http://schemas.microsoft.com/office/drawing/2014/main" id="{C8A44434-E5B9-08A3-787A-3305BCE84285}"/>
+              </a:ext>
+            </a:extLst>
+          </p:cNvPr>
           <p:cNvSpPr>
-            <a:spLocks noGrp="1" noChangeArrowheads="1"/>
+            <a:spLocks noGrp="1"/>
           </p:cNvSpPr>
           <p:nvPr>
-            <p:ph type="ctrTitle" sz="quarter"/>
+            <p:ph type="ctrTitle"/>
           </p:nvPr>
         </p:nvSpPr>
         <p:spPr>
           <a:xfrm>
-            <a:off x="685800" y="2057400"/>
-            <a:ext cx="7772400" cy="1143000"/>
-          </a:xfrm>
-        </p:spPr>
-        <p:txBody>
-          <a:bodyPr/>
+            <a:off x="1143000" y="1122363"/>
+            <a:ext cx="6858000" cy="2387600"/>
+          </a:xfrm>
+        </p:spPr>
+        <p:txBody>
+          <a:bodyPr anchor="b"/>
           <a:lstStyle>
-            <a:lvl1pPr>
-              <a:defRPr/>
+            <a:lvl1pPr algn="ctr">
+              <a:defRPr sz="4500"/>
             </a:lvl1pPr>
           </a:lstStyle>
           <a:p>
@@ -4224,28 +4200,65 @@
       </p:sp>
       <p:sp>
         <p:nvSpPr>
-          <p:cNvPr id="4099" name="Rectangle 3"/>
+          <p:cNvPr id="3" name="Subtitle 2">
+            <a:extLst>
+              <a:ext uri="{FF2B5EF4-FFF2-40B4-BE49-F238E27FC236}">
+                <a16:creationId xmlns:a16="http://schemas.microsoft.com/office/drawing/2014/main" id="{68AFDA5A-0F84-BAD2-D7FE-C3A94B0806AA}"/>
+              </a:ext>
+            </a:extLst>
+          </p:cNvPr>
           <p:cNvSpPr>
-            <a:spLocks noGrp="1" noChangeArrowheads="1"/>
+            <a:spLocks noGrp="1"/>
           </p:cNvSpPr>
           <p:nvPr>
-            <p:ph type="subTitle" sz="quarter" idx="1"/>
+            <p:ph type="subTitle" idx="1"/>
           </p:nvPr>
         </p:nvSpPr>
         <p:spPr>
           <a:xfrm>
-            <a:off x="1371600" y="3886200"/>
-            <a:ext cx="6400800" cy="1752600"/>
+            <a:off x="1143000" y="3602038"/>
+            <a:ext cx="6858000" cy="1655762"/>
           </a:xfrm>
         </p:spPr>
         <p:txBody>
           <a:bodyPr/>
           <a:lstStyle>
             <a:lvl1pPr marL="0" indent="0" algn="ctr">
-              <a:buFontTx/>
               <a:buNone/>
-              <a:defRPr/>
+              <a:defRPr sz="1800"/>
             </a:lvl1pPr>
+            <a:lvl2pPr marL="342900" indent="0" algn="ctr">
+              <a:buNone/>
+              <a:defRPr sz="1500"/>
+            </a:lvl2pPr>
+            <a:lvl3pPr marL="685800" indent="0" algn="ctr">
+              <a:buNone/>
+              <a:defRPr sz="1350"/>
+            </a:lvl3pPr>
+            <a:lvl4pPr marL="1028700" indent="0" algn="ctr">
+              <a:buNone/>
+              <a:defRPr sz="1200"/>
+            </a:lvl4pPr>
+            <a:lvl5pPr marL="1371600" indent="0" algn="ctr">
+              <a:buNone/>
+              <a:defRPr sz="1200"/>
+            </a:lvl5pPr>
+            <a:lvl6pPr marL="1714500" indent="0" algn="ctr">
+              <a:buNone/>
+              <a:defRPr sz="1200"/>
+            </a:lvl6pPr>
+            <a:lvl7pPr marL="2057400" indent="0" algn="ctr">
+              <a:buNone/>
+              <a:defRPr sz="1200"/>
+            </a:lvl7pPr>
+            <a:lvl8pPr marL="2400300" indent="0" algn="ctr">
+              <a:buNone/>
+              <a:defRPr sz="1200"/>
+            </a:lvl8pPr>
+            <a:lvl9pPr marL="2743200" indent="0" algn="ctr">
+              <a:buNone/>
+              <a:defRPr sz="1200"/>
+            </a:lvl9pPr>
           </a:lstStyle>
           <a:p>
             <a:r>
@@ -4255,7 +4268,95 @@
           </a:p>
         </p:txBody>
       </p:sp>
+      <p:sp>
+        <p:nvSpPr>
+          <p:cNvPr id="4" name="Date Placeholder 3">
+            <a:extLst>
+              <a:ext uri="{FF2B5EF4-FFF2-40B4-BE49-F238E27FC236}">
+                <a16:creationId xmlns:a16="http://schemas.microsoft.com/office/drawing/2014/main" id="{5011162A-E58C-D01E-064A-F93CAAC61B95}"/>
+              </a:ext>
+            </a:extLst>
+          </p:cNvPr>
+          <p:cNvSpPr>
+            <a:spLocks noGrp="1"/>
+          </p:cNvSpPr>
+          <p:nvPr>
+            <p:ph type="dt" sz="half" idx="10"/>
+          </p:nvPr>
+        </p:nvSpPr>
+        <p:spPr/>
+        <p:txBody>
+          <a:bodyPr/>
+          <a:lstStyle/>
+          <a:p>
+            <a:fld id="{A48C0ED5-C288-EB49-AF6D-547383A6958B}" type="datetimeFigureOut">
+              <a:rPr lang="en-US" smtClean="0"/>
+              <a:t>8/8/25</a:t>
+            </a:fld>
+            <a:endParaRPr lang="en-US"/>
+          </a:p>
+        </p:txBody>
+      </p:sp>
+      <p:sp>
+        <p:nvSpPr>
+          <p:cNvPr id="5" name="Footer Placeholder 4">
+            <a:extLst>
+              <a:ext uri="{FF2B5EF4-FFF2-40B4-BE49-F238E27FC236}">
+                <a16:creationId xmlns:a16="http://schemas.microsoft.com/office/drawing/2014/main" id="{1663DB46-8A6F-F312-A73B-A13C29495EA7}"/>
+              </a:ext>
+            </a:extLst>
+          </p:cNvPr>
+          <p:cNvSpPr>
+            <a:spLocks noGrp="1"/>
+          </p:cNvSpPr>
+          <p:nvPr>
+            <p:ph type="ftr" sz="quarter" idx="11"/>
+          </p:nvPr>
+        </p:nvSpPr>
+        <p:spPr/>
+        <p:txBody>
+          <a:bodyPr/>
+          <a:lstStyle/>
+          <a:p>
+            <a:endParaRPr lang="en-US"/>
+          </a:p>
+        </p:txBody>
+      </p:sp>
+      <p:sp>
+        <p:nvSpPr>
+          <p:cNvPr id="6" name="Slide Number Placeholder 5">
+            <a:extLst>
+              <a:ext uri="{FF2B5EF4-FFF2-40B4-BE49-F238E27FC236}">
+                <a16:creationId xmlns:a16="http://schemas.microsoft.com/office/drawing/2014/main" id="{781824FE-C35B-2A3C-5FAE-2DE517693E16}"/>
+              </a:ext>
+            </a:extLst>
+          </p:cNvPr>
+          <p:cNvSpPr>
+            <a:spLocks noGrp="1"/>
+          </p:cNvSpPr>
+          <p:nvPr>
+            <p:ph type="sldNum" sz="quarter" idx="12"/>
+          </p:nvPr>
+        </p:nvSpPr>
+        <p:spPr/>
+        <p:txBody>
+          <a:bodyPr/>
+          <a:lstStyle/>
+          <a:p>
+            <a:fld id="{FDFE87C5-C488-9A4B-BA10-02F81995176D}" type="slidenum">
+              <a:rPr lang="en-US" smtClean="0"/>
+              <a:t>‹#›</a:t>
+            </a:fld>
+            <a:endParaRPr lang="en-US"/>
+          </a:p>
+        </p:txBody>
+      </p:sp>
     </p:spTree>
+    <p:extLst>
+      <p:ext uri="{BB962C8B-B14F-4D97-AF65-F5344CB8AC3E}">
+        <p14:creationId xmlns:p14="http://schemas.microsoft.com/office/powerpoint/2010/main" val="715815434"/>
+      </p:ext>
+    </p:extLst>
   </p:cSld>
   <p:clrMapOvr>
     <a:masterClrMapping/>
@@ -4282,7 +4383,13 @@
       </p:grpSpPr>
       <p:sp>
         <p:nvSpPr>
-          <p:cNvPr id="2" name="Title 1"/>
+          <p:cNvPr id="2" name="Title 1">
+            <a:extLst>
+              <a:ext uri="{FF2B5EF4-FFF2-40B4-BE49-F238E27FC236}">
+                <a16:creationId xmlns:a16="http://schemas.microsoft.com/office/drawing/2014/main" id="{ED6841C8-E167-985E-3F7E-4CEBBACAF3B1}"/>
+              </a:ext>
+            </a:extLst>
+          </p:cNvPr>
           <p:cNvSpPr>
             <a:spLocks noGrp="1"/>
           </p:cNvSpPr>
@@ -4304,7 +4411,13 @@
       </p:sp>
       <p:sp>
         <p:nvSpPr>
-          <p:cNvPr id="3" name="Vertical Text Placeholder 2"/>
+          <p:cNvPr id="3" name="Vertical Text Placeholder 2">
+            <a:extLst>
+              <a:ext uri="{FF2B5EF4-FFF2-40B4-BE49-F238E27FC236}">
+                <a16:creationId xmlns:a16="http://schemas.microsoft.com/office/drawing/2014/main" id="{599E4E57-CAC4-C2B2-5D81-1461BBBC76C5}"/>
+              </a:ext>
+            </a:extLst>
+          </p:cNvPr>
           <p:cNvSpPr>
             <a:spLocks noGrp="1"/>
           </p:cNvSpPr>
@@ -4355,24 +4468,24 @@
       </p:sp>
       <p:sp>
         <p:nvSpPr>
-          <p:cNvPr id="4" name="Rectangle 14"/>
+          <p:cNvPr id="4" name="Date Placeholder 3">
+            <a:extLst>
+              <a:ext uri="{FF2B5EF4-FFF2-40B4-BE49-F238E27FC236}">
+                <a16:creationId xmlns:a16="http://schemas.microsoft.com/office/drawing/2014/main" id="{6925D028-AE65-91EB-ED4D-2DB97B411EA9}"/>
+              </a:ext>
+            </a:extLst>
+          </p:cNvPr>
           <p:cNvSpPr>
-            <a:spLocks noGrp="1" noChangeArrowheads="1"/>
+            <a:spLocks noGrp="1"/>
           </p:cNvSpPr>
           <p:nvPr>
             <p:ph type="dt" sz="half" idx="10"/>
           </p:nvPr>
         </p:nvSpPr>
-        <p:spPr>
-          <a:ln/>
-        </p:spPr>
+        <p:spPr/>
         <p:txBody>
           <a:bodyPr/>
-          <a:lstStyle>
-            <a:lvl1pPr>
-              <a:defRPr/>
-            </a:lvl1pPr>
-          </a:lstStyle>
+          <a:lstStyle/>
           <a:p>
             <a:pPr>
               <a:defRPr/>
@@ -4383,24 +4496,24 @@
       </p:sp>
       <p:sp>
         <p:nvSpPr>
-          <p:cNvPr id="5" name="Rectangle 15"/>
+          <p:cNvPr id="5" name="Footer Placeholder 4">
+            <a:extLst>
+              <a:ext uri="{FF2B5EF4-FFF2-40B4-BE49-F238E27FC236}">
+                <a16:creationId xmlns:a16="http://schemas.microsoft.com/office/drawing/2014/main" id="{A6E7C6F4-2330-943F-45FC-942F05C05326}"/>
+              </a:ext>
+            </a:extLst>
+          </p:cNvPr>
           <p:cNvSpPr>
-            <a:spLocks noGrp="1" noChangeArrowheads="1"/>
+            <a:spLocks noGrp="1"/>
           </p:cNvSpPr>
           <p:nvPr>
             <p:ph type="ftr" sz="quarter" idx="11"/>
           </p:nvPr>
         </p:nvSpPr>
-        <p:spPr>
-          <a:ln/>
-        </p:spPr>
+        <p:spPr/>
         <p:txBody>
           <a:bodyPr/>
-          <a:lstStyle>
-            <a:lvl1pPr>
-              <a:defRPr/>
-            </a:lvl1pPr>
-          </a:lstStyle>
+          <a:lstStyle/>
           <a:p>
             <a:pPr>
               <a:defRPr/>
@@ -4411,30 +4524,30 @@
       </p:sp>
       <p:sp>
         <p:nvSpPr>
-          <p:cNvPr id="6" name="Rectangle 16"/>
+          <p:cNvPr id="6" name="Slide Number Placeholder 5">
+            <a:extLst>
+              <a:ext uri="{FF2B5EF4-FFF2-40B4-BE49-F238E27FC236}">
+                <a16:creationId xmlns:a16="http://schemas.microsoft.com/office/drawing/2014/main" id="{46A1AB74-E3C7-4B9D-D30C-72397CB09F96}"/>
+              </a:ext>
+            </a:extLst>
+          </p:cNvPr>
           <p:cNvSpPr>
-            <a:spLocks noGrp="1" noChangeArrowheads="1"/>
+            <a:spLocks noGrp="1"/>
           </p:cNvSpPr>
           <p:nvPr>
             <p:ph type="sldNum" sz="quarter" idx="12"/>
           </p:nvPr>
         </p:nvSpPr>
-        <p:spPr>
-          <a:ln/>
-        </p:spPr>
+        <p:spPr/>
         <p:txBody>
           <a:bodyPr/>
-          <a:lstStyle>
-            <a:lvl1pPr>
-              <a:defRPr/>
-            </a:lvl1pPr>
-          </a:lstStyle>
+          <a:lstStyle/>
           <a:p>
             <a:pPr>
               <a:defRPr/>
             </a:pPr>
             <a:fld id="{A5A5E3B6-6E25-8746-A1EF-0C61A376E09C}" type="slidenum">
-              <a:rPr lang="en-US"/>
+              <a:rPr lang="en-US" smtClean="0"/>
               <a:pPr>
                 <a:defRPr/>
               </a:pPr>
@@ -4445,6 +4558,11 @@
         </p:txBody>
       </p:sp>
     </p:spTree>
+    <p:extLst>
+      <p:ext uri="{BB962C8B-B14F-4D97-AF65-F5344CB8AC3E}">
+        <p14:creationId xmlns:p14="http://schemas.microsoft.com/office/powerpoint/2010/main" val="3373009344"/>
+      </p:ext>
+    </p:extLst>
   </p:cSld>
   <p:clrMapOvr>
     <a:masterClrMapping/>
@@ -4471,7 +4589,13 @@
       </p:grpSpPr>
       <p:sp>
         <p:nvSpPr>
-          <p:cNvPr id="2" name="Vertical Title 1"/>
+          <p:cNvPr id="2" name="Vertical Title 1">
+            <a:extLst>
+              <a:ext uri="{FF2B5EF4-FFF2-40B4-BE49-F238E27FC236}">
+                <a16:creationId xmlns:a16="http://schemas.microsoft.com/office/drawing/2014/main" id="{0581A545-DC7A-6CB2-307D-B6B724AD9D69}"/>
+              </a:ext>
+            </a:extLst>
+          </p:cNvPr>
           <p:cNvSpPr>
             <a:spLocks noGrp="1"/>
           </p:cNvSpPr>
@@ -4481,8 +4605,8 @@
         </p:nvSpPr>
         <p:spPr>
           <a:xfrm>
-            <a:off x="6343650" y="0"/>
-            <a:ext cx="2114550" cy="6096000"/>
+            <a:off x="6543675" y="365125"/>
+            <a:ext cx="1971675" cy="5811838"/>
           </a:xfrm>
         </p:spPr>
         <p:txBody>
@@ -4498,7 +4622,13 @@
       </p:sp>
       <p:sp>
         <p:nvSpPr>
-          <p:cNvPr id="3" name="Vertical Text Placeholder 2"/>
+          <p:cNvPr id="3" name="Vertical Text Placeholder 2">
+            <a:extLst>
+              <a:ext uri="{FF2B5EF4-FFF2-40B4-BE49-F238E27FC236}">
+                <a16:creationId xmlns:a16="http://schemas.microsoft.com/office/drawing/2014/main" id="{A78479D4-95D7-EFEB-3D4C-C0585A3A1E35}"/>
+              </a:ext>
+            </a:extLst>
+          </p:cNvPr>
           <p:cNvSpPr>
             <a:spLocks noGrp="1"/>
           </p:cNvSpPr>
@@ -4508,8 +4638,8 @@
         </p:nvSpPr>
         <p:spPr>
           <a:xfrm>
-            <a:off x="0" y="0"/>
-            <a:ext cx="6191250" cy="6096000"/>
+            <a:off x="628650" y="365125"/>
+            <a:ext cx="5800725" cy="5811838"/>
           </a:xfrm>
         </p:spPr>
         <p:txBody>
@@ -4554,24 +4684,24 @@
       </p:sp>
       <p:sp>
         <p:nvSpPr>
-          <p:cNvPr id="4" name="Rectangle 14"/>
+          <p:cNvPr id="4" name="Date Placeholder 3">
+            <a:extLst>
+              <a:ext uri="{FF2B5EF4-FFF2-40B4-BE49-F238E27FC236}">
+                <a16:creationId xmlns:a16="http://schemas.microsoft.com/office/drawing/2014/main" id="{DA640124-8DFD-1EB9-FF29-A2655057B97C}"/>
+              </a:ext>
+            </a:extLst>
+          </p:cNvPr>
           <p:cNvSpPr>
-            <a:spLocks noGrp="1" noChangeArrowheads="1"/>
+            <a:spLocks noGrp="1"/>
           </p:cNvSpPr>
           <p:nvPr>
             <p:ph type="dt" sz="half" idx="10"/>
           </p:nvPr>
         </p:nvSpPr>
-        <p:spPr>
-          <a:ln/>
-        </p:spPr>
+        <p:spPr/>
         <p:txBody>
           <a:bodyPr/>
-          <a:lstStyle>
-            <a:lvl1pPr>
-              <a:defRPr/>
-            </a:lvl1pPr>
-          </a:lstStyle>
+          <a:lstStyle/>
           <a:p>
             <a:pPr>
               <a:defRPr/>
@@ -4582,24 +4712,24 @@
       </p:sp>
       <p:sp>
         <p:nvSpPr>
-          <p:cNvPr id="5" name="Rectangle 15"/>
+          <p:cNvPr id="5" name="Footer Placeholder 4">
+            <a:extLst>
+              <a:ext uri="{FF2B5EF4-FFF2-40B4-BE49-F238E27FC236}">
+                <a16:creationId xmlns:a16="http://schemas.microsoft.com/office/drawing/2014/main" id="{B95A78AB-B6D7-1226-3A70-5BF3073B7273}"/>
+              </a:ext>
+            </a:extLst>
+          </p:cNvPr>
           <p:cNvSpPr>
-            <a:spLocks noGrp="1" noChangeArrowheads="1"/>
+            <a:spLocks noGrp="1"/>
           </p:cNvSpPr>
           <p:nvPr>
             <p:ph type="ftr" sz="quarter" idx="11"/>
           </p:nvPr>
         </p:nvSpPr>
-        <p:spPr>
-          <a:ln/>
-        </p:spPr>
+        <p:spPr/>
         <p:txBody>
           <a:bodyPr/>
-          <a:lstStyle>
-            <a:lvl1pPr>
-              <a:defRPr/>
-            </a:lvl1pPr>
-          </a:lstStyle>
+          <a:lstStyle/>
           <a:p>
             <a:pPr>
               <a:defRPr/>
@@ -4610,30 +4740,30 @@
       </p:sp>
       <p:sp>
         <p:nvSpPr>
-          <p:cNvPr id="6" name="Rectangle 16"/>
+          <p:cNvPr id="6" name="Slide Number Placeholder 5">
+            <a:extLst>
+              <a:ext uri="{FF2B5EF4-FFF2-40B4-BE49-F238E27FC236}">
+                <a16:creationId xmlns:a16="http://schemas.microsoft.com/office/drawing/2014/main" id="{58A8ED85-FD82-591A-B251-F189755D33ED}"/>
+              </a:ext>
+            </a:extLst>
+          </p:cNvPr>
           <p:cNvSpPr>
-            <a:spLocks noGrp="1" noChangeArrowheads="1"/>
+            <a:spLocks noGrp="1"/>
           </p:cNvSpPr>
           <p:nvPr>
             <p:ph type="sldNum" sz="quarter" idx="12"/>
           </p:nvPr>
         </p:nvSpPr>
-        <p:spPr>
-          <a:ln/>
-        </p:spPr>
+        <p:spPr/>
         <p:txBody>
           <a:bodyPr/>
-          <a:lstStyle>
-            <a:lvl1pPr>
-              <a:defRPr/>
-            </a:lvl1pPr>
-          </a:lstStyle>
+          <a:lstStyle/>
           <a:p>
             <a:pPr>
               <a:defRPr/>
             </a:pPr>
             <a:fld id="{E34BA3A9-4E0B-FD49-BE1E-B8179035C6A1}" type="slidenum">
-              <a:rPr lang="en-US"/>
+              <a:rPr lang="en-US" smtClean="0"/>
               <a:pPr>
                 <a:defRPr/>
               </a:pPr>
@@ -4644,6 +4774,11 @@
         </p:txBody>
       </p:sp>
     </p:spTree>
+    <p:extLst>
+      <p:ext uri="{BB962C8B-B14F-4D97-AF65-F5344CB8AC3E}">
+        <p14:creationId xmlns:p14="http://schemas.microsoft.com/office/powerpoint/2010/main" val="1271617793"/>
+      </p:ext>
+    </p:extLst>
   </p:cSld>
   <p:clrMapOvr>
     <a:masterClrMapping/>
@@ -4670,7 +4805,13 @@
       </p:grpSpPr>
       <p:sp>
         <p:nvSpPr>
-          <p:cNvPr id="2" name="Title 1"/>
+          <p:cNvPr id="2" name="Title 1">
+            <a:extLst>
+              <a:ext uri="{FF2B5EF4-FFF2-40B4-BE49-F238E27FC236}">
+                <a16:creationId xmlns:a16="http://schemas.microsoft.com/office/drawing/2014/main" id="{4A8D55F3-7BE6-F1EC-854B-BBFE091502F9}"/>
+              </a:ext>
+            </a:extLst>
+          </p:cNvPr>
           <p:cNvSpPr>
             <a:spLocks noGrp="1"/>
           </p:cNvSpPr>
@@ -4692,7 +4833,13 @@
       </p:sp>
       <p:sp>
         <p:nvSpPr>
-          <p:cNvPr id="3" name="Content Placeholder 2"/>
+          <p:cNvPr id="3" name="Content Placeholder 2">
+            <a:extLst>
+              <a:ext uri="{FF2B5EF4-FFF2-40B4-BE49-F238E27FC236}">
+                <a16:creationId xmlns:a16="http://schemas.microsoft.com/office/drawing/2014/main" id="{6A7F729C-DDA9-9C31-C6B0-410C0AF9D137}"/>
+              </a:ext>
+            </a:extLst>
+          </p:cNvPr>
           <p:cNvSpPr>
             <a:spLocks noGrp="1"/>
           </p:cNvSpPr>
@@ -4743,24 +4890,24 @@
       </p:sp>
       <p:sp>
         <p:nvSpPr>
-          <p:cNvPr id="4" name="Rectangle 14"/>
+          <p:cNvPr id="4" name="Date Placeholder 3">
+            <a:extLst>
+              <a:ext uri="{FF2B5EF4-FFF2-40B4-BE49-F238E27FC236}">
+                <a16:creationId xmlns:a16="http://schemas.microsoft.com/office/drawing/2014/main" id="{77C5CE80-DC82-8931-7CA8-76BE8444B016}"/>
+              </a:ext>
+            </a:extLst>
+          </p:cNvPr>
           <p:cNvSpPr>
-            <a:spLocks noGrp="1" noChangeArrowheads="1"/>
+            <a:spLocks noGrp="1"/>
           </p:cNvSpPr>
           <p:nvPr>
             <p:ph type="dt" sz="half" idx="10"/>
           </p:nvPr>
         </p:nvSpPr>
-        <p:spPr>
-          <a:ln/>
-        </p:spPr>
+        <p:spPr/>
         <p:txBody>
           <a:bodyPr/>
-          <a:lstStyle>
-            <a:lvl1pPr>
-              <a:defRPr/>
-            </a:lvl1pPr>
-          </a:lstStyle>
+          <a:lstStyle/>
           <a:p>
             <a:pPr>
               <a:defRPr/>
@@ -4771,24 +4918,24 @@
       </p:sp>
       <p:sp>
         <p:nvSpPr>
-          <p:cNvPr id="5" name="Rectangle 15"/>
+          <p:cNvPr id="5" name="Footer Placeholder 4">
+            <a:extLst>
+              <a:ext uri="{FF2B5EF4-FFF2-40B4-BE49-F238E27FC236}">
+                <a16:creationId xmlns:a16="http://schemas.microsoft.com/office/drawing/2014/main" id="{E3087664-A256-DC5D-CB7A-C182E3F0D6F8}"/>
+              </a:ext>
+            </a:extLst>
+          </p:cNvPr>
           <p:cNvSpPr>
-            <a:spLocks noGrp="1" noChangeArrowheads="1"/>
+            <a:spLocks noGrp="1"/>
           </p:cNvSpPr>
           <p:nvPr>
             <p:ph type="ftr" sz="quarter" idx="11"/>
           </p:nvPr>
         </p:nvSpPr>
-        <p:spPr>
-          <a:ln/>
-        </p:spPr>
+        <p:spPr/>
         <p:txBody>
           <a:bodyPr/>
-          <a:lstStyle>
-            <a:lvl1pPr>
-              <a:defRPr/>
-            </a:lvl1pPr>
-          </a:lstStyle>
+          <a:lstStyle/>
           <a:p>
             <a:pPr>
               <a:defRPr/>
@@ -4799,30 +4946,30 @@
       </p:sp>
       <p:sp>
         <p:nvSpPr>
-          <p:cNvPr id="6" name="Rectangle 16"/>
+          <p:cNvPr id="6" name="Slide Number Placeholder 5">
+            <a:extLst>
+              <a:ext uri="{FF2B5EF4-FFF2-40B4-BE49-F238E27FC236}">
+                <a16:creationId xmlns:a16="http://schemas.microsoft.com/office/drawing/2014/main" id="{2CB8C962-9CBA-9BC3-B525-59DB30D197FD}"/>
+              </a:ext>
+            </a:extLst>
+          </p:cNvPr>
           <p:cNvSpPr>
-            <a:spLocks noGrp="1" noChangeArrowheads="1"/>
+            <a:spLocks noGrp="1"/>
           </p:cNvSpPr>
           <p:nvPr>
             <p:ph type="sldNum" sz="quarter" idx="12"/>
           </p:nvPr>
         </p:nvSpPr>
-        <p:spPr>
-          <a:ln/>
-        </p:spPr>
+        <p:spPr/>
         <p:txBody>
           <a:bodyPr/>
-          <a:lstStyle>
-            <a:lvl1pPr>
-              <a:defRPr/>
-            </a:lvl1pPr>
-          </a:lstStyle>
+          <a:lstStyle/>
           <a:p>
             <a:pPr>
               <a:defRPr/>
             </a:pPr>
             <a:fld id="{18470F46-84F3-4841-A00A-8EAA56A98436}" type="slidenum">
-              <a:rPr lang="en-US"/>
+              <a:rPr lang="en-US" smtClean="0"/>
               <a:pPr>
                 <a:defRPr/>
               </a:pPr>
@@ -4833,6 +4980,11 @@
         </p:txBody>
       </p:sp>
     </p:spTree>
+    <p:extLst>
+      <p:ext uri="{BB962C8B-B14F-4D97-AF65-F5344CB8AC3E}">
+        <p14:creationId xmlns:p14="http://schemas.microsoft.com/office/powerpoint/2010/main" val="2946836074"/>
+      </p:ext>
+    </p:extLst>
   </p:cSld>
   <p:clrMapOvr>
     <a:masterClrMapping/>
@@ -4859,7 +5011,13 @@
       </p:grpSpPr>
       <p:sp>
         <p:nvSpPr>
-          <p:cNvPr id="2" name="Title 1"/>
+          <p:cNvPr id="2" name="Title 1">
+            <a:extLst>
+              <a:ext uri="{FF2B5EF4-FFF2-40B4-BE49-F238E27FC236}">
+                <a16:creationId xmlns:a16="http://schemas.microsoft.com/office/drawing/2014/main" id="{0B6953C4-D948-A3F3-46A6-46D7DE60EF0A}"/>
+              </a:ext>
+            </a:extLst>
+          </p:cNvPr>
           <p:cNvSpPr>
             <a:spLocks noGrp="1"/>
           </p:cNvSpPr>
@@ -4869,15 +5027,15 @@
         </p:nvSpPr>
         <p:spPr>
           <a:xfrm>
-            <a:off x="722313" y="4406900"/>
-            <a:ext cx="7772400" cy="1362075"/>
-          </a:xfrm>
-        </p:spPr>
-        <p:txBody>
-          <a:bodyPr anchor="t"/>
+            <a:off x="623887" y="1709738"/>
+            <a:ext cx="7886700" cy="2852737"/>
+          </a:xfrm>
+        </p:spPr>
+        <p:txBody>
+          <a:bodyPr anchor="b"/>
           <a:lstStyle>
-            <a:lvl1pPr algn="l">
-              <a:defRPr sz="4000" b="1" cap="all"/>
+            <a:lvl1pPr>
+              <a:defRPr sz="4500"/>
             </a:lvl1pPr>
           </a:lstStyle>
           <a:p>
@@ -4890,7 +5048,13 @@
       </p:sp>
       <p:sp>
         <p:nvSpPr>
-          <p:cNvPr id="3" name="Text Placeholder 2"/>
+          <p:cNvPr id="3" name="Text Placeholder 2">
+            <a:extLst>
+              <a:ext uri="{FF2B5EF4-FFF2-40B4-BE49-F238E27FC236}">
+                <a16:creationId xmlns:a16="http://schemas.microsoft.com/office/drawing/2014/main" id="{045DE9E0-1679-BCD3-DB54-EBB6767FD327}"/>
+              </a:ext>
+            </a:extLst>
+          </p:cNvPr>
           <p:cNvSpPr>
             <a:spLocks noGrp="1"/>
           </p:cNvSpPr>
@@ -4900,48 +5064,102 @@
         </p:nvSpPr>
         <p:spPr>
           <a:xfrm>
-            <a:off x="722313" y="2906713"/>
-            <a:ext cx="7772400" cy="1500187"/>
-          </a:xfrm>
-        </p:spPr>
-        <p:txBody>
-          <a:bodyPr anchor="b"/>
+            <a:off x="623887" y="4589464"/>
+            <a:ext cx="7886700" cy="1500187"/>
+          </a:xfrm>
+        </p:spPr>
+        <p:txBody>
+          <a:bodyPr/>
           <a:lstStyle>
             <a:lvl1pPr marL="0" indent="0">
               <a:buNone/>
-              <a:defRPr sz="2000"/>
+              <a:defRPr sz="1800">
+                <a:solidFill>
+                  <a:schemeClr val="tx1">
+                    <a:tint val="82000"/>
+                  </a:schemeClr>
+                </a:solidFill>
+              </a:defRPr>
             </a:lvl1pPr>
-            <a:lvl2pPr marL="457200" indent="0">
+            <a:lvl2pPr marL="342900" indent="0">
               <a:buNone/>
-              <a:defRPr sz="1800"/>
+              <a:defRPr sz="1500">
+                <a:solidFill>
+                  <a:schemeClr val="tx1">
+                    <a:tint val="82000"/>
+                  </a:schemeClr>
+                </a:solidFill>
+              </a:defRPr>
             </a:lvl2pPr>
-            <a:lvl3pPr marL="914400" indent="0">
+            <a:lvl3pPr marL="685800" indent="0">
               <a:buNone/>
-              <a:defRPr sz="1600"/>
+              <a:defRPr sz="1350">
+                <a:solidFill>
+                  <a:schemeClr val="tx1">
+                    <a:tint val="82000"/>
+                  </a:schemeClr>
+                </a:solidFill>
+              </a:defRPr>
             </a:lvl3pPr>
-            <a:lvl4pPr marL="1371600" indent="0">
+            <a:lvl4pPr marL="1028700" indent="0">
               <a:buNone/>
-              <a:defRPr sz="1400"/>
+              <a:defRPr sz="1200">
+                <a:solidFill>
+                  <a:schemeClr val="tx1">
+                    <a:tint val="82000"/>
+                  </a:schemeClr>
+                </a:solidFill>
+              </a:defRPr>
             </a:lvl4pPr>
-            <a:lvl5pPr marL="1828800" indent="0">
+            <a:lvl5pPr marL="1371600" indent="0">
               <a:buNone/>
-              <a:defRPr sz="1400"/>
+              <a:defRPr sz="1200">
+                <a:solidFill>
+                  <a:schemeClr val="tx1">
+                    <a:tint val="82000"/>
+                  </a:schemeClr>
+                </a:solidFill>
+              </a:defRPr>
             </a:lvl5pPr>
-            <a:lvl6pPr marL="2286000" indent="0">
+            <a:lvl6pPr marL="1714500" indent="0">
               <a:buNone/>
-              <a:defRPr sz="1400"/>
+              <a:defRPr sz="1200">
+                <a:solidFill>
+                  <a:schemeClr val="tx1">
+                    <a:tint val="82000"/>
+                  </a:schemeClr>
+                </a:solidFill>
+              </a:defRPr>
             </a:lvl6pPr>
-            <a:lvl7pPr marL="2743200" indent="0">
+            <a:lvl7pPr marL="2057400" indent="0">
               <a:buNone/>
-              <a:defRPr sz="1400"/>
+              <a:defRPr sz="1200">
+                <a:solidFill>
+                  <a:schemeClr val="tx1">
+                    <a:tint val="82000"/>
+                  </a:schemeClr>
+                </a:solidFill>
+              </a:defRPr>
             </a:lvl7pPr>
-            <a:lvl8pPr marL="3200400" indent="0">
+            <a:lvl8pPr marL="2400300" indent="0">
               <a:buNone/>
-              <a:defRPr sz="1400"/>
+              <a:defRPr sz="1200">
+                <a:solidFill>
+                  <a:schemeClr val="tx1">
+                    <a:tint val="82000"/>
+                  </a:schemeClr>
+                </a:solidFill>
+              </a:defRPr>
             </a:lvl8pPr>
-            <a:lvl9pPr marL="3657600" indent="0">
+            <a:lvl9pPr marL="2743200" indent="0">
               <a:buNone/>
-              <a:defRPr sz="1400"/>
+              <a:defRPr sz="1200">
+                <a:solidFill>
+                  <a:schemeClr val="tx1">
+                    <a:tint val="82000"/>
+                  </a:schemeClr>
+                </a:solidFill>
+              </a:defRPr>
             </a:lvl9pPr>
           </a:lstStyle>
           <a:p>
@@ -4955,24 +5173,24 @@
       </p:sp>
       <p:sp>
         <p:nvSpPr>
-          <p:cNvPr id="4" name="Rectangle 14"/>
+          <p:cNvPr id="4" name="Date Placeholder 3">
+            <a:extLst>
+              <a:ext uri="{FF2B5EF4-FFF2-40B4-BE49-F238E27FC236}">
+                <a16:creationId xmlns:a16="http://schemas.microsoft.com/office/drawing/2014/main" id="{C10BB376-1965-E434-93B6-F24AF548A968}"/>
+              </a:ext>
+            </a:extLst>
+          </p:cNvPr>
           <p:cNvSpPr>
-            <a:spLocks noGrp="1" noChangeArrowheads="1"/>
+            <a:spLocks noGrp="1"/>
           </p:cNvSpPr>
           <p:nvPr>
             <p:ph type="dt" sz="half" idx="10"/>
           </p:nvPr>
         </p:nvSpPr>
-        <p:spPr>
-          <a:ln/>
-        </p:spPr>
+        <p:spPr/>
         <p:txBody>
           <a:bodyPr/>
-          <a:lstStyle>
-            <a:lvl1pPr>
-              <a:defRPr/>
-            </a:lvl1pPr>
-          </a:lstStyle>
+          <a:lstStyle/>
           <a:p>
             <a:pPr>
               <a:defRPr/>
@@ -4983,24 +5201,24 @@
       </p:sp>
       <p:sp>
         <p:nvSpPr>
-          <p:cNvPr id="5" name="Rectangle 15"/>
+          <p:cNvPr id="5" name="Footer Placeholder 4">
+            <a:extLst>
+              <a:ext uri="{FF2B5EF4-FFF2-40B4-BE49-F238E27FC236}">
+                <a16:creationId xmlns:a16="http://schemas.microsoft.com/office/drawing/2014/main" id="{82CCB13D-2922-9213-4D7E-EAE8395153C0}"/>
+              </a:ext>
+            </a:extLst>
+          </p:cNvPr>
           <p:cNvSpPr>
-            <a:spLocks noGrp="1" noChangeArrowheads="1"/>
+            <a:spLocks noGrp="1"/>
           </p:cNvSpPr>
           <p:nvPr>
             <p:ph type="ftr" sz="quarter" idx="11"/>
           </p:nvPr>
         </p:nvSpPr>
-        <p:spPr>
-          <a:ln/>
-        </p:spPr>
+        <p:spPr/>
         <p:txBody>
           <a:bodyPr/>
-          <a:lstStyle>
-            <a:lvl1pPr>
-              <a:defRPr/>
-            </a:lvl1pPr>
-          </a:lstStyle>
+          <a:lstStyle/>
           <a:p>
             <a:pPr>
               <a:defRPr/>
@@ -5011,30 +5229,30 @@
       </p:sp>
       <p:sp>
         <p:nvSpPr>
-          <p:cNvPr id="6" name="Rectangle 16"/>
+          <p:cNvPr id="6" name="Slide Number Placeholder 5">
+            <a:extLst>
+              <a:ext uri="{FF2B5EF4-FFF2-40B4-BE49-F238E27FC236}">
+                <a16:creationId xmlns:a16="http://schemas.microsoft.com/office/drawing/2014/main" id="{EA0F4246-AC9A-672D-462F-6FDFCE864B47}"/>
+              </a:ext>
+            </a:extLst>
+          </p:cNvPr>
           <p:cNvSpPr>
-            <a:spLocks noGrp="1" noChangeArrowheads="1"/>
+            <a:spLocks noGrp="1"/>
           </p:cNvSpPr>
           <p:nvPr>
             <p:ph type="sldNum" sz="quarter" idx="12"/>
           </p:nvPr>
         </p:nvSpPr>
-        <p:spPr>
-          <a:ln/>
-        </p:spPr>
+        <p:spPr/>
         <p:txBody>
           <a:bodyPr/>
-          <a:lstStyle>
-            <a:lvl1pPr>
-              <a:defRPr/>
-            </a:lvl1pPr>
-          </a:lstStyle>
+          <a:lstStyle/>
           <a:p>
             <a:pPr>
               <a:defRPr/>
             </a:pPr>
             <a:fld id="{E91B18E3-807F-A74B-B9B0-A9E08F586304}" type="slidenum">
-              <a:rPr lang="en-US"/>
+              <a:rPr lang="en-US" smtClean="0"/>
               <a:pPr>
                 <a:defRPr/>
               </a:pPr>
@@ -5045,6 +5263,11 @@
         </p:txBody>
       </p:sp>
     </p:spTree>
+    <p:extLst>
+      <p:ext uri="{BB962C8B-B14F-4D97-AF65-F5344CB8AC3E}">
+        <p14:creationId xmlns:p14="http://schemas.microsoft.com/office/powerpoint/2010/main" val="589832555"/>
+      </p:ext>
+    </p:extLst>
   </p:cSld>
   <p:clrMapOvr>
     <a:masterClrMapping/>
@@ -5071,7 +5294,13 @@
       </p:grpSpPr>
       <p:sp>
         <p:nvSpPr>
-          <p:cNvPr id="2" name="Title 1"/>
+          <p:cNvPr id="2" name="Title 1">
+            <a:extLst>
+              <a:ext uri="{FF2B5EF4-FFF2-40B4-BE49-F238E27FC236}">
+                <a16:creationId xmlns:a16="http://schemas.microsoft.com/office/drawing/2014/main" id="{C98442D3-6D47-0E91-165E-A7DB5FEBBCD2}"/>
+              </a:ext>
+            </a:extLst>
+          </p:cNvPr>
           <p:cNvSpPr>
             <a:spLocks noGrp="1"/>
           </p:cNvSpPr>
@@ -5093,7 +5322,13 @@
       </p:sp>
       <p:sp>
         <p:nvSpPr>
-          <p:cNvPr id="3" name="Content Placeholder 2"/>
+          <p:cNvPr id="3" name="Content Placeholder 2">
+            <a:extLst>
+              <a:ext uri="{FF2B5EF4-FFF2-40B4-BE49-F238E27FC236}">
+                <a16:creationId xmlns:a16="http://schemas.microsoft.com/office/drawing/2014/main" id="{AA166FFC-BC27-E581-3D56-75DA84F123E3}"/>
+              </a:ext>
+            </a:extLst>
+          </p:cNvPr>
           <p:cNvSpPr>
             <a:spLocks noGrp="1"/>
           </p:cNvSpPr>
@@ -5103,41 +5338,13 @@
         </p:nvSpPr>
         <p:spPr>
           <a:xfrm>
-            <a:off x="685800" y="1981200"/>
-            <a:ext cx="3810000" cy="4114800"/>
+            <a:off x="628650" y="1825625"/>
+            <a:ext cx="3886200" cy="4351338"/>
           </a:xfrm>
         </p:spPr>
         <p:txBody>
           <a:bodyPr/>
-          <a:lstStyle>
-            <a:lvl1pPr>
-              <a:defRPr sz="2800"/>
-            </a:lvl1pPr>
-            <a:lvl2pPr>
-              <a:defRPr sz="2400"/>
-            </a:lvl2pPr>
-            <a:lvl3pPr>
-              <a:defRPr sz="2000"/>
-            </a:lvl3pPr>
-            <a:lvl4pPr>
-              <a:defRPr sz="1800"/>
-            </a:lvl4pPr>
-            <a:lvl5pPr>
-              <a:defRPr sz="1800"/>
-            </a:lvl5pPr>
-            <a:lvl6pPr>
-              <a:defRPr sz="1800"/>
-            </a:lvl6pPr>
-            <a:lvl7pPr>
-              <a:defRPr sz="1800"/>
-            </a:lvl7pPr>
-            <a:lvl8pPr>
-              <a:defRPr sz="1800"/>
-            </a:lvl8pPr>
-            <a:lvl9pPr>
-              <a:defRPr sz="1800"/>
-            </a:lvl9pPr>
-          </a:lstStyle>
+          <a:lstStyle/>
           <a:p>
             <a:pPr lvl="0"/>
             <a:r>
@@ -5177,7 +5384,13 @@
       </p:sp>
       <p:sp>
         <p:nvSpPr>
-          <p:cNvPr id="4" name="Content Placeholder 3"/>
+          <p:cNvPr id="4" name="Content Placeholder 3">
+            <a:extLst>
+              <a:ext uri="{FF2B5EF4-FFF2-40B4-BE49-F238E27FC236}">
+                <a16:creationId xmlns:a16="http://schemas.microsoft.com/office/drawing/2014/main" id="{F3435BA3-211D-C30B-7B8D-7AA50BB87304}"/>
+              </a:ext>
+            </a:extLst>
+          </p:cNvPr>
           <p:cNvSpPr>
             <a:spLocks noGrp="1"/>
           </p:cNvSpPr>
@@ -5187,41 +5400,13 @@
         </p:nvSpPr>
         <p:spPr>
           <a:xfrm>
-            <a:off x="4648200" y="1981200"/>
-            <a:ext cx="3810000" cy="4114800"/>
+            <a:off x="4629150" y="1825625"/>
+            <a:ext cx="3886200" cy="4351338"/>
           </a:xfrm>
         </p:spPr>
         <p:txBody>
           <a:bodyPr/>
-          <a:lstStyle>
-            <a:lvl1pPr>
-              <a:defRPr sz="2800"/>
-            </a:lvl1pPr>
-            <a:lvl2pPr>
-              <a:defRPr sz="2400"/>
-            </a:lvl2pPr>
-            <a:lvl3pPr>
-              <a:defRPr sz="2000"/>
-            </a:lvl3pPr>
-            <a:lvl4pPr>
-              <a:defRPr sz="1800"/>
-            </a:lvl4pPr>
-            <a:lvl5pPr>
-              <a:defRPr sz="1800"/>
-            </a:lvl5pPr>
-            <a:lvl6pPr>
-              <a:defRPr sz="1800"/>
-            </a:lvl6pPr>
-            <a:lvl7pPr>
-              <a:defRPr sz="1800"/>
-            </a:lvl7pPr>
-            <a:lvl8pPr>
-              <a:defRPr sz="1800"/>
-            </a:lvl8pPr>
-            <a:lvl9pPr>
-              <a:defRPr sz="1800"/>
-            </a:lvl9pPr>
-          </a:lstStyle>
+          <a:lstStyle/>
           <a:p>
             <a:pPr lvl="0"/>
             <a:r>
@@ -5261,24 +5446,24 @@
       </p:sp>
       <p:sp>
         <p:nvSpPr>
-          <p:cNvPr id="5" name="Rectangle 14"/>
+          <p:cNvPr id="5" name="Date Placeholder 4">
+            <a:extLst>
+              <a:ext uri="{FF2B5EF4-FFF2-40B4-BE49-F238E27FC236}">
+                <a16:creationId xmlns:a16="http://schemas.microsoft.com/office/drawing/2014/main" id="{6F0DE736-5702-D797-1013-319B25FC329F}"/>
+              </a:ext>
+            </a:extLst>
+          </p:cNvPr>
           <p:cNvSpPr>
-            <a:spLocks noGrp="1" noChangeArrowheads="1"/>
+            <a:spLocks noGrp="1"/>
           </p:cNvSpPr>
           <p:nvPr>
             <p:ph type="dt" sz="half" idx="10"/>
           </p:nvPr>
         </p:nvSpPr>
-        <p:spPr>
-          <a:ln/>
-        </p:spPr>
+        <p:spPr/>
         <p:txBody>
           <a:bodyPr/>
-          <a:lstStyle>
-            <a:lvl1pPr>
-              <a:defRPr/>
-            </a:lvl1pPr>
-          </a:lstStyle>
+          <a:lstStyle/>
           <a:p>
             <a:pPr>
               <a:defRPr/>
@@ -5289,24 +5474,24 @@
       </p:sp>
       <p:sp>
         <p:nvSpPr>
-          <p:cNvPr id="6" name="Rectangle 15"/>
+          <p:cNvPr id="6" name="Footer Placeholder 5">
+            <a:extLst>
+              <a:ext uri="{FF2B5EF4-FFF2-40B4-BE49-F238E27FC236}">
+                <a16:creationId xmlns:a16="http://schemas.microsoft.com/office/drawing/2014/main" id="{FDC5E144-EA5E-9FEB-40FB-1DE39BC0BD6F}"/>
+              </a:ext>
+            </a:extLst>
+          </p:cNvPr>
           <p:cNvSpPr>
-            <a:spLocks noGrp="1" noChangeArrowheads="1"/>
+            <a:spLocks noGrp="1"/>
           </p:cNvSpPr>
           <p:nvPr>
             <p:ph type="ftr" sz="quarter" idx="11"/>
           </p:nvPr>
         </p:nvSpPr>
-        <p:spPr>
-          <a:ln/>
-        </p:spPr>
+        <p:spPr/>
         <p:txBody>
           <a:bodyPr/>
-          <a:lstStyle>
-            <a:lvl1pPr>
-              <a:defRPr/>
-            </a:lvl1pPr>
-          </a:lstStyle>
+          <a:lstStyle/>
           <a:p>
             <a:pPr>
               <a:defRPr/>
@@ -5317,30 +5502,30 @@
       </p:sp>
       <p:sp>
         <p:nvSpPr>
-          <p:cNvPr id="7" name="Rectangle 16"/>
+          <p:cNvPr id="7" name="Slide Number Placeholder 6">
+            <a:extLst>
+              <a:ext uri="{FF2B5EF4-FFF2-40B4-BE49-F238E27FC236}">
+                <a16:creationId xmlns:a16="http://schemas.microsoft.com/office/drawing/2014/main" id="{28528FB8-1DAF-3D1E-B886-C94F6D59527C}"/>
+              </a:ext>
+            </a:extLst>
+          </p:cNvPr>
           <p:cNvSpPr>
-            <a:spLocks noGrp="1" noChangeArrowheads="1"/>
+            <a:spLocks noGrp="1"/>
           </p:cNvSpPr>
           <p:nvPr>
             <p:ph type="sldNum" sz="quarter" idx="12"/>
           </p:nvPr>
         </p:nvSpPr>
-        <p:spPr>
-          <a:ln/>
-        </p:spPr>
+        <p:spPr/>
         <p:txBody>
           <a:bodyPr/>
-          <a:lstStyle>
-            <a:lvl1pPr>
-              <a:defRPr/>
-            </a:lvl1pPr>
-          </a:lstStyle>
+          <a:lstStyle/>
           <a:p>
             <a:pPr>
               <a:defRPr/>
             </a:pPr>
             <a:fld id="{5B2A4FA1-8607-774C-AA86-B85150486884}" type="slidenum">
-              <a:rPr lang="en-US"/>
+              <a:rPr lang="en-US" smtClean="0"/>
               <a:pPr>
                 <a:defRPr/>
               </a:pPr>
@@ -5351,6 +5536,11 @@
         </p:txBody>
       </p:sp>
     </p:spTree>
+    <p:extLst>
+      <p:ext uri="{BB962C8B-B14F-4D97-AF65-F5344CB8AC3E}">
+        <p14:creationId xmlns:p14="http://schemas.microsoft.com/office/powerpoint/2010/main" val="1884233581"/>
+      </p:ext>
+    </p:extLst>
   </p:cSld>
   <p:clrMapOvr>
     <a:masterClrMapping/>
@@ -5377,7 +5567,13 @@
       </p:grpSpPr>
       <p:sp>
         <p:nvSpPr>
-          <p:cNvPr id="2" name="Title 1"/>
+          <p:cNvPr id="2" name="Title 1">
+            <a:extLst>
+              <a:ext uri="{FF2B5EF4-FFF2-40B4-BE49-F238E27FC236}">
+                <a16:creationId xmlns:a16="http://schemas.microsoft.com/office/drawing/2014/main" id="{7B504DD3-CCA2-E3B7-77EE-6E260123DAF8}"/>
+              </a:ext>
+            </a:extLst>
+          </p:cNvPr>
           <p:cNvSpPr>
             <a:spLocks noGrp="1"/>
           </p:cNvSpPr>
@@ -5387,17 +5583,13 @@
         </p:nvSpPr>
         <p:spPr>
           <a:xfrm>
-            <a:off x="457200" y="274638"/>
-            <a:ext cx="8229600" cy="1143000"/>
+            <a:off x="629841" y="365126"/>
+            <a:ext cx="7886700" cy="1325563"/>
           </a:xfrm>
         </p:spPr>
         <p:txBody>
           <a:bodyPr/>
-          <a:lstStyle>
-            <a:lvl1pPr>
-              <a:defRPr/>
-            </a:lvl1pPr>
-          </a:lstStyle>
+          <a:lstStyle/>
           <a:p>
             <a:r>
               <a:rPr lang="en-US"/>
@@ -5408,7 +5600,13 @@
       </p:sp>
       <p:sp>
         <p:nvSpPr>
-          <p:cNvPr id="3" name="Text Placeholder 2"/>
+          <p:cNvPr id="3" name="Text Placeholder 2">
+            <a:extLst>
+              <a:ext uri="{FF2B5EF4-FFF2-40B4-BE49-F238E27FC236}">
+                <a16:creationId xmlns:a16="http://schemas.microsoft.com/office/drawing/2014/main" id="{B117DCA4-3E4D-767D-5520-5ACE0AF5560C}"/>
+              </a:ext>
+            </a:extLst>
+          </p:cNvPr>
           <p:cNvSpPr>
             <a:spLocks noGrp="1"/>
           </p:cNvSpPr>
@@ -5418,8 +5616,8 @@
         </p:nvSpPr>
         <p:spPr>
           <a:xfrm>
-            <a:off x="457200" y="1535113"/>
-            <a:ext cx="4040188" cy="639762"/>
+            <a:off x="629842" y="1681163"/>
+            <a:ext cx="3868340" cy="823912"/>
           </a:xfrm>
         </p:spPr>
         <p:txBody>
@@ -5427,39 +5625,39 @@
           <a:lstStyle>
             <a:lvl1pPr marL="0" indent="0">
               <a:buNone/>
-              <a:defRPr sz="2400" b="1"/>
+              <a:defRPr sz="1800" b="1"/>
             </a:lvl1pPr>
-            <a:lvl2pPr marL="457200" indent="0">
+            <a:lvl2pPr marL="342900" indent="0">
               <a:buNone/>
-              <a:defRPr sz="2000" b="1"/>
+              <a:defRPr sz="1500" b="1"/>
             </a:lvl2pPr>
-            <a:lvl3pPr marL="914400" indent="0">
+            <a:lvl3pPr marL="685800" indent="0">
               <a:buNone/>
-              <a:defRPr sz="1800" b="1"/>
+              <a:defRPr sz="1350" b="1"/>
             </a:lvl3pPr>
-            <a:lvl4pPr marL="1371600" indent="0">
+            <a:lvl4pPr marL="1028700" indent="0">
               <a:buNone/>
-              <a:defRPr sz="1600" b="1"/>
+              <a:defRPr sz="1200" b="1"/>
             </a:lvl4pPr>
-            <a:lvl5pPr marL="1828800" indent="0">
+            <a:lvl5pPr marL="1371600" indent="0">
               <a:buNone/>
-              <a:defRPr sz="1600" b="1"/>
+              <a:defRPr sz="1200" b="1"/>
             </a:lvl5pPr>
-            <a:lvl6pPr marL="2286000" indent="0">
+            <a:lvl6pPr marL="1714500" indent="0">
               <a:buNone/>
-              <a:defRPr sz="1600" b="1"/>
+              <a:defRPr sz="1200" b="1"/>
             </a:lvl6pPr>
-            <a:lvl7pPr marL="2743200" indent="0">
+            <a:lvl7pPr marL="2057400" indent="0">
               <a:buNone/>
-              <a:defRPr sz="1600" b="1"/>
+              <a:defRPr sz="1200" b="1"/>
             </a:lvl7pPr>
-            <a:lvl8pPr marL="3200400" indent="0">
+            <a:lvl8pPr marL="2400300" indent="0">
               <a:buNone/>
-              <a:defRPr sz="1600" b="1"/>
+              <a:defRPr sz="1200" b="1"/>
             </a:lvl8pPr>
-            <a:lvl9pPr marL="3657600" indent="0">
+            <a:lvl9pPr marL="2743200" indent="0">
               <a:buNone/>
-              <a:defRPr sz="1600" b="1"/>
+              <a:defRPr sz="1200" b="1"/>
             </a:lvl9pPr>
           </a:lstStyle>
           <a:p>
@@ -5473,7 +5671,13 @@
       </p:sp>
       <p:sp>
         <p:nvSpPr>
-          <p:cNvPr id="4" name="Content Placeholder 3"/>
+          <p:cNvPr id="4" name="Content Placeholder 3">
+            <a:extLst>
+              <a:ext uri="{FF2B5EF4-FFF2-40B4-BE49-F238E27FC236}">
+                <a16:creationId xmlns:a16="http://schemas.microsoft.com/office/drawing/2014/main" id="{77D41B4D-0C0D-862B-85B0-3CBFBCFAE014}"/>
+              </a:ext>
+            </a:extLst>
+          </p:cNvPr>
           <p:cNvSpPr>
             <a:spLocks noGrp="1"/>
           </p:cNvSpPr>
@@ -5483,41 +5687,13 @@
         </p:nvSpPr>
         <p:spPr>
           <a:xfrm>
-            <a:off x="457200" y="2174875"/>
-            <a:ext cx="4040188" cy="3951288"/>
+            <a:off x="629842" y="2505075"/>
+            <a:ext cx="3868340" cy="3684588"/>
           </a:xfrm>
         </p:spPr>
         <p:txBody>
           <a:bodyPr/>
-          <a:lstStyle>
-            <a:lvl1pPr>
-              <a:defRPr sz="2400"/>
-            </a:lvl1pPr>
-            <a:lvl2pPr>
-              <a:defRPr sz="2000"/>
-            </a:lvl2pPr>
-            <a:lvl3pPr>
-              <a:defRPr sz="1800"/>
-            </a:lvl3pPr>
-            <a:lvl4pPr>
-              <a:defRPr sz="1600"/>
-            </a:lvl4pPr>
-            <a:lvl5pPr>
-              <a:defRPr sz="1600"/>
-            </a:lvl5pPr>
-            <a:lvl6pPr>
-              <a:defRPr sz="1600"/>
-            </a:lvl6pPr>
-            <a:lvl7pPr>
-              <a:defRPr sz="1600"/>
-            </a:lvl7pPr>
-            <a:lvl8pPr>
-              <a:defRPr sz="1600"/>
-            </a:lvl8pPr>
-            <a:lvl9pPr>
-              <a:defRPr sz="1600"/>
-            </a:lvl9pPr>
-          </a:lstStyle>
+          <a:lstStyle/>
           <a:p>
             <a:pPr lvl="0"/>
             <a:r>
@@ -5557,7 +5733,13 @@
       </p:sp>
       <p:sp>
         <p:nvSpPr>
-          <p:cNvPr id="5" name="Text Placeholder 4"/>
+          <p:cNvPr id="5" name="Text Placeholder 4">
+            <a:extLst>
+              <a:ext uri="{FF2B5EF4-FFF2-40B4-BE49-F238E27FC236}">
+                <a16:creationId xmlns:a16="http://schemas.microsoft.com/office/drawing/2014/main" id="{733B4CBE-5260-0D8F-6161-E8302B77ACAA}"/>
+              </a:ext>
+            </a:extLst>
+          </p:cNvPr>
           <p:cNvSpPr>
             <a:spLocks noGrp="1"/>
           </p:cNvSpPr>
@@ -5567,8 +5749,8 @@
         </p:nvSpPr>
         <p:spPr>
           <a:xfrm>
-            <a:off x="4645025" y="1535113"/>
-            <a:ext cx="4041775" cy="639762"/>
+            <a:off x="4629150" y="1681163"/>
+            <a:ext cx="3887391" cy="823912"/>
           </a:xfrm>
         </p:spPr>
         <p:txBody>
@@ -5576,39 +5758,39 @@
           <a:lstStyle>
             <a:lvl1pPr marL="0" indent="0">
               <a:buNone/>
-              <a:defRPr sz="2400" b="1"/>
+              <a:defRPr sz="1800" b="1"/>
             </a:lvl1pPr>
-            <a:lvl2pPr marL="457200" indent="0">
+            <a:lvl2pPr marL="342900" indent="0">
               <a:buNone/>
-              <a:defRPr sz="2000" b="1"/>
+              <a:defRPr sz="1500" b="1"/>
             </a:lvl2pPr>
-            <a:lvl3pPr marL="914400" indent="0">
+            <a:lvl3pPr marL="685800" indent="0">
               <a:buNone/>
-              <a:defRPr sz="1800" b="1"/>
+              <a:defRPr sz="1350" b="1"/>
             </a:lvl3pPr>
-            <a:lvl4pPr marL="1371600" indent="0">
+            <a:lvl4pPr marL="1028700" indent="0">
               <a:buNone/>
-              <a:defRPr sz="1600" b="1"/>
+              <a:defRPr sz="1200" b="1"/>
             </a:lvl4pPr>
-            <a:lvl5pPr marL="1828800" indent="0">
+            <a:lvl5pPr marL="1371600" indent="0">
               <a:buNone/>
-              <a:defRPr sz="1600" b="1"/>
+              <a:defRPr sz="1200" b="1"/>
             </a:lvl5pPr>
-            <a:lvl6pPr marL="2286000" indent="0">
+            <a:lvl6pPr marL="1714500" indent="0">
               <a:buNone/>
-              <a:defRPr sz="1600" b="1"/>
+              <a:defRPr sz="1200" b="1"/>
             </a:lvl6pPr>
-            <a:lvl7pPr marL="2743200" indent="0">
+            <a:lvl7pPr marL="2057400" indent="0">
               <a:buNone/>
-              <a:defRPr sz="1600" b="1"/>
+              <a:defRPr sz="1200" b="1"/>
             </a:lvl7pPr>
-            <a:lvl8pPr marL="3200400" indent="0">
+            <a:lvl8pPr marL="2400300" indent="0">
               <a:buNone/>
-              <a:defRPr sz="1600" b="1"/>
+              <a:defRPr sz="1200" b="1"/>
             </a:lvl8pPr>
-            <a:lvl9pPr marL="3657600" indent="0">
+            <a:lvl9pPr marL="2743200" indent="0">
               <a:buNone/>
-              <a:defRPr sz="1600" b="1"/>
+              <a:defRPr sz="1200" b="1"/>
             </a:lvl9pPr>
           </a:lstStyle>
           <a:p>
@@ -5622,7 +5804,13 @@
       </p:sp>
       <p:sp>
         <p:nvSpPr>
-          <p:cNvPr id="6" name="Content Placeholder 5"/>
+          <p:cNvPr id="6" name="Content Placeholder 5">
+            <a:extLst>
+              <a:ext uri="{FF2B5EF4-FFF2-40B4-BE49-F238E27FC236}">
+                <a16:creationId xmlns:a16="http://schemas.microsoft.com/office/drawing/2014/main" id="{CEE08F22-F965-849E-8DED-9F82CD4FBF41}"/>
+              </a:ext>
+            </a:extLst>
+          </p:cNvPr>
           <p:cNvSpPr>
             <a:spLocks noGrp="1"/>
           </p:cNvSpPr>
@@ -5632,41 +5820,13 @@
         </p:nvSpPr>
         <p:spPr>
           <a:xfrm>
-            <a:off x="4645025" y="2174875"/>
-            <a:ext cx="4041775" cy="3951288"/>
+            <a:off x="4629150" y="2505075"/>
+            <a:ext cx="3887391" cy="3684588"/>
           </a:xfrm>
         </p:spPr>
         <p:txBody>
           <a:bodyPr/>
-          <a:lstStyle>
-            <a:lvl1pPr>
-              <a:defRPr sz="2400"/>
-            </a:lvl1pPr>
-            <a:lvl2pPr>
-              <a:defRPr sz="2000"/>
-            </a:lvl2pPr>
-            <a:lvl3pPr>
-              <a:defRPr sz="1800"/>
-            </a:lvl3pPr>
-            <a:lvl4pPr>
-              <a:defRPr sz="1600"/>
-            </a:lvl4pPr>
-            <a:lvl5pPr>
-              <a:defRPr sz="1600"/>
-            </a:lvl5pPr>
-            <a:lvl6pPr>
-              <a:defRPr sz="1600"/>
-            </a:lvl6pPr>
-            <a:lvl7pPr>
-              <a:defRPr sz="1600"/>
-            </a:lvl7pPr>
-            <a:lvl8pPr>
-              <a:defRPr sz="1600"/>
-            </a:lvl8pPr>
-            <a:lvl9pPr>
-              <a:defRPr sz="1600"/>
-            </a:lvl9pPr>
-          </a:lstStyle>
+          <a:lstStyle/>
           <a:p>
             <a:pPr lvl="0"/>
             <a:r>
@@ -5706,24 +5866,24 @@
       </p:sp>
       <p:sp>
         <p:nvSpPr>
-          <p:cNvPr id="7" name="Rectangle 14"/>
+          <p:cNvPr id="7" name="Date Placeholder 6">
+            <a:extLst>
+              <a:ext uri="{FF2B5EF4-FFF2-40B4-BE49-F238E27FC236}">
+                <a16:creationId xmlns:a16="http://schemas.microsoft.com/office/drawing/2014/main" id="{A5601429-5601-BE01-FAD8-03C4D7A4BB29}"/>
+              </a:ext>
+            </a:extLst>
+          </p:cNvPr>
           <p:cNvSpPr>
-            <a:spLocks noGrp="1" noChangeArrowheads="1"/>
+            <a:spLocks noGrp="1"/>
           </p:cNvSpPr>
           <p:nvPr>
             <p:ph type="dt" sz="half" idx="10"/>
           </p:nvPr>
         </p:nvSpPr>
-        <p:spPr>
-          <a:ln/>
-        </p:spPr>
+        <p:spPr/>
         <p:txBody>
           <a:bodyPr/>
-          <a:lstStyle>
-            <a:lvl1pPr>
-              <a:defRPr/>
-            </a:lvl1pPr>
-          </a:lstStyle>
+          <a:lstStyle/>
           <a:p>
             <a:pPr>
               <a:defRPr/>
@@ -5734,24 +5894,24 @@
       </p:sp>
       <p:sp>
         <p:nvSpPr>
-          <p:cNvPr id="8" name="Rectangle 15"/>
+          <p:cNvPr id="8" name="Footer Placeholder 7">
+            <a:extLst>
+              <a:ext uri="{FF2B5EF4-FFF2-40B4-BE49-F238E27FC236}">
+                <a16:creationId xmlns:a16="http://schemas.microsoft.com/office/drawing/2014/main" id="{725559FB-D9C8-A711-CA91-CF873496A80C}"/>
+              </a:ext>
+            </a:extLst>
+          </p:cNvPr>
           <p:cNvSpPr>
-            <a:spLocks noGrp="1" noChangeArrowheads="1"/>
+            <a:spLocks noGrp="1"/>
           </p:cNvSpPr>
           <p:nvPr>
             <p:ph type="ftr" sz="quarter" idx="11"/>
           </p:nvPr>
         </p:nvSpPr>
-        <p:spPr>
-          <a:ln/>
-        </p:spPr>
+        <p:spPr/>
         <p:txBody>
           <a:bodyPr/>
-          <a:lstStyle>
-            <a:lvl1pPr>
-              <a:defRPr/>
-            </a:lvl1pPr>
-          </a:lstStyle>
+          <a:lstStyle/>
           <a:p>
             <a:pPr>
               <a:defRPr/>
@@ -5762,30 +5922,30 @@
       </p:sp>
       <p:sp>
         <p:nvSpPr>
-          <p:cNvPr id="9" name="Rectangle 16"/>
+          <p:cNvPr id="9" name="Slide Number Placeholder 8">
+            <a:extLst>
+              <a:ext uri="{FF2B5EF4-FFF2-40B4-BE49-F238E27FC236}">
+                <a16:creationId xmlns:a16="http://schemas.microsoft.com/office/drawing/2014/main" id="{7E6FDEC8-0E0A-8462-2108-40160E161A31}"/>
+              </a:ext>
+            </a:extLst>
+          </p:cNvPr>
           <p:cNvSpPr>
-            <a:spLocks noGrp="1" noChangeArrowheads="1"/>
+            <a:spLocks noGrp="1"/>
           </p:cNvSpPr>
           <p:nvPr>
             <p:ph type="sldNum" sz="quarter" idx="12"/>
           </p:nvPr>
         </p:nvSpPr>
-        <p:spPr>
-          <a:ln/>
-        </p:spPr>
+        <p:spPr/>
         <p:txBody>
           <a:bodyPr/>
-          <a:lstStyle>
-            <a:lvl1pPr>
-              <a:defRPr/>
-            </a:lvl1pPr>
-          </a:lstStyle>
+          <a:lstStyle/>
           <a:p>
             <a:pPr>
               <a:defRPr/>
             </a:pPr>
             <a:fld id="{E8DEFB5A-64A6-F140-A391-B0801BFA2F38}" type="slidenum">
-              <a:rPr lang="en-US"/>
+              <a:rPr lang="en-US" smtClean="0"/>
               <a:pPr>
                 <a:defRPr/>
               </a:pPr>
@@ -5796,6 +5956,11 @@
         </p:txBody>
       </p:sp>
     </p:spTree>
+    <p:extLst>
+      <p:ext uri="{BB962C8B-B14F-4D97-AF65-F5344CB8AC3E}">
+        <p14:creationId xmlns:p14="http://schemas.microsoft.com/office/powerpoint/2010/main" val="1554941275"/>
+      </p:ext>
+    </p:extLst>
   </p:cSld>
   <p:clrMapOvr>
     <a:masterClrMapping/>
@@ -5822,7 +5987,13 @@
       </p:grpSpPr>
       <p:sp>
         <p:nvSpPr>
-          <p:cNvPr id="2" name="Title 1"/>
+          <p:cNvPr id="2" name="Title 1">
+            <a:extLst>
+              <a:ext uri="{FF2B5EF4-FFF2-40B4-BE49-F238E27FC236}">
+                <a16:creationId xmlns:a16="http://schemas.microsoft.com/office/drawing/2014/main" id="{3D6849E6-35F4-9673-C797-3A5EF19F25FE}"/>
+              </a:ext>
+            </a:extLst>
+          </p:cNvPr>
           <p:cNvSpPr>
             <a:spLocks noGrp="1"/>
           </p:cNvSpPr>
@@ -5844,24 +6015,24 @@
       </p:sp>
       <p:sp>
         <p:nvSpPr>
-          <p:cNvPr id="3" name="Rectangle 14"/>
+          <p:cNvPr id="3" name="Date Placeholder 2">
+            <a:extLst>
+              <a:ext uri="{FF2B5EF4-FFF2-40B4-BE49-F238E27FC236}">
+                <a16:creationId xmlns:a16="http://schemas.microsoft.com/office/drawing/2014/main" id="{CDAA784B-6159-3547-D7C1-12AA5D2E7404}"/>
+              </a:ext>
+            </a:extLst>
+          </p:cNvPr>
           <p:cNvSpPr>
-            <a:spLocks noGrp="1" noChangeArrowheads="1"/>
+            <a:spLocks noGrp="1"/>
           </p:cNvSpPr>
           <p:nvPr>
             <p:ph type="dt" sz="half" idx="10"/>
           </p:nvPr>
         </p:nvSpPr>
-        <p:spPr>
-          <a:ln/>
-        </p:spPr>
+        <p:spPr/>
         <p:txBody>
           <a:bodyPr/>
-          <a:lstStyle>
-            <a:lvl1pPr>
-              <a:defRPr/>
-            </a:lvl1pPr>
-          </a:lstStyle>
+          <a:lstStyle/>
           <a:p>
             <a:pPr>
               <a:defRPr/>
@@ -5872,24 +6043,24 @@
       </p:sp>
       <p:sp>
         <p:nvSpPr>
-          <p:cNvPr id="4" name="Rectangle 15"/>
+          <p:cNvPr id="4" name="Footer Placeholder 3">
+            <a:extLst>
+              <a:ext uri="{FF2B5EF4-FFF2-40B4-BE49-F238E27FC236}">
+                <a16:creationId xmlns:a16="http://schemas.microsoft.com/office/drawing/2014/main" id="{2039E72D-D5B1-FC6D-D324-63BF7B2B9FE2}"/>
+              </a:ext>
+            </a:extLst>
+          </p:cNvPr>
           <p:cNvSpPr>
-            <a:spLocks noGrp="1" noChangeArrowheads="1"/>
+            <a:spLocks noGrp="1"/>
           </p:cNvSpPr>
           <p:nvPr>
             <p:ph type="ftr" sz="quarter" idx="11"/>
           </p:nvPr>
         </p:nvSpPr>
-        <p:spPr>
-          <a:ln/>
-        </p:spPr>
+        <p:spPr/>
         <p:txBody>
           <a:bodyPr/>
-          <a:lstStyle>
-            <a:lvl1pPr>
-              <a:defRPr/>
-            </a:lvl1pPr>
-          </a:lstStyle>
+          <a:lstStyle/>
           <a:p>
             <a:pPr>
               <a:defRPr/>
@@ -5900,30 +6071,30 @@
       </p:sp>
       <p:sp>
         <p:nvSpPr>
-          <p:cNvPr id="5" name="Rectangle 16"/>
+          <p:cNvPr id="5" name="Slide Number Placeholder 4">
+            <a:extLst>
+              <a:ext uri="{FF2B5EF4-FFF2-40B4-BE49-F238E27FC236}">
+                <a16:creationId xmlns:a16="http://schemas.microsoft.com/office/drawing/2014/main" id="{90887DD6-31B4-DD67-D70F-E80183BC681A}"/>
+              </a:ext>
+            </a:extLst>
+          </p:cNvPr>
           <p:cNvSpPr>
-            <a:spLocks noGrp="1" noChangeArrowheads="1"/>
+            <a:spLocks noGrp="1"/>
           </p:cNvSpPr>
           <p:nvPr>
             <p:ph type="sldNum" sz="quarter" idx="12"/>
           </p:nvPr>
         </p:nvSpPr>
-        <p:spPr>
-          <a:ln/>
-        </p:spPr>
+        <p:spPr/>
         <p:txBody>
           <a:bodyPr/>
-          <a:lstStyle>
-            <a:lvl1pPr>
-              <a:defRPr/>
-            </a:lvl1pPr>
-          </a:lstStyle>
+          <a:lstStyle/>
           <a:p>
             <a:pPr>
               <a:defRPr/>
             </a:pPr>
             <a:fld id="{4EC0F981-277B-684F-AAEB-A34E77847A0A}" type="slidenum">
-              <a:rPr lang="en-US"/>
+              <a:rPr lang="en-US" smtClean="0"/>
               <a:pPr>
                 <a:defRPr/>
               </a:pPr>
@@ -5934,6 +6105,11 @@
         </p:txBody>
       </p:sp>
     </p:spTree>
+    <p:extLst>
+      <p:ext uri="{BB962C8B-B14F-4D97-AF65-F5344CB8AC3E}">
+        <p14:creationId xmlns:p14="http://schemas.microsoft.com/office/powerpoint/2010/main" val="3882639417"/>
+      </p:ext>
+    </p:extLst>
   </p:cSld>
   <p:clrMapOvr>
     <a:masterClrMapping/>
@@ -5960,24 +6136,24 @@
       </p:grpSpPr>
       <p:sp>
         <p:nvSpPr>
-          <p:cNvPr id="2" name="Rectangle 14"/>
+          <p:cNvPr id="2" name="Date Placeholder 1">
+            <a:extLst>
+              <a:ext uri="{FF2B5EF4-FFF2-40B4-BE49-F238E27FC236}">
+                <a16:creationId xmlns:a16="http://schemas.microsoft.com/office/drawing/2014/main" id="{A1290E9B-1A24-F448-6EB0-62CCCC49EFA5}"/>
+              </a:ext>
+            </a:extLst>
+          </p:cNvPr>
           <p:cNvSpPr>
-            <a:spLocks noGrp="1" noChangeArrowheads="1"/>
+            <a:spLocks noGrp="1"/>
           </p:cNvSpPr>
           <p:nvPr>
             <p:ph type="dt" sz="half" idx="10"/>
           </p:nvPr>
         </p:nvSpPr>
-        <p:spPr>
-          <a:ln/>
-        </p:spPr>
+        <p:spPr/>
         <p:txBody>
           <a:bodyPr/>
-          <a:lstStyle>
-            <a:lvl1pPr>
-              <a:defRPr/>
-            </a:lvl1pPr>
-          </a:lstStyle>
+          <a:lstStyle/>
           <a:p>
             <a:pPr>
               <a:defRPr/>
@@ -5988,24 +6164,24 @@
       </p:sp>
       <p:sp>
         <p:nvSpPr>
-          <p:cNvPr id="3" name="Rectangle 15"/>
+          <p:cNvPr id="3" name="Footer Placeholder 2">
+            <a:extLst>
+              <a:ext uri="{FF2B5EF4-FFF2-40B4-BE49-F238E27FC236}">
+                <a16:creationId xmlns:a16="http://schemas.microsoft.com/office/drawing/2014/main" id="{F823D7D4-894D-7073-ECBF-B251E43C2FAC}"/>
+              </a:ext>
+            </a:extLst>
+          </p:cNvPr>
           <p:cNvSpPr>
-            <a:spLocks noGrp="1" noChangeArrowheads="1"/>
+            <a:spLocks noGrp="1"/>
           </p:cNvSpPr>
           <p:nvPr>
             <p:ph type="ftr" sz="quarter" idx="11"/>
           </p:nvPr>
         </p:nvSpPr>
-        <p:spPr>
-          <a:ln/>
-        </p:spPr>
+        <p:spPr/>
         <p:txBody>
           <a:bodyPr/>
-          <a:lstStyle>
-            <a:lvl1pPr>
-              <a:defRPr/>
-            </a:lvl1pPr>
-          </a:lstStyle>
+          <a:lstStyle/>
           <a:p>
             <a:pPr>
               <a:defRPr/>
@@ -6016,30 +6192,30 @@
       </p:sp>
       <p:sp>
         <p:nvSpPr>
-          <p:cNvPr id="4" name="Rectangle 16"/>
+          <p:cNvPr id="4" name="Slide Number Placeholder 3">
+            <a:extLst>
+              <a:ext uri="{FF2B5EF4-FFF2-40B4-BE49-F238E27FC236}">
+                <a16:creationId xmlns:a16="http://schemas.microsoft.com/office/drawing/2014/main" id="{330C6121-4EE4-A11C-4FCA-E09F6010FF32}"/>
+              </a:ext>
+            </a:extLst>
+          </p:cNvPr>
           <p:cNvSpPr>
-            <a:spLocks noGrp="1" noChangeArrowheads="1"/>
+            <a:spLocks noGrp="1"/>
           </p:cNvSpPr>
           <p:nvPr>
             <p:ph type="sldNum" sz="quarter" idx="12"/>
           </p:nvPr>
         </p:nvSpPr>
-        <p:spPr>
-          <a:ln/>
-        </p:spPr>
+        <p:spPr/>
         <p:txBody>
           <a:bodyPr/>
-          <a:lstStyle>
-            <a:lvl1pPr>
-              <a:defRPr/>
-            </a:lvl1pPr>
-          </a:lstStyle>
+          <a:lstStyle/>
           <a:p>
             <a:pPr>
               <a:defRPr/>
             </a:pPr>
             <a:fld id="{33276C80-C17C-B849-A7BB-D707942CF59E}" type="slidenum">
-              <a:rPr lang="en-US"/>
+              <a:rPr lang="en-US" smtClean="0"/>
               <a:pPr>
                 <a:defRPr/>
               </a:pPr>
@@ -6050,6 +6226,11 @@
         </p:txBody>
       </p:sp>
     </p:spTree>
+    <p:extLst>
+      <p:ext uri="{BB962C8B-B14F-4D97-AF65-F5344CB8AC3E}">
+        <p14:creationId xmlns:p14="http://schemas.microsoft.com/office/powerpoint/2010/main" val="109234611"/>
+      </p:ext>
+    </p:extLst>
   </p:cSld>
   <p:clrMapOvr>
     <a:masterClrMapping/>
@@ -6076,7 +6257,13 @@
       </p:grpSpPr>
       <p:sp>
         <p:nvSpPr>
-          <p:cNvPr id="2" name="Title 1"/>
+          <p:cNvPr id="2" name="Title 1">
+            <a:extLst>
+              <a:ext uri="{FF2B5EF4-FFF2-40B4-BE49-F238E27FC236}">
+                <a16:creationId xmlns:a16="http://schemas.microsoft.com/office/drawing/2014/main" id="{3C976BE6-751B-B217-8002-6B87DB7F2331}"/>
+              </a:ext>
+            </a:extLst>
+          </p:cNvPr>
           <p:cNvSpPr>
             <a:spLocks noGrp="1"/>
           </p:cNvSpPr>
@@ -6086,15 +6273,15 @@
         </p:nvSpPr>
         <p:spPr>
           <a:xfrm>
-            <a:off x="457200" y="273050"/>
-            <a:ext cx="3008313" cy="1162050"/>
+            <a:off x="629841" y="457200"/>
+            <a:ext cx="2949178" cy="1600200"/>
           </a:xfrm>
         </p:spPr>
         <p:txBody>
           <a:bodyPr anchor="b"/>
           <a:lstStyle>
-            <a:lvl1pPr algn="l">
-              <a:defRPr sz="2000" b="1"/>
+            <a:lvl1pPr>
+              <a:defRPr sz="2400"/>
             </a:lvl1pPr>
           </a:lstStyle>
           <a:p>
@@ -6107,7 +6294,13 @@
       </p:sp>
       <p:sp>
         <p:nvSpPr>
-          <p:cNvPr id="3" name="Content Placeholder 2"/>
+          <p:cNvPr id="3" name="Content Placeholder 2">
+            <a:extLst>
+              <a:ext uri="{FF2B5EF4-FFF2-40B4-BE49-F238E27FC236}">
+                <a16:creationId xmlns:a16="http://schemas.microsoft.com/office/drawing/2014/main" id="{5FFE6F29-4579-CC38-E316-537DFD2EE74C}"/>
+              </a:ext>
+            </a:extLst>
+          </p:cNvPr>
           <p:cNvSpPr>
             <a:spLocks noGrp="1"/>
           </p:cNvSpPr>
@@ -6117,39 +6310,39 @@
         </p:nvSpPr>
         <p:spPr>
           <a:xfrm>
-            <a:off x="3575050" y="273050"/>
-            <a:ext cx="5111750" cy="5853113"/>
+            <a:off x="3887391" y="987426"/>
+            <a:ext cx="4629150" cy="4873625"/>
           </a:xfrm>
         </p:spPr>
         <p:txBody>
           <a:bodyPr/>
           <a:lstStyle>
             <a:lvl1pPr>
-              <a:defRPr sz="3200"/>
+              <a:defRPr sz="2400"/>
             </a:lvl1pPr>
             <a:lvl2pPr>
-              <a:defRPr sz="2800"/>
+              <a:defRPr sz="2100"/>
             </a:lvl2pPr>
             <a:lvl3pPr>
-              <a:defRPr sz="2400"/>
+              <a:defRPr sz="1800"/>
             </a:lvl3pPr>
             <a:lvl4pPr>
-              <a:defRPr sz="2000"/>
+              <a:defRPr sz="1500"/>
             </a:lvl4pPr>
             <a:lvl5pPr>
-              <a:defRPr sz="2000"/>
+              <a:defRPr sz="1500"/>
             </a:lvl5pPr>
             <a:lvl6pPr>
-              <a:defRPr sz="2000"/>
+              <a:defRPr sz="1500"/>
             </a:lvl6pPr>
             <a:lvl7pPr>
-              <a:defRPr sz="2000"/>
+              <a:defRPr sz="1500"/>
             </a:lvl7pPr>
             <a:lvl8pPr>
-              <a:defRPr sz="2000"/>
+              <a:defRPr sz="1500"/>
             </a:lvl8pPr>
             <a:lvl9pPr>
-              <a:defRPr sz="2000"/>
+              <a:defRPr sz="1500"/>
             </a:lvl9pPr>
           </a:lstStyle>
           <a:p>
@@ -6191,7 +6384,13 @@
       </p:sp>
       <p:sp>
         <p:nvSpPr>
-          <p:cNvPr id="4" name="Text Placeholder 3"/>
+          <p:cNvPr id="4" name="Text Placeholder 3">
+            <a:extLst>
+              <a:ext uri="{FF2B5EF4-FFF2-40B4-BE49-F238E27FC236}">
+                <a16:creationId xmlns:a16="http://schemas.microsoft.com/office/drawing/2014/main" id="{A7D35D37-62F7-0EE3-E2ED-59A42C48721D}"/>
+              </a:ext>
+            </a:extLst>
+          </p:cNvPr>
           <p:cNvSpPr>
             <a:spLocks noGrp="1"/>
           </p:cNvSpPr>
@@ -6201,8 +6400,8 @@
         </p:nvSpPr>
         <p:spPr>
           <a:xfrm>
-            <a:off x="457200" y="1435100"/>
-            <a:ext cx="3008313" cy="4691063"/>
+            <a:off x="629841" y="2057400"/>
+            <a:ext cx="2949178" cy="3811588"/>
           </a:xfrm>
         </p:spPr>
         <p:txBody>
@@ -6210,39 +6409,39 @@
           <a:lstStyle>
             <a:lvl1pPr marL="0" indent="0">
               <a:buNone/>
-              <a:defRPr sz="1400"/>
+              <a:defRPr sz="1200"/>
             </a:lvl1pPr>
-            <a:lvl2pPr marL="457200" indent="0">
+            <a:lvl2pPr marL="342900" indent="0">
               <a:buNone/>
-              <a:defRPr sz="1200"/>
+              <a:defRPr sz="1050"/>
             </a:lvl2pPr>
-            <a:lvl3pPr marL="914400" indent="0">
-              <a:buNone/>
-              <a:defRPr sz="1000"/>
-            </a:lvl3pPr>
-            <a:lvl4pPr marL="1371600" indent="0">
+            <a:lvl3pPr marL="685800" indent="0">
               <a:buNone/>
               <a:defRPr sz="900"/>
+            </a:lvl3pPr>
+            <a:lvl4pPr marL="1028700" indent="0">
+              <a:buNone/>
+              <a:defRPr sz="750"/>
             </a:lvl4pPr>
-            <a:lvl5pPr marL="1828800" indent="0">
+            <a:lvl5pPr marL="1371600" indent="0">
               <a:buNone/>
-              <a:defRPr sz="900"/>
+              <a:defRPr sz="750"/>
             </a:lvl5pPr>
-            <a:lvl6pPr marL="2286000" indent="0">
+            <a:lvl6pPr marL="1714500" indent="0">
               <a:buNone/>
-              <a:defRPr sz="900"/>
+              <a:defRPr sz="750"/>
             </a:lvl6pPr>
-            <a:lvl7pPr marL="2743200" indent="0">
+            <a:lvl7pPr marL="2057400" indent="0">
               <a:buNone/>
-              <a:defRPr sz="900"/>
+              <a:defRPr sz="750"/>
             </a:lvl7pPr>
-            <a:lvl8pPr marL="3200400" indent="0">
+            <a:lvl8pPr marL="2400300" indent="0">
               <a:buNone/>
-              <a:defRPr sz="900"/>
+              <a:defRPr sz="750"/>
             </a:lvl8pPr>
-            <a:lvl9pPr marL="3657600" indent="0">
+            <a:lvl9pPr marL="2743200" indent="0">
               <a:buNone/>
-              <a:defRPr sz="900"/>
+              <a:defRPr sz="750"/>
             </a:lvl9pPr>
           </a:lstStyle>
           <a:p>
@@ -6256,24 +6455,24 @@
       </p:sp>
       <p:sp>
         <p:nvSpPr>
-          <p:cNvPr id="5" name="Rectangle 14"/>
+          <p:cNvPr id="5" name="Date Placeholder 4">
+            <a:extLst>
+              <a:ext uri="{FF2B5EF4-FFF2-40B4-BE49-F238E27FC236}">
+                <a16:creationId xmlns:a16="http://schemas.microsoft.com/office/drawing/2014/main" id="{C710B45F-825C-AF8E-510D-C7FDB01D3281}"/>
+              </a:ext>
+            </a:extLst>
+          </p:cNvPr>
           <p:cNvSpPr>
-            <a:spLocks noGrp="1" noChangeArrowheads="1"/>
+            <a:spLocks noGrp="1"/>
           </p:cNvSpPr>
           <p:nvPr>
             <p:ph type="dt" sz="half" idx="10"/>
           </p:nvPr>
         </p:nvSpPr>
-        <p:spPr>
-          <a:ln/>
-        </p:spPr>
+        <p:spPr/>
         <p:txBody>
           <a:bodyPr/>
-          <a:lstStyle>
-            <a:lvl1pPr>
-              <a:defRPr/>
-            </a:lvl1pPr>
-          </a:lstStyle>
+          <a:lstStyle/>
           <a:p>
             <a:pPr>
               <a:defRPr/>
@@ -6284,24 +6483,24 @@
       </p:sp>
       <p:sp>
         <p:nvSpPr>
-          <p:cNvPr id="6" name="Rectangle 15"/>
+          <p:cNvPr id="6" name="Footer Placeholder 5">
+            <a:extLst>
+              <a:ext uri="{FF2B5EF4-FFF2-40B4-BE49-F238E27FC236}">
+                <a16:creationId xmlns:a16="http://schemas.microsoft.com/office/drawing/2014/main" id="{19F7DC3F-7656-1F88-E637-1F290287964E}"/>
+              </a:ext>
+            </a:extLst>
+          </p:cNvPr>
           <p:cNvSpPr>
-            <a:spLocks noGrp="1" noChangeArrowheads="1"/>
+            <a:spLocks noGrp="1"/>
           </p:cNvSpPr>
           <p:nvPr>
             <p:ph type="ftr" sz="quarter" idx="11"/>
           </p:nvPr>
         </p:nvSpPr>
-        <p:spPr>
-          <a:ln/>
-        </p:spPr>
+        <p:spPr/>
         <p:txBody>
           <a:bodyPr/>
-          <a:lstStyle>
-            <a:lvl1pPr>
-              <a:defRPr/>
-            </a:lvl1pPr>
-          </a:lstStyle>
+          <a:lstStyle/>
           <a:p>
             <a:pPr>
               <a:defRPr/>
@@ -6312,30 +6511,30 @@
       </p:sp>
       <p:sp>
         <p:nvSpPr>
-          <p:cNvPr id="7" name="Rectangle 16"/>
+          <p:cNvPr id="7" name="Slide Number Placeholder 6">
+            <a:extLst>
+              <a:ext uri="{FF2B5EF4-FFF2-40B4-BE49-F238E27FC236}">
+                <a16:creationId xmlns:a16="http://schemas.microsoft.com/office/drawing/2014/main" id="{824947D3-2D25-3E8D-B68C-2F2E004D2AD7}"/>
+              </a:ext>
+            </a:extLst>
+          </p:cNvPr>
           <p:cNvSpPr>
-            <a:spLocks noGrp="1" noChangeArrowheads="1"/>
+            <a:spLocks noGrp="1"/>
           </p:cNvSpPr>
           <p:nvPr>
             <p:ph type="sldNum" sz="quarter" idx="12"/>
           </p:nvPr>
         </p:nvSpPr>
-        <p:spPr>
-          <a:ln/>
-        </p:spPr>
+        <p:spPr/>
         <p:txBody>
           <a:bodyPr/>
-          <a:lstStyle>
-            <a:lvl1pPr>
-              <a:defRPr/>
-            </a:lvl1pPr>
-          </a:lstStyle>
+          <a:lstStyle/>
           <a:p>
             <a:pPr>
               <a:defRPr/>
             </a:pPr>
             <a:fld id="{4E9B9732-B1FD-164D-AD68-D75168F368FF}" type="slidenum">
-              <a:rPr lang="en-US"/>
+              <a:rPr lang="en-US" smtClean="0"/>
               <a:pPr>
                 <a:defRPr/>
               </a:pPr>
@@ -6346,6 +6545,11 @@
         </p:txBody>
       </p:sp>
     </p:spTree>
+    <p:extLst>
+      <p:ext uri="{BB962C8B-B14F-4D97-AF65-F5344CB8AC3E}">
+        <p14:creationId xmlns:p14="http://schemas.microsoft.com/office/powerpoint/2010/main" val="3838202942"/>
+      </p:ext>
+    </p:extLst>
   </p:cSld>
   <p:clrMapOvr>
     <a:masterClrMapping/>
@@ -6372,7 +6576,13 @@
       </p:grpSpPr>
       <p:sp>
         <p:nvSpPr>
-          <p:cNvPr id="2" name="Title 1"/>
+          <p:cNvPr id="2" name="Title 1">
+            <a:extLst>
+              <a:ext uri="{FF2B5EF4-FFF2-40B4-BE49-F238E27FC236}">
+                <a16:creationId xmlns:a16="http://schemas.microsoft.com/office/drawing/2014/main" id="{82AA95BE-CD56-57AE-820B-74C55AE80ED5}"/>
+              </a:ext>
+            </a:extLst>
+          </p:cNvPr>
           <p:cNvSpPr>
             <a:spLocks noGrp="1"/>
           </p:cNvSpPr>
@@ -6382,15 +6592,15 @@
         </p:nvSpPr>
         <p:spPr>
           <a:xfrm>
-            <a:off x="1792288" y="4800600"/>
-            <a:ext cx="5486400" cy="566738"/>
+            <a:off x="629841" y="457200"/>
+            <a:ext cx="2949178" cy="1600200"/>
           </a:xfrm>
         </p:spPr>
         <p:txBody>
           <a:bodyPr anchor="b"/>
           <a:lstStyle>
-            <a:lvl1pPr algn="l">
-              <a:defRPr sz="2000" b="1"/>
+            <a:lvl1pPr>
+              <a:defRPr sz="2400"/>
             </a:lvl1pPr>
           </a:lstStyle>
           <a:p>
@@ -6403,7 +6613,13 @@
       </p:sp>
       <p:sp>
         <p:nvSpPr>
-          <p:cNvPr id="3" name="Picture Placeholder 2"/>
+          <p:cNvPr id="3" name="Picture Placeholder 2">
+            <a:extLst>
+              <a:ext uri="{FF2B5EF4-FFF2-40B4-BE49-F238E27FC236}">
+                <a16:creationId xmlns:a16="http://schemas.microsoft.com/office/drawing/2014/main" id="{F976B4F3-2C8F-A208-FB26-C7F28AE1B578}"/>
+              </a:ext>
+            </a:extLst>
+          </p:cNvPr>
           <p:cNvSpPr>
             <a:spLocks noGrp="1"/>
           </p:cNvSpPr>
@@ -6413,8 +6629,8 @@
         </p:nvSpPr>
         <p:spPr>
           <a:xfrm>
-            <a:off x="1792288" y="612775"/>
-            <a:ext cx="5486400" cy="4114800"/>
+            <a:off x="3887391" y="987426"/>
+            <a:ext cx="4629150" cy="4873625"/>
           </a:xfrm>
         </p:spPr>
         <p:txBody>
@@ -6422,50 +6638,55 @@
           <a:lstStyle>
             <a:lvl1pPr marL="0" indent="0">
               <a:buNone/>
-              <a:defRPr sz="3200"/>
+              <a:defRPr sz="2400"/>
             </a:lvl1pPr>
-            <a:lvl2pPr marL="457200" indent="0">
+            <a:lvl2pPr marL="342900" indent="0">
               <a:buNone/>
-              <a:defRPr sz="2800"/>
+              <a:defRPr sz="2100"/>
             </a:lvl2pPr>
-            <a:lvl3pPr marL="914400" indent="0">
+            <a:lvl3pPr marL="685800" indent="0">
               <a:buNone/>
-              <a:defRPr sz="2400"/>
+              <a:defRPr sz="1800"/>
             </a:lvl3pPr>
-            <a:lvl4pPr marL="1371600" indent="0">
+            <a:lvl4pPr marL="1028700" indent="0">
               <a:buNone/>
-              <a:defRPr sz="2000"/>
+              <a:defRPr sz="1500"/>
             </a:lvl4pPr>
-            <a:lvl5pPr marL="1828800" indent="0">
+            <a:lvl5pPr marL="1371600" indent="0">
               <a:buNone/>
-              <a:defRPr sz="2000"/>
+              <a:defRPr sz="1500"/>
             </a:lvl5pPr>
-            <a:lvl6pPr marL="2286000" indent="0">
+            <a:lvl6pPr marL="1714500" indent="0">
               <a:buNone/>
-              <a:defRPr sz="2000"/>
+              <a:defRPr sz="1500"/>
             </a:lvl6pPr>
-            <a:lvl7pPr marL="2743200" indent="0">
+            <a:lvl7pPr marL="2057400" indent="0">
               <a:buNone/>
-              <a:defRPr sz="2000"/>
+              <a:defRPr sz="1500"/>
             </a:lvl7pPr>
-            <a:lvl8pPr marL="3200400" indent="0">
+            <a:lvl8pPr marL="2400300" indent="0">
               <a:buNone/>
-              <a:defRPr sz="2000"/>
+              <a:defRPr sz="1500"/>
             </a:lvl8pPr>
-            <a:lvl9pPr marL="3657600" indent="0">
+            <a:lvl9pPr marL="2743200" indent="0">
               <a:buNone/>
-              <a:defRPr sz="2000"/>
+              <a:defRPr sz="1500"/>
             </a:lvl9pPr>
           </a:lstStyle>
           <a:p>
-            <a:pPr lvl="0"/>
-            <a:endParaRPr lang="en-US" noProof="0"/>
-          </a:p>
-        </p:txBody>
-      </p:sp>
-      <p:sp>
-        <p:nvSpPr>
-          <p:cNvPr id="4" name="Text Placeholder 3"/>
+            <a:endParaRPr lang="en-US"/>
+          </a:p>
+        </p:txBody>
+      </p:sp>
+      <p:sp>
+        <p:nvSpPr>
+          <p:cNvPr id="4" name="Text Placeholder 3">
+            <a:extLst>
+              <a:ext uri="{FF2B5EF4-FFF2-40B4-BE49-F238E27FC236}">
+                <a16:creationId xmlns:a16="http://schemas.microsoft.com/office/drawing/2014/main" id="{34B08B02-6623-C1A9-DB23-044B6B9B9B3A}"/>
+              </a:ext>
+            </a:extLst>
+          </p:cNvPr>
           <p:cNvSpPr>
             <a:spLocks noGrp="1"/>
           </p:cNvSpPr>
@@ -6475,8 +6696,8 @@
         </p:nvSpPr>
         <p:spPr>
           <a:xfrm>
-            <a:off x="1792288" y="5367338"/>
-            <a:ext cx="5486400" cy="804862"/>
+            <a:off x="629841" y="2057400"/>
+            <a:ext cx="2949178" cy="3811588"/>
           </a:xfrm>
         </p:spPr>
         <p:txBody>
@@ -6484,39 +6705,39 @@
           <a:lstStyle>
             <a:lvl1pPr marL="0" indent="0">
               <a:buNone/>
-              <a:defRPr sz="1400"/>
+              <a:defRPr sz="1200"/>
             </a:lvl1pPr>
-            <a:lvl2pPr marL="457200" indent="0">
+            <a:lvl2pPr marL="342900" indent="0">
               <a:buNone/>
-              <a:defRPr sz="1200"/>
+              <a:defRPr sz="1050"/>
             </a:lvl2pPr>
-            <a:lvl3pPr marL="914400" indent="0">
-              <a:buNone/>
-              <a:defRPr sz="1000"/>
-            </a:lvl3pPr>
-            <a:lvl4pPr marL="1371600" indent="0">
+            <a:lvl3pPr marL="685800" indent="0">
               <a:buNone/>
               <a:defRPr sz="900"/>
+            </a:lvl3pPr>
+            <a:lvl4pPr marL="1028700" indent="0">
+              <a:buNone/>
+              <a:defRPr sz="750"/>
             </a:lvl4pPr>
-            <a:lvl5pPr marL="1828800" indent="0">
+            <a:lvl5pPr marL="1371600" indent="0">
               <a:buNone/>
-              <a:defRPr sz="900"/>
+              <a:defRPr sz="750"/>
             </a:lvl5pPr>
-            <a:lvl6pPr marL="2286000" indent="0">
+            <a:lvl6pPr marL="1714500" indent="0">
               <a:buNone/>
-              <a:defRPr sz="900"/>
+              <a:defRPr sz="750"/>
             </a:lvl6pPr>
-            <a:lvl7pPr marL="2743200" indent="0">
+            <a:lvl7pPr marL="2057400" indent="0">
               <a:buNone/>
-              <a:defRPr sz="900"/>
+              <a:defRPr sz="750"/>
             </a:lvl7pPr>
-            <a:lvl8pPr marL="3200400" indent="0">
+            <a:lvl8pPr marL="2400300" indent="0">
               <a:buNone/>
-              <a:defRPr sz="900"/>
+              <a:defRPr sz="750"/>
             </a:lvl8pPr>
-            <a:lvl9pPr marL="3657600" indent="0">
+            <a:lvl9pPr marL="2743200" indent="0">
               <a:buNone/>
-              <a:defRPr sz="900"/>
+              <a:defRPr sz="750"/>
             </a:lvl9pPr>
           </a:lstStyle>
           <a:p>
@@ -6530,24 +6751,24 @@
       </p:sp>
       <p:sp>
         <p:nvSpPr>
-          <p:cNvPr id="5" name="Rectangle 14"/>
+          <p:cNvPr id="5" name="Date Placeholder 4">
+            <a:extLst>
+              <a:ext uri="{FF2B5EF4-FFF2-40B4-BE49-F238E27FC236}">
+                <a16:creationId xmlns:a16="http://schemas.microsoft.com/office/drawing/2014/main" id="{F09384AE-1524-B94D-43E0-46283E65CA1E}"/>
+              </a:ext>
+            </a:extLst>
+          </p:cNvPr>
           <p:cNvSpPr>
-            <a:spLocks noGrp="1" noChangeArrowheads="1"/>
+            <a:spLocks noGrp="1"/>
           </p:cNvSpPr>
           <p:nvPr>
             <p:ph type="dt" sz="half" idx="10"/>
           </p:nvPr>
         </p:nvSpPr>
-        <p:spPr>
-          <a:ln/>
-        </p:spPr>
+        <p:spPr/>
         <p:txBody>
           <a:bodyPr/>
-          <a:lstStyle>
-            <a:lvl1pPr>
-              <a:defRPr/>
-            </a:lvl1pPr>
-          </a:lstStyle>
+          <a:lstStyle/>
           <a:p>
             <a:pPr>
               <a:defRPr/>
@@ -6558,24 +6779,24 @@
       </p:sp>
       <p:sp>
         <p:nvSpPr>
-          <p:cNvPr id="6" name="Rectangle 15"/>
+          <p:cNvPr id="6" name="Footer Placeholder 5">
+            <a:extLst>
+              <a:ext uri="{FF2B5EF4-FFF2-40B4-BE49-F238E27FC236}">
+                <a16:creationId xmlns:a16="http://schemas.microsoft.com/office/drawing/2014/main" id="{91589E5A-51B8-9FA3-6FD5-957905EF39F8}"/>
+              </a:ext>
+            </a:extLst>
+          </p:cNvPr>
           <p:cNvSpPr>
-            <a:spLocks noGrp="1" noChangeArrowheads="1"/>
+            <a:spLocks noGrp="1"/>
           </p:cNvSpPr>
           <p:nvPr>
             <p:ph type="ftr" sz="quarter" idx="11"/>
           </p:nvPr>
         </p:nvSpPr>
-        <p:spPr>
-          <a:ln/>
-        </p:spPr>
+        <p:spPr/>
         <p:txBody>
           <a:bodyPr/>
-          <a:lstStyle>
-            <a:lvl1pPr>
-              <a:defRPr/>
-            </a:lvl1pPr>
-          </a:lstStyle>
+          <a:lstStyle/>
           <a:p>
             <a:pPr>
               <a:defRPr/>
@@ -6586,30 +6807,30 @@
       </p:sp>
       <p:sp>
         <p:nvSpPr>
-          <p:cNvPr id="7" name="Rectangle 16"/>
+          <p:cNvPr id="7" name="Slide Number Placeholder 6">
+            <a:extLst>
+              <a:ext uri="{FF2B5EF4-FFF2-40B4-BE49-F238E27FC236}">
+                <a16:creationId xmlns:a16="http://schemas.microsoft.com/office/drawing/2014/main" id="{EA4D2EDF-1E89-7F45-16D0-E03A0C28ADE3}"/>
+              </a:ext>
+            </a:extLst>
+          </p:cNvPr>
           <p:cNvSpPr>
-            <a:spLocks noGrp="1" noChangeArrowheads="1"/>
+            <a:spLocks noGrp="1"/>
           </p:cNvSpPr>
           <p:nvPr>
             <p:ph type="sldNum" sz="quarter" idx="12"/>
           </p:nvPr>
         </p:nvSpPr>
-        <p:spPr>
-          <a:ln/>
-        </p:spPr>
+        <p:spPr/>
         <p:txBody>
           <a:bodyPr/>
-          <a:lstStyle>
-            <a:lvl1pPr>
-              <a:defRPr/>
-            </a:lvl1pPr>
-          </a:lstStyle>
+          <a:lstStyle/>
           <a:p>
             <a:pPr>
               <a:defRPr/>
             </a:pPr>
             <a:fld id="{B1F60BCE-8921-4E48-960B-3B67C08157ED}" type="slidenum">
-              <a:rPr lang="en-US"/>
+              <a:rPr lang="en-US" smtClean="0"/>
               <a:pPr>
                 <a:defRPr/>
               </a:pPr>
@@ -6620,6 +6841,11 @@
         </p:txBody>
       </p:sp>
     </p:spTree>
+    <p:extLst>
+      <p:ext uri="{BB962C8B-B14F-4D97-AF65-F5344CB8AC3E}">
+        <p14:creationId xmlns:p14="http://schemas.microsoft.com/office/powerpoint/2010/main" val="1824130145"/>
+      </p:ext>
+    </p:extLst>
   </p:cSld>
   <p:clrMapOvr>
     <a:masterClrMapping/>
@@ -6630,21 +6856,10 @@
 <file path=ppt/slideMasters/slideMaster1.xml><?xml version="1.0" encoding="utf-8"?>
 <p:sldMaster xmlns:a="http://schemas.openxmlformats.org/drawingml/2006/main" xmlns:r="http://schemas.openxmlformats.org/officeDocument/2006/relationships" xmlns:p="http://schemas.openxmlformats.org/presentationml/2006/main">
   <p:cSld>
-    <p:bg bwMode="invGray">
-      <p:bgPr>
-        <a:gradFill rotWithShape="0">
-          <a:gsLst>
-            <a:gs pos="0">
-              <a:schemeClr val="bg2"/>
-            </a:gs>
-            <a:gs pos="100000">
-              <a:schemeClr val="bg1"/>
-            </a:gs>
-          </a:gsLst>
-          <a:lin ang="0" scaled="1"/>
-        </a:gradFill>
-        <a:effectLst/>
-      </p:bgPr>
+    <p:bg>
+      <p:bgRef idx="1001">
+        <a:schemeClr val="bg1"/>
+      </p:bgRef>
     </p:bg>
     <p:spTree>
       <p:nvGrpSpPr>
@@ -6662,39 +6877,35 @@
       </p:grpSpPr>
       <p:sp>
         <p:nvSpPr>
-          <p:cNvPr id="1026" name="Rectangle 12"/>
+          <p:cNvPr id="2" name="Title Placeholder 1">
+            <a:extLst>
+              <a:ext uri="{FF2B5EF4-FFF2-40B4-BE49-F238E27FC236}">
+                <a16:creationId xmlns:a16="http://schemas.microsoft.com/office/drawing/2014/main" id="{D51D7479-3814-2304-1E69-EDE360758369}"/>
+              </a:ext>
+            </a:extLst>
+          </p:cNvPr>
           <p:cNvSpPr>
-            <a:spLocks noGrp="1" noChangeArrowheads="1"/>
+            <a:spLocks noGrp="1"/>
           </p:cNvSpPr>
           <p:nvPr>
             <p:ph type="title"/>
           </p:nvPr>
         </p:nvSpPr>
-        <p:spPr bwMode="auto">
-          <a:xfrm>
-            <a:off x="0" y="0"/>
-            <a:ext cx="7772400" cy="1143000"/>
+        <p:spPr>
+          <a:xfrm>
+            <a:off x="628650" y="365126"/>
+            <a:ext cx="7886700" cy="1325563"/>
           </a:xfrm>
           <a:prstGeom prst="rect">
             <a:avLst/>
           </a:prstGeom>
-          <a:noFill/>
-          <a:ln w="9525">
-            <a:noFill/>
-            <a:miter lim="800000"/>
-            <a:headEnd/>
-            <a:tailEnd/>
-          </a:ln>
-        </p:spPr>
-        <p:txBody>
-          <a:bodyPr vert="horz" wrap="square" lIns="91440" tIns="45720" rIns="91440" bIns="45720" numCol="1" anchor="ctr" anchorCtr="0" compatLnSpc="1">
-            <a:prstTxWarp prst="textNoShape">
-              <a:avLst/>
-            </a:prstTxWarp>
+        </p:spPr>
+        <p:txBody>
+          <a:bodyPr vert="horz" lIns="91440" tIns="45720" rIns="91440" bIns="45720" rtlCol="0" anchor="ctr">
+            <a:normAutofit/>
           </a:bodyPr>
           <a:lstStyle/>
           <a:p>
-            <a:pPr lvl="0"/>
             <a:r>
               <a:rPr lang="en-US"/>
               <a:t>Click to edit Master title style</a:t>
@@ -6704,35 +6915,32 @@
       </p:sp>
       <p:sp>
         <p:nvSpPr>
-          <p:cNvPr id="1027" name="Rectangle 13"/>
+          <p:cNvPr id="3" name="Text Placeholder 2">
+            <a:extLst>
+              <a:ext uri="{FF2B5EF4-FFF2-40B4-BE49-F238E27FC236}">
+                <a16:creationId xmlns:a16="http://schemas.microsoft.com/office/drawing/2014/main" id="{4E7E8062-01F2-35BF-E2F4-EC0C487ABF38}"/>
+              </a:ext>
+            </a:extLst>
+          </p:cNvPr>
           <p:cNvSpPr>
-            <a:spLocks noGrp="1" noChangeArrowheads="1"/>
+            <a:spLocks noGrp="1"/>
           </p:cNvSpPr>
           <p:nvPr>
             <p:ph type="body" idx="1"/>
           </p:nvPr>
         </p:nvSpPr>
-        <p:spPr bwMode="auto">
-          <a:xfrm>
-            <a:off x="685800" y="1981200"/>
-            <a:ext cx="7772400" cy="4114800"/>
+        <p:spPr>
+          <a:xfrm>
+            <a:off x="628650" y="1825625"/>
+            <a:ext cx="7886700" cy="4351338"/>
           </a:xfrm>
           <a:prstGeom prst="rect">
             <a:avLst/>
           </a:prstGeom>
-          <a:noFill/>
-          <a:ln w="9525">
-            <a:noFill/>
-            <a:miter lim="800000"/>
-            <a:headEnd/>
-            <a:tailEnd/>
-          </a:ln>
-        </p:spPr>
-        <p:txBody>
-          <a:bodyPr vert="horz" wrap="square" lIns="91440" tIns="45720" rIns="91440" bIns="45720" numCol="1" anchor="t" anchorCtr="0" compatLnSpc="1">
-            <a:prstTxWarp prst="textNoShape">
-              <a:avLst/>
-            </a:prstTxWarp>
+        </p:spPr>
+        <p:txBody>
+          <a:bodyPr vert="horz" lIns="91440" tIns="45720" rIns="91440" bIns="45720" rtlCol="0">
+            <a:normAutofit/>
           </a:bodyPr>
           <a:lstStyle/>
           <a:p>
@@ -6774,41 +6982,39 @@
       </p:sp>
       <p:sp>
         <p:nvSpPr>
-          <p:cNvPr id="3086" name="Rectangle 14"/>
+          <p:cNvPr id="4" name="Date Placeholder 3">
+            <a:extLst>
+              <a:ext uri="{FF2B5EF4-FFF2-40B4-BE49-F238E27FC236}">
+                <a16:creationId xmlns:a16="http://schemas.microsoft.com/office/drawing/2014/main" id="{F6B3D5E6-CAF5-A061-39BA-1FA27218BA1E}"/>
+              </a:ext>
+            </a:extLst>
+          </p:cNvPr>
           <p:cNvSpPr>
-            <a:spLocks noGrp="1" noChangeArrowheads="1"/>
+            <a:spLocks noGrp="1"/>
           </p:cNvSpPr>
           <p:nvPr>
             <p:ph type="dt" sz="half" idx="2"/>
           </p:nvPr>
         </p:nvSpPr>
-        <p:spPr bwMode="auto">
-          <a:xfrm>
-            <a:off x="685800" y="6248400"/>
-            <a:ext cx="1905000" cy="457200"/>
+        <p:spPr>
+          <a:xfrm>
+            <a:off x="628650" y="6356351"/>
+            <a:ext cx="2057400" cy="365125"/>
           </a:xfrm>
           <a:prstGeom prst="rect">
             <a:avLst/>
           </a:prstGeom>
-          <a:noFill/>
-          <a:ln w="9525">
-            <a:noFill/>
-            <a:miter lim="800000"/>
-            <a:headEnd/>
-            <a:tailEnd/>
-          </a:ln>
-          <a:effectLst/>
-        </p:spPr>
-        <p:txBody>
-          <a:bodyPr vert="horz" wrap="square" lIns="91440" tIns="45720" rIns="91440" bIns="45720" numCol="1" anchor="b" anchorCtr="0" compatLnSpc="1">
-            <a:prstTxWarp prst="textNoShape">
-              <a:avLst/>
-            </a:prstTxWarp>
-          </a:bodyPr>
+        </p:spPr>
+        <p:txBody>
+          <a:bodyPr vert="horz" lIns="91440" tIns="45720" rIns="91440" bIns="45720" rtlCol="0" anchor="ctr"/>
           <a:lstStyle>
-            <a:lvl1pPr eaLnBrk="1" hangingPunct="1">
-              <a:defRPr sz="1400">
-                <a:latin typeface="+mn-lt"/>
+            <a:lvl1pPr algn="l">
+              <a:defRPr sz="900">
+                <a:solidFill>
+                  <a:schemeClr val="tx1">
+                    <a:tint val="82000"/>
+                  </a:schemeClr>
+                </a:solidFill>
               </a:defRPr>
             </a:lvl1pPr>
           </a:lstStyle>
@@ -6822,41 +7028,39 @@
       </p:sp>
       <p:sp>
         <p:nvSpPr>
-          <p:cNvPr id="3087" name="Rectangle 15"/>
+          <p:cNvPr id="5" name="Footer Placeholder 4">
+            <a:extLst>
+              <a:ext uri="{FF2B5EF4-FFF2-40B4-BE49-F238E27FC236}">
+                <a16:creationId xmlns:a16="http://schemas.microsoft.com/office/drawing/2014/main" id="{255D4A2B-AE45-7A0E-667A-8FFAE8E571FF}"/>
+              </a:ext>
+            </a:extLst>
+          </p:cNvPr>
           <p:cNvSpPr>
-            <a:spLocks noGrp="1" noChangeArrowheads="1"/>
+            <a:spLocks noGrp="1"/>
           </p:cNvSpPr>
           <p:nvPr>
             <p:ph type="ftr" sz="quarter" idx="3"/>
           </p:nvPr>
         </p:nvSpPr>
-        <p:spPr bwMode="auto">
-          <a:xfrm>
-            <a:off x="3124200" y="6248400"/>
-            <a:ext cx="2895600" cy="457200"/>
+        <p:spPr>
+          <a:xfrm>
+            <a:off x="3028950" y="6356351"/>
+            <a:ext cx="3086100" cy="365125"/>
           </a:xfrm>
           <a:prstGeom prst="rect">
             <a:avLst/>
           </a:prstGeom>
-          <a:noFill/>
-          <a:ln w="9525">
-            <a:noFill/>
-            <a:miter lim="800000"/>
-            <a:headEnd/>
-            <a:tailEnd/>
-          </a:ln>
-          <a:effectLst/>
-        </p:spPr>
-        <p:txBody>
-          <a:bodyPr vert="horz" wrap="square" lIns="91440" tIns="45720" rIns="91440" bIns="45720" numCol="1" anchor="b" anchorCtr="0" compatLnSpc="1">
-            <a:prstTxWarp prst="textNoShape">
-              <a:avLst/>
-            </a:prstTxWarp>
-          </a:bodyPr>
+        </p:spPr>
+        <p:txBody>
+          <a:bodyPr vert="horz" lIns="91440" tIns="45720" rIns="91440" bIns="45720" rtlCol="0" anchor="ctr"/>
           <a:lstStyle>
-            <a:lvl1pPr algn="ctr" eaLnBrk="1" hangingPunct="1">
-              <a:defRPr sz="1400">
-                <a:latin typeface="+mn-lt"/>
+            <a:lvl1pPr algn="ctr">
+              <a:defRPr sz="900">
+                <a:solidFill>
+                  <a:schemeClr val="tx1">
+                    <a:tint val="82000"/>
+                  </a:schemeClr>
+                </a:solidFill>
               </a:defRPr>
             </a:lvl1pPr>
           </a:lstStyle>
@@ -6870,41 +7074,39 @@
       </p:sp>
       <p:sp>
         <p:nvSpPr>
-          <p:cNvPr id="3088" name="Rectangle 16"/>
+          <p:cNvPr id="6" name="Slide Number Placeholder 5">
+            <a:extLst>
+              <a:ext uri="{FF2B5EF4-FFF2-40B4-BE49-F238E27FC236}">
+                <a16:creationId xmlns:a16="http://schemas.microsoft.com/office/drawing/2014/main" id="{3AAC60AF-5D74-9ED8-DDC4-750FF46A8482}"/>
+              </a:ext>
+            </a:extLst>
+          </p:cNvPr>
           <p:cNvSpPr>
-            <a:spLocks noGrp="1" noChangeArrowheads="1"/>
+            <a:spLocks noGrp="1"/>
           </p:cNvSpPr>
           <p:nvPr>
             <p:ph type="sldNum" sz="quarter" idx="4"/>
           </p:nvPr>
         </p:nvSpPr>
-        <p:spPr bwMode="auto">
-          <a:xfrm>
-            <a:off x="6553200" y="6248400"/>
-            <a:ext cx="1905000" cy="457200"/>
+        <p:spPr>
+          <a:xfrm>
+            <a:off x="6457950" y="6356351"/>
+            <a:ext cx="2057400" cy="365125"/>
           </a:xfrm>
           <a:prstGeom prst="rect">
             <a:avLst/>
           </a:prstGeom>
-          <a:noFill/>
-          <a:ln w="9525">
-            <a:noFill/>
-            <a:miter lim="800000"/>
-            <a:headEnd/>
-            <a:tailEnd/>
-          </a:ln>
-          <a:effectLst/>
-        </p:spPr>
-        <p:txBody>
-          <a:bodyPr vert="horz" wrap="square" lIns="91440" tIns="45720" rIns="91440" bIns="45720" numCol="1" anchor="b" anchorCtr="0" compatLnSpc="1">
-            <a:prstTxWarp prst="textNoShape">
-              <a:avLst/>
-            </a:prstTxWarp>
-          </a:bodyPr>
+        </p:spPr>
+        <p:txBody>
+          <a:bodyPr vert="horz" lIns="91440" tIns="45720" rIns="91440" bIns="45720" rtlCol="0" anchor="ctr"/>
           <a:lstStyle>
-            <a:lvl1pPr algn="r" eaLnBrk="1" hangingPunct="1">
-              <a:defRPr sz="1400">
-                <a:latin typeface="+mn-lt"/>
+            <a:lvl1pPr algn="r">
+              <a:defRPr sz="900">
+                <a:solidFill>
+                  <a:schemeClr val="tx1">
+                    <a:tint val="82000"/>
+                  </a:schemeClr>
+                </a:solidFill>
               </a:defRPr>
             </a:lvl1pPr>
           </a:lstStyle>
@@ -6913,7 +7115,7 @@
               <a:defRPr/>
             </a:pPr>
             <a:fld id="{2CFD5FCD-E7F1-EF43-8B4F-0EEE40AC401C}" type="slidenum">
-              <a:rPr lang="en-US"/>
+              <a:rPr lang="en-US" smtClean="0"/>
               <a:pPr>
                 <a:defRPr/>
               </a:pPr>
@@ -6924,313 +7126,57 @@
         </p:txBody>
       </p:sp>
     </p:spTree>
+    <p:extLst>
+      <p:ext uri="{BB962C8B-B14F-4D97-AF65-F5344CB8AC3E}">
+        <p14:creationId xmlns:p14="http://schemas.microsoft.com/office/powerpoint/2010/main" val="4181386396"/>
+      </p:ext>
+    </p:extLst>
   </p:cSld>
-  <p:clrMap bg1="dk2" tx1="lt1" bg2="dk1" tx2="lt2" accent1="accent1" accent2="accent2" accent3="accent3" accent4="accent4" accent5="accent5" accent6="accent6" hlink="hlink" folHlink="folHlink"/>
+  <p:clrMap bg1="lt1" tx1="dk1" bg2="lt2" tx2="dk2" accent1="accent1" accent2="accent2" accent3="accent3" accent4="accent4" accent5="accent5" accent6="accent6" hlink="hlink" folHlink="folHlink"/>
   <p:sldLayoutIdLst>
-    <p:sldLayoutId id="2147483672" r:id="rId1"/>
-    <p:sldLayoutId id="2147483662" r:id="rId2"/>
-    <p:sldLayoutId id="2147483663" r:id="rId3"/>
-    <p:sldLayoutId id="2147483664" r:id="rId4"/>
-    <p:sldLayoutId id="2147483665" r:id="rId5"/>
-    <p:sldLayoutId id="2147483666" r:id="rId6"/>
-    <p:sldLayoutId id="2147483667" r:id="rId7"/>
-    <p:sldLayoutId id="2147483668" r:id="rId8"/>
-    <p:sldLayoutId id="2147483669" r:id="rId9"/>
-    <p:sldLayoutId id="2147483670" r:id="rId10"/>
-    <p:sldLayoutId id="2147483671" r:id="rId11"/>
+    <p:sldLayoutId id="2147483674" r:id="rId1"/>
+    <p:sldLayoutId id="2147483675" r:id="rId2"/>
+    <p:sldLayoutId id="2147483676" r:id="rId3"/>
+    <p:sldLayoutId id="2147483677" r:id="rId4"/>
+    <p:sldLayoutId id="2147483678" r:id="rId5"/>
+    <p:sldLayoutId id="2147483679" r:id="rId6"/>
+    <p:sldLayoutId id="2147483680" r:id="rId7"/>
+    <p:sldLayoutId id="2147483681" r:id="rId8"/>
+    <p:sldLayoutId id="2147483682" r:id="rId9"/>
+    <p:sldLayoutId id="2147483683" r:id="rId10"/>
+    <p:sldLayoutId id="2147483684" r:id="rId11"/>
   </p:sldLayoutIdLst>
   <p:txStyles>
     <p:titleStyle>
-      <a:lvl1pPr algn="ctr" rtl="0" eaLnBrk="0" fontAlgn="base" hangingPunct="0">
+      <a:lvl1pPr algn="l" defTabSz="685800" rtl="0" eaLnBrk="1" latinLnBrk="0" hangingPunct="1">
+        <a:lnSpc>
+          <a:spcPct val="90000"/>
+        </a:lnSpc>
         <a:spcBef>
           <a:spcPct val="0"/>
         </a:spcBef>
-        <a:spcAft>
-          <a:spcPct val="0"/>
-        </a:spcAft>
-        <a:defRPr sz="4400">
-          <a:solidFill>
-            <a:schemeClr val="tx2"/>
-          </a:solidFill>
-          <a:latin typeface="+mj-lt"/>
-          <a:ea typeface="ＭＳ Ｐゴシック" charset="-128"/>
-          <a:cs typeface="ＭＳ Ｐゴシック" charset="-128"/>
-        </a:defRPr>
-      </a:lvl1pPr>
-      <a:lvl2pPr algn="ctr" rtl="0" eaLnBrk="0" fontAlgn="base" hangingPunct="0">
-        <a:spcBef>
-          <a:spcPct val="0"/>
-        </a:spcBef>
-        <a:spcAft>
-          <a:spcPct val="0"/>
-        </a:spcAft>
-        <a:defRPr sz="4400">
-          <a:solidFill>
-            <a:schemeClr val="tx2"/>
-          </a:solidFill>
-          <a:latin typeface="Times New Roman" charset="0"/>
-          <a:ea typeface="ＭＳ Ｐゴシック" charset="-128"/>
-          <a:cs typeface="ＭＳ Ｐゴシック" charset="-128"/>
-        </a:defRPr>
-      </a:lvl2pPr>
-      <a:lvl3pPr algn="ctr" rtl="0" eaLnBrk="0" fontAlgn="base" hangingPunct="0">
-        <a:spcBef>
-          <a:spcPct val="0"/>
-        </a:spcBef>
-        <a:spcAft>
-          <a:spcPct val="0"/>
-        </a:spcAft>
-        <a:defRPr sz="4400">
-          <a:solidFill>
-            <a:schemeClr val="tx2"/>
-          </a:solidFill>
-          <a:latin typeface="Times New Roman" charset="0"/>
-          <a:ea typeface="ＭＳ Ｐゴシック" charset="-128"/>
-          <a:cs typeface="ＭＳ Ｐゴシック" charset="-128"/>
-        </a:defRPr>
-      </a:lvl3pPr>
-      <a:lvl4pPr algn="ctr" rtl="0" eaLnBrk="0" fontAlgn="base" hangingPunct="0">
-        <a:spcBef>
-          <a:spcPct val="0"/>
-        </a:spcBef>
-        <a:spcAft>
-          <a:spcPct val="0"/>
-        </a:spcAft>
-        <a:defRPr sz="4400">
-          <a:solidFill>
-            <a:schemeClr val="tx2"/>
-          </a:solidFill>
-          <a:latin typeface="Times New Roman" charset="0"/>
-          <a:ea typeface="ＭＳ Ｐゴシック" charset="-128"/>
-          <a:cs typeface="ＭＳ Ｐゴシック" charset="-128"/>
-        </a:defRPr>
-      </a:lvl4pPr>
-      <a:lvl5pPr algn="ctr" rtl="0" eaLnBrk="0" fontAlgn="base" hangingPunct="0">
-        <a:spcBef>
-          <a:spcPct val="0"/>
-        </a:spcBef>
-        <a:spcAft>
-          <a:spcPct val="0"/>
-        </a:spcAft>
-        <a:defRPr sz="4400">
-          <a:solidFill>
-            <a:schemeClr val="tx2"/>
-          </a:solidFill>
-          <a:latin typeface="Times New Roman" charset="0"/>
-          <a:ea typeface="ＭＳ Ｐゴシック" charset="-128"/>
-          <a:cs typeface="ＭＳ Ｐゴシック" charset="-128"/>
-        </a:defRPr>
-      </a:lvl5pPr>
-      <a:lvl6pPr marL="457200" algn="ctr" rtl="0" fontAlgn="base">
-        <a:spcBef>
-          <a:spcPct val="0"/>
-        </a:spcBef>
-        <a:spcAft>
-          <a:spcPct val="0"/>
-        </a:spcAft>
-        <a:defRPr sz="4400">
-          <a:solidFill>
-            <a:schemeClr val="tx2"/>
-          </a:solidFill>
-          <a:latin typeface="Times New Roman" charset="0"/>
-        </a:defRPr>
-      </a:lvl6pPr>
-      <a:lvl7pPr marL="914400" algn="ctr" rtl="0" fontAlgn="base">
-        <a:spcBef>
-          <a:spcPct val="0"/>
-        </a:spcBef>
-        <a:spcAft>
-          <a:spcPct val="0"/>
-        </a:spcAft>
-        <a:defRPr sz="4400">
-          <a:solidFill>
-            <a:schemeClr val="tx2"/>
-          </a:solidFill>
-          <a:latin typeface="Times New Roman" charset="0"/>
-        </a:defRPr>
-      </a:lvl7pPr>
-      <a:lvl8pPr marL="1371600" algn="ctr" rtl="0" fontAlgn="base">
-        <a:spcBef>
-          <a:spcPct val="0"/>
-        </a:spcBef>
-        <a:spcAft>
-          <a:spcPct val="0"/>
-        </a:spcAft>
-        <a:defRPr sz="4400">
-          <a:solidFill>
-            <a:schemeClr val="tx2"/>
-          </a:solidFill>
-          <a:latin typeface="Times New Roman" charset="0"/>
-        </a:defRPr>
-      </a:lvl8pPr>
-      <a:lvl9pPr marL="1828800" algn="ctr" rtl="0" fontAlgn="base">
-        <a:spcBef>
-          <a:spcPct val="0"/>
-        </a:spcBef>
-        <a:spcAft>
-          <a:spcPct val="0"/>
-        </a:spcAft>
-        <a:defRPr sz="4400">
-          <a:solidFill>
-            <a:schemeClr val="tx2"/>
-          </a:solidFill>
-          <a:latin typeface="Times New Roman" charset="0"/>
-        </a:defRPr>
-      </a:lvl9pPr>
-    </p:titleStyle>
-    <p:bodyStyle>
-      <a:lvl1pPr marL="342900" indent="-342900" algn="l" rtl="0" eaLnBrk="0" fontAlgn="base" hangingPunct="0">
-        <a:spcBef>
-          <a:spcPct val="20000"/>
-        </a:spcBef>
-        <a:spcAft>
-          <a:spcPct val="0"/>
-        </a:spcAft>
-        <a:buChar char="•"/>
-        <a:defRPr sz="3200">
+        <a:buNone/>
+        <a:defRPr sz="3300" kern="1200">
           <a:solidFill>
             <a:schemeClr val="tx1"/>
           </a:solidFill>
-          <a:latin typeface="+mn-lt"/>
-          <a:ea typeface="ＭＳ Ｐゴシック" charset="-128"/>
-          <a:cs typeface="ＭＳ Ｐゴシック" charset="-128"/>
+          <a:latin typeface="+mj-lt"/>
+          <a:ea typeface="+mj-ea"/>
+          <a:cs typeface="+mj-cs"/>
         </a:defRPr>
       </a:lvl1pPr>
-      <a:lvl2pPr marL="742950" indent="-285750" algn="l" rtl="0" eaLnBrk="0" fontAlgn="base" hangingPunct="0">
+    </p:titleStyle>
+    <p:bodyStyle>
+      <a:lvl1pPr marL="171450" indent="-171450" algn="l" defTabSz="685800" rtl="0" eaLnBrk="1" latinLnBrk="0" hangingPunct="1">
+        <a:lnSpc>
+          <a:spcPct val="90000"/>
+        </a:lnSpc>
         <a:spcBef>
-          <a:spcPct val="20000"/>
+          <a:spcPts val="750"/>
         </a:spcBef>
-        <a:spcAft>
-          <a:spcPct val="0"/>
-        </a:spcAft>
-        <a:buChar char="–"/>
-        <a:defRPr sz="2800">
-          <a:solidFill>
-            <a:schemeClr val="tx1"/>
-          </a:solidFill>
-          <a:latin typeface="+mn-lt"/>
-          <a:ea typeface="ＭＳ Ｐゴシック" charset="-128"/>
-        </a:defRPr>
-      </a:lvl2pPr>
-      <a:lvl3pPr marL="1143000" indent="-228600" algn="l" rtl="0" eaLnBrk="0" fontAlgn="base" hangingPunct="0">
-        <a:spcBef>
-          <a:spcPct val="20000"/>
-        </a:spcBef>
-        <a:spcAft>
-          <a:spcPct val="0"/>
-        </a:spcAft>
+        <a:buFont typeface="Arial" panose="020B0604020202020204" pitchFamily="34" charset="0"/>
         <a:buChar char="•"/>
-        <a:defRPr sz="2400">
-          <a:solidFill>
-            <a:schemeClr val="tx1"/>
-          </a:solidFill>
-          <a:latin typeface="+mn-lt"/>
-          <a:ea typeface="ＭＳ Ｐゴシック" charset="-128"/>
-        </a:defRPr>
-      </a:lvl3pPr>
-      <a:lvl4pPr marL="1600200" indent="-228600" algn="l" rtl="0" eaLnBrk="0" fontAlgn="base" hangingPunct="0">
-        <a:spcBef>
-          <a:spcPct val="20000"/>
-        </a:spcBef>
-        <a:spcAft>
-          <a:spcPct val="0"/>
-        </a:spcAft>
-        <a:buChar char="–"/>
-        <a:defRPr sz="2000">
-          <a:solidFill>
-            <a:schemeClr val="tx1"/>
-          </a:solidFill>
-          <a:latin typeface="+mn-lt"/>
-          <a:ea typeface="ＭＳ Ｐゴシック" charset="-128"/>
-        </a:defRPr>
-      </a:lvl4pPr>
-      <a:lvl5pPr marL="2057400" indent="-228600" algn="l" rtl="0" eaLnBrk="0" fontAlgn="base" hangingPunct="0">
-        <a:spcBef>
-          <a:spcPct val="20000"/>
-        </a:spcBef>
-        <a:spcAft>
-          <a:spcPct val="0"/>
-        </a:spcAft>
-        <a:buChar char="»"/>
-        <a:defRPr sz="2000">
-          <a:solidFill>
-            <a:schemeClr val="tx1"/>
-          </a:solidFill>
-          <a:latin typeface="+mn-lt"/>
-          <a:ea typeface="ＭＳ Ｐゴシック" charset="-128"/>
-        </a:defRPr>
-      </a:lvl5pPr>
-      <a:lvl6pPr marL="2514600" indent="-228600" algn="l" rtl="0" fontAlgn="base">
-        <a:spcBef>
-          <a:spcPct val="20000"/>
-        </a:spcBef>
-        <a:spcAft>
-          <a:spcPct val="0"/>
-        </a:spcAft>
-        <a:buChar char="»"/>
-        <a:defRPr sz="2000">
-          <a:solidFill>
-            <a:schemeClr val="tx1"/>
-          </a:solidFill>
-          <a:latin typeface="+mn-lt"/>
-          <a:ea typeface="ＭＳ Ｐゴシック" charset="-128"/>
-        </a:defRPr>
-      </a:lvl6pPr>
-      <a:lvl7pPr marL="2971800" indent="-228600" algn="l" rtl="0" fontAlgn="base">
-        <a:spcBef>
-          <a:spcPct val="20000"/>
-        </a:spcBef>
-        <a:spcAft>
-          <a:spcPct val="0"/>
-        </a:spcAft>
-        <a:buChar char="»"/>
-        <a:defRPr sz="2000">
-          <a:solidFill>
-            <a:schemeClr val="tx1"/>
-          </a:solidFill>
-          <a:latin typeface="+mn-lt"/>
-          <a:ea typeface="ＭＳ Ｐゴシック" charset="-128"/>
-        </a:defRPr>
-      </a:lvl7pPr>
-      <a:lvl8pPr marL="3429000" indent="-228600" algn="l" rtl="0" fontAlgn="base">
-        <a:spcBef>
-          <a:spcPct val="20000"/>
-        </a:spcBef>
-        <a:spcAft>
-          <a:spcPct val="0"/>
-        </a:spcAft>
-        <a:buChar char="»"/>
-        <a:defRPr sz="2000">
-          <a:solidFill>
-            <a:schemeClr val="tx1"/>
-          </a:solidFill>
-          <a:latin typeface="+mn-lt"/>
-          <a:ea typeface="ＭＳ Ｐゴシック" charset="-128"/>
-        </a:defRPr>
-      </a:lvl8pPr>
-      <a:lvl9pPr marL="3886200" indent="-228600" algn="l" rtl="0" fontAlgn="base">
-        <a:spcBef>
-          <a:spcPct val="20000"/>
-        </a:spcBef>
-        <a:spcAft>
-          <a:spcPct val="0"/>
-        </a:spcAft>
-        <a:buChar char="»"/>
-        <a:defRPr sz="2000">
-          <a:solidFill>
-            <a:schemeClr val="tx1"/>
-          </a:solidFill>
-          <a:latin typeface="+mn-lt"/>
-          <a:ea typeface="ＭＳ Ｐゴシック" charset="-128"/>
-        </a:defRPr>
-      </a:lvl9pPr>
-    </p:bodyStyle>
-    <p:otherStyle>
-      <a:defPPr>
-        <a:defRPr lang="en-US"/>
-      </a:defPPr>
-      <a:lvl1pPr marL="0" algn="l" defTabSz="457200" rtl="0" eaLnBrk="1" latinLnBrk="0" hangingPunct="1">
-        <a:defRPr sz="1800" kern="1200">
+        <a:defRPr sz="2100" kern="1200">
           <a:solidFill>
             <a:schemeClr val="tx1"/>
           </a:solidFill>
@@ -7239,7 +7185,15 @@
           <a:cs typeface="+mn-cs"/>
         </a:defRPr>
       </a:lvl1pPr>
-      <a:lvl2pPr marL="457200" algn="l" defTabSz="457200" rtl="0" eaLnBrk="1" latinLnBrk="0" hangingPunct="1">
+      <a:lvl2pPr marL="514350" indent="-171450" algn="l" defTabSz="685800" rtl="0" eaLnBrk="1" latinLnBrk="0" hangingPunct="1">
+        <a:lnSpc>
+          <a:spcPct val="90000"/>
+        </a:lnSpc>
+        <a:spcBef>
+          <a:spcPts val="375"/>
+        </a:spcBef>
+        <a:buFont typeface="Arial" panose="020B0604020202020204" pitchFamily="34" charset="0"/>
+        <a:buChar char="•"/>
         <a:defRPr sz="1800" kern="1200">
           <a:solidFill>
             <a:schemeClr val="tx1"/>
@@ -7249,8 +7203,16 @@
           <a:cs typeface="+mn-cs"/>
         </a:defRPr>
       </a:lvl2pPr>
-      <a:lvl3pPr marL="914400" algn="l" defTabSz="457200" rtl="0" eaLnBrk="1" latinLnBrk="0" hangingPunct="1">
-        <a:defRPr sz="1800" kern="1200">
+      <a:lvl3pPr marL="857250" indent="-171450" algn="l" defTabSz="685800" rtl="0" eaLnBrk="1" latinLnBrk="0" hangingPunct="1">
+        <a:lnSpc>
+          <a:spcPct val="90000"/>
+        </a:lnSpc>
+        <a:spcBef>
+          <a:spcPts val="375"/>
+        </a:spcBef>
+        <a:buFont typeface="Arial" panose="020B0604020202020204" pitchFamily="34" charset="0"/>
+        <a:buChar char="•"/>
+        <a:defRPr sz="1500" kern="1200">
           <a:solidFill>
             <a:schemeClr val="tx1"/>
           </a:solidFill>
@@ -7259,8 +7221,16 @@
           <a:cs typeface="+mn-cs"/>
         </a:defRPr>
       </a:lvl3pPr>
-      <a:lvl4pPr marL="1371600" algn="l" defTabSz="457200" rtl="0" eaLnBrk="1" latinLnBrk="0" hangingPunct="1">
-        <a:defRPr sz="1800" kern="1200">
+      <a:lvl4pPr marL="1200150" indent="-171450" algn="l" defTabSz="685800" rtl="0" eaLnBrk="1" latinLnBrk="0" hangingPunct="1">
+        <a:lnSpc>
+          <a:spcPct val="90000"/>
+        </a:lnSpc>
+        <a:spcBef>
+          <a:spcPts val="375"/>
+        </a:spcBef>
+        <a:buFont typeface="Arial" panose="020B0604020202020204" pitchFamily="34" charset="0"/>
+        <a:buChar char="•"/>
+        <a:defRPr sz="1350" kern="1200">
           <a:solidFill>
             <a:schemeClr val="tx1"/>
           </a:solidFill>
@@ -7269,8 +7239,16 @@
           <a:cs typeface="+mn-cs"/>
         </a:defRPr>
       </a:lvl4pPr>
-      <a:lvl5pPr marL="1828800" algn="l" defTabSz="457200" rtl="0" eaLnBrk="1" latinLnBrk="0" hangingPunct="1">
-        <a:defRPr sz="1800" kern="1200">
+      <a:lvl5pPr marL="1543050" indent="-171450" algn="l" defTabSz="685800" rtl="0" eaLnBrk="1" latinLnBrk="0" hangingPunct="1">
+        <a:lnSpc>
+          <a:spcPct val="90000"/>
+        </a:lnSpc>
+        <a:spcBef>
+          <a:spcPts val="375"/>
+        </a:spcBef>
+        <a:buFont typeface="Arial" panose="020B0604020202020204" pitchFamily="34" charset="0"/>
+        <a:buChar char="•"/>
+        <a:defRPr sz="1350" kern="1200">
           <a:solidFill>
             <a:schemeClr val="tx1"/>
           </a:solidFill>
@@ -7279,8 +7257,16 @@
           <a:cs typeface="+mn-cs"/>
         </a:defRPr>
       </a:lvl5pPr>
-      <a:lvl6pPr marL="2286000" algn="l" defTabSz="457200" rtl="0" eaLnBrk="1" latinLnBrk="0" hangingPunct="1">
-        <a:defRPr sz="1800" kern="1200">
+      <a:lvl6pPr marL="1885950" indent="-171450" algn="l" defTabSz="685800" rtl="0" eaLnBrk="1" latinLnBrk="0" hangingPunct="1">
+        <a:lnSpc>
+          <a:spcPct val="90000"/>
+        </a:lnSpc>
+        <a:spcBef>
+          <a:spcPts val="375"/>
+        </a:spcBef>
+        <a:buFont typeface="Arial" panose="020B0604020202020204" pitchFamily="34" charset="0"/>
+        <a:buChar char="•"/>
+        <a:defRPr sz="1350" kern="1200">
           <a:solidFill>
             <a:schemeClr val="tx1"/>
           </a:solidFill>
@@ -7289,8 +7275,16 @@
           <a:cs typeface="+mn-cs"/>
         </a:defRPr>
       </a:lvl6pPr>
-      <a:lvl7pPr marL="2743200" algn="l" defTabSz="457200" rtl="0" eaLnBrk="1" latinLnBrk="0" hangingPunct="1">
-        <a:defRPr sz="1800" kern="1200">
+      <a:lvl7pPr marL="2228850" indent="-171450" algn="l" defTabSz="685800" rtl="0" eaLnBrk="1" latinLnBrk="0" hangingPunct="1">
+        <a:lnSpc>
+          <a:spcPct val="90000"/>
+        </a:lnSpc>
+        <a:spcBef>
+          <a:spcPts val="375"/>
+        </a:spcBef>
+        <a:buFont typeface="Arial" panose="020B0604020202020204" pitchFamily="34" charset="0"/>
+        <a:buChar char="•"/>
+        <a:defRPr sz="1350" kern="1200">
           <a:solidFill>
             <a:schemeClr val="tx1"/>
           </a:solidFill>
@@ -7299,8 +7293,16 @@
           <a:cs typeface="+mn-cs"/>
         </a:defRPr>
       </a:lvl7pPr>
-      <a:lvl8pPr marL="3200400" algn="l" defTabSz="457200" rtl="0" eaLnBrk="1" latinLnBrk="0" hangingPunct="1">
-        <a:defRPr sz="1800" kern="1200">
+      <a:lvl8pPr marL="2571750" indent="-171450" algn="l" defTabSz="685800" rtl="0" eaLnBrk="1" latinLnBrk="0" hangingPunct="1">
+        <a:lnSpc>
+          <a:spcPct val="90000"/>
+        </a:lnSpc>
+        <a:spcBef>
+          <a:spcPts val="375"/>
+        </a:spcBef>
+        <a:buFont typeface="Arial" panose="020B0604020202020204" pitchFamily="34" charset="0"/>
+        <a:buChar char="•"/>
+        <a:defRPr sz="1350" kern="1200">
           <a:solidFill>
             <a:schemeClr val="tx1"/>
           </a:solidFill>
@@ -7309,8 +7311,111 @@
           <a:cs typeface="+mn-cs"/>
         </a:defRPr>
       </a:lvl8pPr>
-      <a:lvl9pPr marL="3657600" algn="l" defTabSz="457200" rtl="0" eaLnBrk="1" latinLnBrk="0" hangingPunct="1">
-        <a:defRPr sz="1800" kern="1200">
+      <a:lvl9pPr marL="2914650" indent="-171450" algn="l" defTabSz="685800" rtl="0" eaLnBrk="1" latinLnBrk="0" hangingPunct="1">
+        <a:lnSpc>
+          <a:spcPct val="90000"/>
+        </a:lnSpc>
+        <a:spcBef>
+          <a:spcPts val="375"/>
+        </a:spcBef>
+        <a:buFont typeface="Arial" panose="020B0604020202020204" pitchFamily="34" charset="0"/>
+        <a:buChar char="•"/>
+        <a:defRPr sz="1350" kern="1200">
+          <a:solidFill>
+            <a:schemeClr val="tx1"/>
+          </a:solidFill>
+          <a:latin typeface="+mn-lt"/>
+          <a:ea typeface="+mn-ea"/>
+          <a:cs typeface="+mn-cs"/>
+        </a:defRPr>
+      </a:lvl9pPr>
+    </p:bodyStyle>
+    <p:otherStyle>
+      <a:defPPr>
+        <a:defRPr lang="en-US"/>
+      </a:defPPr>
+      <a:lvl1pPr marL="0" algn="l" defTabSz="685800" rtl="0" eaLnBrk="1" latinLnBrk="0" hangingPunct="1">
+        <a:defRPr sz="1350" kern="1200">
+          <a:solidFill>
+            <a:schemeClr val="tx1"/>
+          </a:solidFill>
+          <a:latin typeface="+mn-lt"/>
+          <a:ea typeface="+mn-ea"/>
+          <a:cs typeface="+mn-cs"/>
+        </a:defRPr>
+      </a:lvl1pPr>
+      <a:lvl2pPr marL="342900" algn="l" defTabSz="685800" rtl="0" eaLnBrk="1" latinLnBrk="0" hangingPunct="1">
+        <a:defRPr sz="1350" kern="1200">
+          <a:solidFill>
+            <a:schemeClr val="tx1"/>
+          </a:solidFill>
+          <a:latin typeface="+mn-lt"/>
+          <a:ea typeface="+mn-ea"/>
+          <a:cs typeface="+mn-cs"/>
+        </a:defRPr>
+      </a:lvl2pPr>
+      <a:lvl3pPr marL="685800" algn="l" defTabSz="685800" rtl="0" eaLnBrk="1" latinLnBrk="0" hangingPunct="1">
+        <a:defRPr sz="1350" kern="1200">
+          <a:solidFill>
+            <a:schemeClr val="tx1"/>
+          </a:solidFill>
+          <a:latin typeface="+mn-lt"/>
+          <a:ea typeface="+mn-ea"/>
+          <a:cs typeface="+mn-cs"/>
+        </a:defRPr>
+      </a:lvl3pPr>
+      <a:lvl4pPr marL="1028700" algn="l" defTabSz="685800" rtl="0" eaLnBrk="1" latinLnBrk="0" hangingPunct="1">
+        <a:defRPr sz="1350" kern="1200">
+          <a:solidFill>
+            <a:schemeClr val="tx1"/>
+          </a:solidFill>
+          <a:latin typeface="+mn-lt"/>
+          <a:ea typeface="+mn-ea"/>
+          <a:cs typeface="+mn-cs"/>
+        </a:defRPr>
+      </a:lvl4pPr>
+      <a:lvl5pPr marL="1371600" algn="l" defTabSz="685800" rtl="0" eaLnBrk="1" latinLnBrk="0" hangingPunct="1">
+        <a:defRPr sz="1350" kern="1200">
+          <a:solidFill>
+            <a:schemeClr val="tx1"/>
+          </a:solidFill>
+          <a:latin typeface="+mn-lt"/>
+          <a:ea typeface="+mn-ea"/>
+          <a:cs typeface="+mn-cs"/>
+        </a:defRPr>
+      </a:lvl5pPr>
+      <a:lvl6pPr marL="1714500" algn="l" defTabSz="685800" rtl="0" eaLnBrk="1" latinLnBrk="0" hangingPunct="1">
+        <a:defRPr sz="1350" kern="1200">
+          <a:solidFill>
+            <a:schemeClr val="tx1"/>
+          </a:solidFill>
+          <a:latin typeface="+mn-lt"/>
+          <a:ea typeface="+mn-ea"/>
+          <a:cs typeface="+mn-cs"/>
+        </a:defRPr>
+      </a:lvl6pPr>
+      <a:lvl7pPr marL="2057400" algn="l" defTabSz="685800" rtl="0" eaLnBrk="1" latinLnBrk="0" hangingPunct="1">
+        <a:defRPr sz="1350" kern="1200">
+          <a:solidFill>
+            <a:schemeClr val="tx1"/>
+          </a:solidFill>
+          <a:latin typeface="+mn-lt"/>
+          <a:ea typeface="+mn-ea"/>
+          <a:cs typeface="+mn-cs"/>
+        </a:defRPr>
+      </a:lvl7pPr>
+      <a:lvl8pPr marL="2400300" algn="l" defTabSz="685800" rtl="0" eaLnBrk="1" latinLnBrk="0" hangingPunct="1">
+        <a:defRPr sz="1350" kern="1200">
+          <a:solidFill>
+            <a:schemeClr val="tx1"/>
+          </a:solidFill>
+          <a:latin typeface="+mn-lt"/>
+          <a:ea typeface="+mn-ea"/>
+          <a:cs typeface="+mn-cs"/>
+        </a:defRPr>
+      </a:lvl8pPr>
+      <a:lvl9pPr marL="2743200" algn="l" defTabSz="685800" rtl="0" eaLnBrk="1" latinLnBrk="0" hangingPunct="1">
+        <a:defRPr sz="1350" kern="1200">
           <a:solidFill>
             <a:schemeClr val="tx1"/>
           </a:solidFill>
@@ -10334,7 +10439,7 @@
         <p:spPr>
           <a:xfrm>
             <a:off x="323528" y="-171400"/>
-            <a:ext cx="8568952" cy="1535832"/>
+            <a:ext cx="8568952" cy="1296144"/>
           </a:xfrm>
         </p:spPr>
         <p:txBody>
@@ -10484,7 +10589,7 @@
         <p:spPr>
           <a:xfrm>
             <a:off x="323528" y="-171400"/>
-            <a:ext cx="8568952" cy="1535832"/>
+            <a:ext cx="8568952" cy="1296144"/>
           </a:xfrm>
         </p:spPr>
         <p:txBody>
@@ -10915,7 +11020,7 @@
         <p:spPr>
           <a:xfrm>
             <a:off x="323528" y="-171400"/>
-            <a:ext cx="8568952" cy="1535832"/>
+            <a:ext cx="8568952" cy="1237565"/>
           </a:xfrm>
         </p:spPr>
         <p:txBody>
@@ -11542,7 +11647,7 @@
         <p:spPr>
           <a:xfrm>
             <a:off x="323528" y="-171400"/>
-            <a:ext cx="8568952" cy="1535832"/>
+            <a:ext cx="8568952" cy="1288901"/>
           </a:xfrm>
         </p:spPr>
         <p:txBody>
@@ -11575,7 +11680,7 @@
             <a:avLst/>
           </a:prstGeom>
           <a:solidFill>
-            <a:schemeClr val="tx1"/>
+            <a:schemeClr val="bg1"/>
           </a:solidFill>
           <a:ln w="9525">
             <a:solidFill>
@@ -11674,7 +11779,7 @@
             <a:avLst/>
           </a:prstGeom>
           <a:solidFill>
-            <a:schemeClr val="tx1"/>
+            <a:schemeClr val="bg1"/>
           </a:solidFill>
           <a:ln w="9525">
             <a:solidFill>
@@ -11700,12 +11805,20 @@
               </a:spcBef>
             </a:pPr>
             <a:r>
-              <a:rPr lang="en-US" sz="1200">
+              <a:rPr lang="en-US" sz="1200" dirty="0" err="1">
                 <a:solidFill>
                   <a:srgbClr val="000000"/>
                 </a:solidFill>
               </a:rPr>
-              <a:t>BaP Replicate #2</a:t>
+              <a:t>BaP</a:t>
+            </a:r>
+            <a:r>
+              <a:rPr lang="en-US" sz="1200" dirty="0">
+                <a:solidFill>
+                  <a:srgbClr val="000000"/>
+                </a:solidFill>
+              </a:rPr>
+              <a:t> Replicate #2</a:t>
             </a:r>
           </a:p>
         </p:txBody>
@@ -11727,7 +11840,7 @@
             <a:avLst/>
           </a:prstGeom>
           <a:solidFill>
-            <a:schemeClr val="tx1"/>
+            <a:schemeClr val="bg1"/>
           </a:solidFill>
           <a:ln w="9525">
             <a:solidFill>
@@ -11753,12 +11866,20 @@
               </a:spcBef>
             </a:pPr>
             <a:r>
-              <a:rPr lang="en-US" sz="1200">
+              <a:rPr lang="en-US" sz="1200" dirty="0" err="1">
                 <a:solidFill>
                   <a:srgbClr val="000000"/>
                 </a:solidFill>
               </a:rPr>
-              <a:t>BaP Replicate #3</a:t>
+              <a:t>BaP</a:t>
+            </a:r>
+            <a:r>
+              <a:rPr lang="en-US" sz="1200" dirty="0">
+                <a:solidFill>
+                  <a:srgbClr val="000000"/>
+                </a:solidFill>
+              </a:rPr>
+              <a:t> Replicate #3</a:t>
             </a:r>
           </a:p>
         </p:txBody>
@@ -11780,7 +11901,7 @@
             <a:avLst/>
           </a:prstGeom>
           <a:solidFill>
-            <a:schemeClr val="tx1"/>
+            <a:schemeClr val="bg1"/>
           </a:solidFill>
           <a:ln w="9525">
             <a:solidFill>
@@ -11806,7 +11927,7 @@
               </a:spcBef>
             </a:pPr>
             <a:r>
-              <a:rPr lang="en-US" sz="1200">
+              <a:rPr lang="en-US" sz="1200" dirty="0">
                 <a:solidFill>
                   <a:srgbClr val="000000"/>
                 </a:solidFill>
@@ -11833,7 +11954,7 @@
             <a:avLst/>
           </a:prstGeom>
           <a:solidFill>
-            <a:schemeClr val="tx1"/>
+            <a:schemeClr val="bg1"/>
           </a:solidFill>
           <a:ln w="9525">
             <a:solidFill>
@@ -11886,7 +12007,7 @@
             <a:avLst/>
           </a:prstGeom>
           <a:solidFill>
-            <a:schemeClr val="tx1"/>
+            <a:schemeClr val="bg1"/>
           </a:solidFill>
           <a:ln w="9525">
             <a:solidFill>
@@ -13015,14 +13136,17 @@
         <p:spPr>
           <a:xfrm>
             <a:off x="5752503" y="4967590"/>
-            <a:ext cx="979737" cy="261610"/>
+            <a:ext cx="1024639" cy="261610"/>
           </a:xfrm>
           <a:prstGeom prst="rect">
             <a:avLst/>
           </a:prstGeom>
           <a:solidFill>
-            <a:schemeClr val="tx1"/>
+            <a:schemeClr val="bg1"/>
           </a:solidFill>
+          <a:ln>
+            <a:noFill/>
+          </a:ln>
         </p:spPr>
         <p:txBody>
           <a:bodyPr wrap="none" rtlCol="0">
@@ -13031,11 +13155,7 @@
           <a:lstStyle/>
           <a:p>
             <a:r>
-              <a:rPr lang="en-US" sz="1100" dirty="0">
-                <a:solidFill>
-                  <a:schemeClr val="bg2"/>
-                </a:solidFill>
-              </a:rPr>
+              <a:rPr lang="en-US" sz="1100" dirty="0"/>
               <a:t>microarray #1</a:t>
             </a:r>
           </a:p>
@@ -13049,15 +13169,18 @@
         </p:nvSpPr>
         <p:spPr>
           <a:xfrm rot="16200000">
-            <a:off x="3852897" y="3356016"/>
-            <a:ext cx="979737" cy="261610"/>
+            <a:off x="3830446" y="3356016"/>
+            <a:ext cx="1024639" cy="261610"/>
           </a:xfrm>
           <a:prstGeom prst="rect">
             <a:avLst/>
           </a:prstGeom>
           <a:solidFill>
-            <a:schemeClr val="tx1"/>
+            <a:schemeClr val="bg1"/>
           </a:solidFill>
+          <a:ln>
+            <a:noFill/>
+          </a:ln>
         </p:spPr>
         <p:txBody>
           <a:bodyPr wrap="none" rtlCol="0">
@@ -13066,11 +13189,7 @@
           <a:lstStyle/>
           <a:p>
             <a:r>
-              <a:rPr lang="en-US" sz="1100" dirty="0">
-                <a:solidFill>
-                  <a:schemeClr val="bg2"/>
-                </a:solidFill>
-              </a:rPr>
+              <a:rPr lang="en-US" sz="1100" dirty="0"/>
               <a:t>microarray #2</a:t>
             </a:r>
           </a:p>
@@ -13084,19 +13203,17 @@
         </p:nvSpPr>
         <p:spPr bwMode="auto">
           <a:xfrm>
-            <a:off x="5076056" y="1628800"/>
+            <a:off x="5220072" y="1652464"/>
             <a:ext cx="2232248" cy="432048"/>
           </a:xfrm>
           <a:prstGeom prst="rect">
             <a:avLst/>
           </a:prstGeom>
           <a:solidFill>
-            <a:schemeClr val="tx1"/>
+            <a:schemeClr val="bg1"/>
           </a:solidFill>
           <a:ln w="9525" cap="flat" cmpd="sng" algn="ctr">
-            <a:solidFill>
-              <a:schemeClr val="tx1"/>
-            </a:solidFill>
+            <a:noFill/>
             <a:prstDash val="solid"/>
             <a:round/>
             <a:headEnd type="none" w="med" len="med"/>
@@ -13121,14 +13238,17 @@
         <p:spPr>
           <a:xfrm>
             <a:off x="4153500" y="1295182"/>
-            <a:ext cx="1210588" cy="261610"/>
+            <a:ext cx="1274708" cy="261610"/>
           </a:xfrm>
           <a:prstGeom prst="rect">
             <a:avLst/>
           </a:prstGeom>
           <a:solidFill>
-            <a:schemeClr val="tx1"/>
+            <a:schemeClr val="bg1"/>
           </a:solidFill>
+          <a:ln>
+            <a:noFill/>
+          </a:ln>
         </p:spPr>
         <p:txBody>
           <a:bodyPr wrap="none" rtlCol="0">
@@ -13137,11 +13257,7 @@
           <a:lstStyle/>
           <a:p>
             <a:r>
-              <a:rPr lang="en-US" sz="1100" dirty="0">
-                <a:solidFill>
-                  <a:schemeClr val="bg2"/>
-                </a:solidFill>
-              </a:rPr>
+              <a:rPr lang="en-US" sz="1100" dirty="0"/>
               <a:t>pre-normalization</a:t>
             </a:r>
           </a:p>
@@ -13190,7 +13306,7 @@
         <p:spPr>
           <a:xfrm>
             <a:off x="323528" y="-171400"/>
-            <a:ext cx="8568952" cy="1535832"/>
+            <a:ext cx="8568952" cy="1195675"/>
           </a:xfrm>
         </p:spPr>
         <p:txBody>
@@ -13602,14 +13718,17 @@
         <p:spPr>
           <a:xfrm>
             <a:off x="5752503" y="4967590"/>
-            <a:ext cx="979737" cy="261610"/>
+            <a:ext cx="1024639" cy="261610"/>
           </a:xfrm>
           <a:prstGeom prst="rect">
             <a:avLst/>
           </a:prstGeom>
           <a:solidFill>
-            <a:schemeClr val="tx1"/>
+            <a:schemeClr val="bg1"/>
           </a:solidFill>
+          <a:ln>
+            <a:noFill/>
+          </a:ln>
         </p:spPr>
         <p:txBody>
           <a:bodyPr wrap="none" rtlCol="0">
@@ -13618,11 +13737,7 @@
           <a:lstStyle/>
           <a:p>
             <a:r>
-              <a:rPr lang="en-US" sz="1100" dirty="0">
-                <a:solidFill>
-                  <a:schemeClr val="bg2"/>
-                </a:solidFill>
-              </a:rPr>
+              <a:rPr lang="en-US" sz="1100" dirty="0"/>
               <a:t>microarray #1</a:t>
             </a:r>
           </a:p>
@@ -13636,15 +13751,18 @@
         </p:nvSpPr>
         <p:spPr>
           <a:xfrm rot="16200000">
-            <a:off x="3852897" y="3356016"/>
-            <a:ext cx="979737" cy="261610"/>
+            <a:off x="3830446" y="3356016"/>
+            <a:ext cx="1024639" cy="261610"/>
           </a:xfrm>
           <a:prstGeom prst="rect">
             <a:avLst/>
           </a:prstGeom>
           <a:solidFill>
-            <a:schemeClr val="tx1"/>
+            <a:schemeClr val="bg1"/>
           </a:solidFill>
+          <a:ln>
+            <a:noFill/>
+          </a:ln>
         </p:spPr>
         <p:txBody>
           <a:bodyPr wrap="none" rtlCol="0">
@@ -13653,11 +13771,7 @@
           <a:lstStyle/>
           <a:p>
             <a:r>
-              <a:rPr lang="en-US" sz="1100" dirty="0">
-                <a:solidFill>
-                  <a:schemeClr val="bg2"/>
-                </a:solidFill>
-              </a:rPr>
+              <a:rPr lang="en-US" sz="1100" dirty="0"/>
               <a:t>microarray #2</a:t>
             </a:r>
           </a:p>
@@ -13707,12 +13821,10 @@
             <a:avLst/>
           </a:prstGeom>
           <a:solidFill>
-            <a:schemeClr val="tx1"/>
+            <a:schemeClr val="bg1"/>
           </a:solidFill>
           <a:ln w="9525" cap="flat" cmpd="sng" algn="ctr">
-            <a:solidFill>
-              <a:schemeClr val="tx1"/>
-            </a:solidFill>
+            <a:noFill/>
             <a:prstDash val="solid"/>
             <a:round/>
             <a:headEnd type="none" w="med" len="med"/>
@@ -13737,14 +13849,17 @@
         <p:spPr>
           <a:xfrm>
             <a:off x="4153500" y="1295182"/>
-            <a:ext cx="1210588" cy="261610"/>
+            <a:ext cx="1274708" cy="261610"/>
           </a:xfrm>
           <a:prstGeom prst="rect">
             <a:avLst/>
           </a:prstGeom>
           <a:solidFill>
-            <a:schemeClr val="tx1"/>
+            <a:schemeClr val="bg1"/>
           </a:solidFill>
+          <a:ln>
+            <a:noFill/>
+          </a:ln>
         </p:spPr>
         <p:txBody>
           <a:bodyPr wrap="none" rtlCol="0">
@@ -13753,11 +13868,7 @@
           <a:lstStyle/>
           <a:p>
             <a:r>
-              <a:rPr lang="en-US" sz="1100" dirty="0">
-                <a:solidFill>
-                  <a:schemeClr val="bg2"/>
-                </a:solidFill>
-              </a:rPr>
+              <a:rPr lang="en-US" sz="1100" dirty="0"/>
               <a:t>pre-normalization</a:t>
             </a:r>
           </a:p>
@@ -13964,14 +14075,17 @@
         <p:spPr>
           <a:xfrm>
             <a:off x="5752503" y="4967590"/>
-            <a:ext cx="979737" cy="261610"/>
+            <a:ext cx="1024639" cy="261610"/>
           </a:xfrm>
           <a:prstGeom prst="rect">
             <a:avLst/>
           </a:prstGeom>
           <a:solidFill>
-            <a:schemeClr val="tx1"/>
+            <a:schemeClr val="bg1"/>
           </a:solidFill>
+          <a:ln>
+            <a:noFill/>
+          </a:ln>
         </p:spPr>
         <p:txBody>
           <a:bodyPr wrap="none" rtlCol="0">
@@ -13980,11 +14094,7 @@
           <a:lstStyle/>
           <a:p>
             <a:r>
-              <a:rPr lang="en-US" sz="1100" dirty="0">
-                <a:solidFill>
-                  <a:schemeClr val="bg2"/>
-                </a:solidFill>
-              </a:rPr>
+              <a:rPr lang="en-US" sz="1100" dirty="0"/>
               <a:t>microarray #1</a:t>
             </a:r>
           </a:p>
@@ -13998,15 +14108,18 @@
         </p:nvSpPr>
         <p:spPr>
           <a:xfrm rot="16200000">
-            <a:off x="3852897" y="3356016"/>
-            <a:ext cx="979737" cy="261610"/>
+            <a:off x="3830446" y="3356016"/>
+            <a:ext cx="1024639" cy="261610"/>
           </a:xfrm>
           <a:prstGeom prst="rect">
             <a:avLst/>
           </a:prstGeom>
           <a:solidFill>
-            <a:schemeClr val="tx1"/>
+            <a:schemeClr val="bg1"/>
           </a:solidFill>
+          <a:ln>
+            <a:noFill/>
+          </a:ln>
         </p:spPr>
         <p:txBody>
           <a:bodyPr wrap="none" rtlCol="0">
@@ -14015,11 +14128,7 @@
           <a:lstStyle/>
           <a:p>
             <a:r>
-              <a:rPr lang="en-US" sz="1100" dirty="0">
-                <a:solidFill>
-                  <a:schemeClr val="bg2"/>
-                </a:solidFill>
-              </a:rPr>
+              <a:rPr lang="en-US" sz="1100" dirty="0"/>
               <a:t>microarray #2</a:t>
             </a:r>
           </a:p>
@@ -14069,12 +14178,10 @@
             <a:avLst/>
           </a:prstGeom>
           <a:solidFill>
-            <a:schemeClr val="tx1"/>
+            <a:schemeClr val="bg1"/>
           </a:solidFill>
           <a:ln w="9525" cap="flat" cmpd="sng" algn="ctr">
-            <a:solidFill>
-              <a:schemeClr val="tx1"/>
-            </a:solidFill>
+            <a:noFill/>
             <a:prstDash val="solid"/>
             <a:round/>
             <a:headEnd type="none" w="med" len="med"/>
@@ -14099,14 +14206,17 @@
         <p:spPr>
           <a:xfrm>
             <a:off x="4153500" y="1295182"/>
-            <a:ext cx="1261884" cy="261610"/>
+            <a:ext cx="1346844" cy="261610"/>
           </a:xfrm>
           <a:prstGeom prst="rect">
             <a:avLst/>
           </a:prstGeom>
           <a:solidFill>
-            <a:schemeClr val="tx1"/>
+            <a:schemeClr val="bg1"/>
           </a:solidFill>
+          <a:ln>
+            <a:noFill/>
+          </a:ln>
         </p:spPr>
         <p:txBody>
           <a:bodyPr wrap="none" rtlCol="0">
@@ -14115,11 +14225,7 @@
           <a:lstStyle/>
           <a:p>
             <a:r>
-              <a:rPr lang="en-US" sz="1100" dirty="0">
-                <a:solidFill>
-                  <a:schemeClr val="bg2"/>
-                </a:solidFill>
-              </a:rPr>
+              <a:rPr lang="en-US" sz="1100" dirty="0"/>
               <a:t>post-normalization</a:t>
             </a:r>
           </a:p>
@@ -16435,7 +16541,7 @@
         <p:spPr>
           <a:xfrm>
             <a:off x="323528" y="-171400"/>
-            <a:ext cx="8568952" cy="1535832"/>
+            <a:ext cx="8568952" cy="1184029"/>
           </a:xfrm>
         </p:spPr>
         <p:txBody>
@@ -16468,12 +16574,10 @@
             <a:avLst/>
           </a:prstGeom>
           <a:solidFill>
-            <a:schemeClr val="tx1"/>
+            <a:schemeClr val="bg1"/>
           </a:solidFill>
           <a:ln w="9525">
-            <a:solidFill>
-              <a:schemeClr val="tx1"/>
-            </a:solidFill>
+            <a:noFill/>
             <a:miter lim="800000"/>
             <a:headEnd/>
             <a:tailEnd/>
@@ -16529,12 +16633,10 @@
             <a:avLst/>
           </a:prstGeom>
           <a:solidFill>
-            <a:schemeClr val="tx1"/>
+            <a:schemeClr val="bg1"/>
           </a:solidFill>
           <a:ln w="9525">
-            <a:solidFill>
-              <a:schemeClr val="tx1"/>
-            </a:solidFill>
+            <a:noFill/>
             <a:miter lim="800000"/>
             <a:headEnd/>
             <a:tailEnd/>
@@ -16582,12 +16684,10 @@
             <a:avLst/>
           </a:prstGeom>
           <a:solidFill>
-            <a:schemeClr val="tx1"/>
+            <a:schemeClr val="bg1"/>
           </a:solidFill>
           <a:ln w="9525">
-            <a:solidFill>
-              <a:schemeClr val="tx1"/>
-            </a:solidFill>
+            <a:noFill/>
             <a:miter lim="800000"/>
             <a:headEnd/>
             <a:tailEnd/>
@@ -16635,12 +16735,10 @@
             <a:avLst/>
           </a:prstGeom>
           <a:solidFill>
-            <a:schemeClr val="tx1"/>
+            <a:schemeClr val="bg1"/>
           </a:solidFill>
           <a:ln w="9525">
-            <a:solidFill>
-              <a:schemeClr val="tx1"/>
-            </a:solidFill>
+            <a:noFill/>
             <a:miter lim="800000"/>
             <a:headEnd/>
             <a:tailEnd/>
@@ -16688,12 +16786,10 @@
             <a:avLst/>
           </a:prstGeom>
           <a:solidFill>
-            <a:schemeClr val="tx1"/>
+            <a:schemeClr val="bg1"/>
           </a:solidFill>
           <a:ln w="9525">
-            <a:solidFill>
-              <a:schemeClr val="tx1"/>
-            </a:solidFill>
+            <a:noFill/>
             <a:miter lim="800000"/>
             <a:headEnd/>
             <a:tailEnd/>
@@ -16741,12 +16837,10 @@
             <a:avLst/>
           </a:prstGeom>
           <a:solidFill>
-            <a:schemeClr val="tx1"/>
+            <a:schemeClr val="bg1"/>
           </a:solidFill>
           <a:ln w="9525">
-            <a:solidFill>
-              <a:schemeClr val="tx1"/>
-            </a:solidFill>
+            <a:noFill/>
             <a:miter lim="800000"/>
             <a:headEnd/>
             <a:tailEnd/>
@@ -17860,7 +17954,7 @@
         <p:spPr>
           <a:xfrm>
             <a:off x="323528" y="-171400"/>
-            <a:ext cx="8568952" cy="1535832"/>
+            <a:ext cx="8568952" cy="1152128"/>
           </a:xfrm>
         </p:spPr>
         <p:txBody>
@@ -19110,7 +19204,7 @@
         <p:spPr>
           <a:xfrm>
             <a:off x="323528" y="-171400"/>
-            <a:ext cx="8568952" cy="1535832"/>
+            <a:ext cx="8568952" cy="1144870"/>
           </a:xfrm>
         </p:spPr>
         <p:txBody>
@@ -19462,7 +19556,7 @@
         <p:spPr>
           <a:xfrm>
             <a:off x="323528" y="-171400"/>
-            <a:ext cx="8568952" cy="1535832"/>
+            <a:ext cx="8568952" cy="1152128"/>
           </a:xfrm>
         </p:spPr>
         <p:txBody>
@@ -19836,35 +19930,6 @@
       </p:grpSpPr>
       <p:sp>
         <p:nvSpPr>
-          <p:cNvPr id="9" name="Rectangle 2"/>
-          <p:cNvSpPr>
-            <a:spLocks noGrp="1" noChangeArrowheads="1"/>
-          </p:cNvSpPr>
-          <p:nvPr>
-            <p:ph type="ctrTitle"/>
-          </p:nvPr>
-        </p:nvSpPr>
-        <p:spPr>
-          <a:xfrm>
-            <a:off x="323528" y="-171400"/>
-            <a:ext cx="8568952" cy="1535832"/>
-          </a:xfrm>
-        </p:spPr>
-        <p:txBody>
-          <a:bodyPr/>
-          <a:lstStyle/>
-          <a:p>
-            <a:pPr algn="l" eaLnBrk="1" hangingPunct="1"/>
-            <a:r>
-              <a:rPr lang="en-US" sz="3200" b="1" dirty="0"/>
-              <a:t>Gene Expression Analysis</a:t>
-            </a:r>
-            <a:endParaRPr lang="en-US" sz="3200" dirty="0"/>
-          </a:p>
-        </p:txBody>
-      </p:sp>
-      <p:sp>
-        <p:nvSpPr>
           <p:cNvPr id="6" name="TextBox 5"/>
           <p:cNvSpPr txBox="1"/>
           <p:nvPr/>
@@ -20077,6 +20142,62 @@
               <a:buChar char="•"/>
             </a:pPr>
             <a:endParaRPr lang="en-US" sz="2000" dirty="0"/>
+          </a:p>
+        </p:txBody>
+      </p:sp>
+      <p:sp>
+        <p:nvSpPr>
+          <p:cNvPr id="4" name="Rectangle 2">
+            <a:extLst>
+              <a:ext uri="{FF2B5EF4-FFF2-40B4-BE49-F238E27FC236}">
+                <a16:creationId xmlns:a16="http://schemas.microsoft.com/office/drawing/2014/main" id="{F5608324-0273-C794-A12B-3733E3779D61}"/>
+              </a:ext>
+            </a:extLst>
+          </p:cNvPr>
+          <p:cNvSpPr txBox="1">
+            <a:spLocks noChangeArrowheads="1"/>
+          </p:cNvSpPr>
+          <p:nvPr/>
+        </p:nvSpPr>
+        <p:spPr>
+          <a:xfrm>
+            <a:off x="323528" y="-171400"/>
+            <a:ext cx="8568952" cy="1195675"/>
+          </a:xfrm>
+          <a:prstGeom prst="rect">
+            <a:avLst/>
+          </a:prstGeom>
+        </p:spPr>
+        <p:txBody>
+          <a:bodyPr vert="horz" lIns="91440" tIns="45720" rIns="91440" bIns="45720" rtlCol="0" anchor="b">
+            <a:normAutofit/>
+          </a:bodyPr>
+          <a:lstStyle>
+            <a:lvl1pPr algn="ctr" defTabSz="685800" rtl="0" eaLnBrk="1" latinLnBrk="0" hangingPunct="1">
+              <a:lnSpc>
+                <a:spcPct val="90000"/>
+              </a:lnSpc>
+              <a:spcBef>
+                <a:spcPct val="0"/>
+              </a:spcBef>
+              <a:buNone/>
+              <a:defRPr sz="4500" kern="1200">
+                <a:solidFill>
+                  <a:schemeClr val="tx1"/>
+                </a:solidFill>
+                <a:latin typeface="+mj-lt"/>
+                <a:ea typeface="+mj-ea"/>
+                <a:cs typeface="+mj-cs"/>
+              </a:defRPr>
+            </a:lvl1pPr>
+          </a:lstStyle>
+          <a:p>
+            <a:pPr algn="l"/>
+            <a:r>
+              <a:rPr lang="en-US" sz="3200" b="1"/>
+              <a:t>Gene Expression Analysis</a:t>
+            </a:r>
+            <a:endParaRPr lang="en-US" sz="3200" dirty="0"/>
           </a:p>
         </p:txBody>
       </p:sp>
@@ -20123,7 +20244,7 @@
         <p:spPr>
           <a:xfrm>
             <a:off x="323528" y="-171400"/>
-            <a:ext cx="8568952" cy="1535832"/>
+            <a:ext cx="8568952" cy="1204771"/>
           </a:xfrm>
         </p:spPr>
         <p:txBody>
@@ -20423,7 +20544,7 @@
         <p:spPr>
           <a:xfrm>
             <a:off x="323528" y="-171400"/>
-            <a:ext cx="8568952" cy="1535832"/>
+            <a:ext cx="8568952" cy="1152128"/>
           </a:xfrm>
         </p:spPr>
         <p:txBody>
@@ -20573,7 +20694,7 @@
         </p:nvSpPr>
         <p:spPr>
           <a:xfrm>
-            <a:off x="251520" y="4409817"/>
+            <a:off x="255746" y="4293096"/>
             <a:ext cx="7488832" cy="2246769"/>
           </a:xfrm>
           <a:prstGeom prst="rect">
@@ -20702,7 +20823,7 @@
         <p:spPr>
           <a:xfrm>
             <a:off x="323528" y="-171400"/>
-            <a:ext cx="8568952" cy="1535832"/>
+            <a:ext cx="8568952" cy="1224136"/>
           </a:xfrm>
         </p:spPr>
         <p:txBody>
@@ -20734,7 +20855,7 @@
         </p:nvSpPr>
         <p:spPr>
           <a:xfrm>
-            <a:off x="251520" y="1241465"/>
+            <a:off x="204217" y="1052736"/>
             <a:ext cx="3600400" cy="4093428"/>
           </a:xfrm>
           <a:prstGeom prst="rect">
@@ -22016,7 +22137,7 @@
         <p:spPr>
           <a:xfrm>
             <a:off x="323528" y="-171400"/>
-            <a:ext cx="8568952" cy="1535832"/>
+            <a:ext cx="8568952" cy="1296144"/>
           </a:xfrm>
         </p:spPr>
         <p:txBody>
@@ -22148,7 +22269,7 @@
         <p:spPr>
           <a:xfrm>
             <a:off x="323528" y="-171400"/>
-            <a:ext cx="8568952" cy="1535832"/>
+            <a:ext cx="8568952" cy="1296144"/>
           </a:xfrm>
         </p:spPr>
         <p:txBody>
@@ -22374,7 +22495,7 @@
         <p:spPr>
           <a:xfrm>
             <a:off x="323528" y="-171400"/>
-            <a:ext cx="8568952" cy="1535832"/>
+            <a:ext cx="8568952" cy="1296144"/>
           </a:xfrm>
         </p:spPr>
         <p:txBody>
@@ -22583,7 +22704,7 @@
         <p:spPr>
           <a:xfrm>
             <a:off x="323528" y="-171400"/>
-            <a:ext cx="8568952" cy="1535832"/>
+            <a:ext cx="8568952" cy="1296144"/>
           </a:xfrm>
         </p:spPr>
         <p:txBody>
@@ -22878,7 +22999,7 @@
         <p:spPr>
           <a:xfrm>
             <a:off x="323528" y="-171400"/>
-            <a:ext cx="8568952" cy="1535832"/>
+            <a:ext cx="8568952" cy="1296144"/>
           </a:xfrm>
         </p:spPr>
         <p:txBody>
@@ -23139,7 +23260,7 @@
         <p:spPr>
           <a:xfrm>
             <a:off x="323528" y="-171400"/>
-            <a:ext cx="8568952" cy="1535832"/>
+            <a:ext cx="8568952" cy="1296144"/>
           </a:xfrm>
         </p:spPr>
         <p:txBody>
@@ -23345,35 +23466,6 @@
       </p:grpSpPr>
       <p:sp>
         <p:nvSpPr>
-          <p:cNvPr id="9" name="Rectangle 2"/>
-          <p:cNvSpPr>
-            <a:spLocks noGrp="1" noChangeArrowheads="1"/>
-          </p:cNvSpPr>
-          <p:nvPr>
-            <p:ph type="ctrTitle"/>
-          </p:nvPr>
-        </p:nvSpPr>
-        <p:spPr>
-          <a:xfrm>
-            <a:off x="323528" y="-171400"/>
-            <a:ext cx="8568952" cy="1535832"/>
-          </a:xfrm>
-        </p:spPr>
-        <p:txBody>
-          <a:bodyPr/>
-          <a:lstStyle/>
-          <a:p>
-            <a:pPr algn="l" eaLnBrk="1" hangingPunct="1"/>
-            <a:r>
-              <a:rPr lang="en-US" sz="3200" b="1" dirty="0"/>
-              <a:t>Gene Expression Analysis</a:t>
-            </a:r>
-            <a:endParaRPr lang="en-US" sz="3200" dirty="0"/>
-          </a:p>
-        </p:txBody>
-      </p:sp>
-      <p:sp>
-        <p:nvSpPr>
           <p:cNvPr id="6" name="TextBox 5"/>
           <p:cNvSpPr txBox="1"/>
           <p:nvPr/>
@@ -23529,6 +23621,62 @@
               <a:buChar char="•"/>
             </a:pPr>
             <a:endParaRPr lang="en-US" sz="2000" dirty="0"/>
+          </a:p>
+        </p:txBody>
+      </p:sp>
+      <p:sp>
+        <p:nvSpPr>
+          <p:cNvPr id="4" name="Rectangle 2">
+            <a:extLst>
+              <a:ext uri="{FF2B5EF4-FFF2-40B4-BE49-F238E27FC236}">
+                <a16:creationId xmlns:a16="http://schemas.microsoft.com/office/drawing/2014/main" id="{615A552F-5610-3744-463A-BF84B291633B}"/>
+              </a:ext>
+            </a:extLst>
+          </p:cNvPr>
+          <p:cNvSpPr txBox="1">
+            <a:spLocks noChangeArrowheads="1"/>
+          </p:cNvSpPr>
+          <p:nvPr/>
+        </p:nvSpPr>
+        <p:spPr>
+          <a:xfrm>
+            <a:off x="323528" y="-171400"/>
+            <a:ext cx="8568952" cy="1195675"/>
+          </a:xfrm>
+          <a:prstGeom prst="rect">
+            <a:avLst/>
+          </a:prstGeom>
+        </p:spPr>
+        <p:txBody>
+          <a:bodyPr vert="horz" lIns="91440" tIns="45720" rIns="91440" bIns="45720" rtlCol="0" anchor="b">
+            <a:normAutofit/>
+          </a:bodyPr>
+          <a:lstStyle>
+            <a:lvl1pPr algn="ctr" defTabSz="685800" rtl="0" eaLnBrk="1" latinLnBrk="0" hangingPunct="1">
+              <a:lnSpc>
+                <a:spcPct val="90000"/>
+              </a:lnSpc>
+              <a:spcBef>
+                <a:spcPct val="0"/>
+              </a:spcBef>
+              <a:buNone/>
+              <a:defRPr sz="4500" kern="1200">
+                <a:solidFill>
+                  <a:schemeClr val="tx1"/>
+                </a:solidFill>
+                <a:latin typeface="+mj-lt"/>
+                <a:ea typeface="+mj-ea"/>
+                <a:cs typeface="+mj-cs"/>
+              </a:defRPr>
+            </a:lvl1pPr>
+          </a:lstStyle>
+          <a:p>
+            <a:pPr algn="l"/>
+            <a:r>
+              <a:rPr lang="en-US" sz="3200" b="1"/>
+              <a:t>Gene Expression Analysis</a:t>
+            </a:r>
+            <a:endParaRPr lang="en-US" sz="3200" dirty="0"/>
           </a:p>
         </p:txBody>
       </p:sp>
@@ -23778,10 +23926,10 @@
       </p:sp>
       <p:pic>
         <p:nvPicPr>
-          <p:cNvPr id="4" name="Picture 3">
+          <p:cNvPr id="3" name="Picture 2">
             <a:extLst>
               <a:ext uri="{FF2B5EF4-FFF2-40B4-BE49-F238E27FC236}">
-                <a16:creationId xmlns:a16="http://schemas.microsoft.com/office/drawing/2014/main" id="{60C5D6ED-D38B-56CF-DDF2-97AF046B9DEC}"/>
+                <a16:creationId xmlns:a16="http://schemas.microsoft.com/office/drawing/2014/main" id="{38AADB77-A87E-5807-2177-4983E38AC205}"/>
               </a:ext>
             </a:extLst>
           </p:cNvPr>
@@ -23798,8 +23946,8 @@
         </p:blipFill>
         <p:spPr>
           <a:xfrm>
-            <a:off x="339836" y="1368092"/>
-            <a:ext cx="7772400" cy="925522"/>
+            <a:off x="324144" y="1772816"/>
+            <a:ext cx="8712351" cy="891496"/>
           </a:xfrm>
           <a:prstGeom prst="rect">
             <a:avLst/>
@@ -23849,7 +23997,7 @@
         <p:spPr>
           <a:xfrm>
             <a:off x="323528" y="-171400"/>
-            <a:ext cx="8568952" cy="1535832"/>
+            <a:ext cx="8568952" cy="1152128"/>
           </a:xfrm>
         </p:spPr>
         <p:txBody>
@@ -24132,7 +24280,7 @@
         <p:spPr>
           <a:xfrm>
             <a:off x="323528" y="-171400"/>
-            <a:ext cx="8568952" cy="1535832"/>
+            <a:ext cx="8568952" cy="1152128"/>
           </a:xfrm>
         </p:spPr>
         <p:txBody>
@@ -24156,7 +24304,7 @@
         </p:nvSpPr>
         <p:spPr>
           <a:xfrm>
-            <a:off x="395536" y="1124744"/>
+            <a:off x="395536" y="971153"/>
             <a:ext cx="8352928" cy="6555641"/>
           </a:xfrm>
           <a:prstGeom prst="rect">
@@ -24398,7 +24546,7 @@
         <p:spPr>
           <a:xfrm>
             <a:off x="323528" y="-171400"/>
-            <a:ext cx="8568952" cy="1535832"/>
+            <a:ext cx="8568952" cy="1296144"/>
           </a:xfrm>
         </p:spPr>
         <p:txBody>
@@ -24662,12 +24810,10 @@
             <a:avLst/>
           </a:prstGeom>
           <a:solidFill>
-            <a:schemeClr val="tx1"/>
+            <a:schemeClr val="bg1"/>
           </a:solidFill>
           <a:ln>
-            <a:solidFill>
-              <a:schemeClr val="tx1"/>
-            </a:solidFill>
+            <a:noFill/>
           </a:ln>
         </p:spPr>
         <p:txBody>
@@ -24702,12 +24848,10 @@
             <a:avLst/>
           </a:prstGeom>
           <a:solidFill>
-            <a:schemeClr val="tx1"/>
+            <a:schemeClr val="bg1"/>
           </a:solidFill>
           <a:ln>
-            <a:solidFill>
-              <a:schemeClr val="tx1"/>
-            </a:solidFill>
+            <a:noFill/>
           </a:ln>
         </p:spPr>
         <p:txBody>
@@ -24743,7 +24887,7 @@
             <a:avLst/>
           </a:prstGeom>
           <a:solidFill>
-            <a:schemeClr val="tx1"/>
+            <a:schemeClr val="bg1"/>
           </a:solidFill>
           <a:ln>
             <a:noFill/>
@@ -24774,7 +24918,7 @@
             <a:avLst/>
           </a:prstGeom>
           <a:solidFill>
-            <a:schemeClr val="tx1"/>
+            <a:schemeClr val="bg1"/>
           </a:solidFill>
           <a:ln>
             <a:noFill/>
@@ -24805,7 +24949,7 @@
             <a:avLst/>
           </a:prstGeom>
           <a:solidFill>
-            <a:schemeClr val="tx1"/>
+            <a:schemeClr val="bg1"/>
           </a:solidFill>
           <a:ln>
             <a:noFill/>
@@ -24985,12 +25129,10 @@
             <a:avLst/>
           </a:prstGeom>
           <a:solidFill>
-            <a:schemeClr val="tx1"/>
+            <a:schemeClr val="bg1"/>
           </a:solidFill>
           <a:ln>
-            <a:solidFill>
-              <a:schemeClr val="tx1"/>
-            </a:solidFill>
+            <a:noFill/>
           </a:ln>
         </p:spPr>
         <p:txBody>
@@ -25025,12 +25167,10 @@
             <a:avLst/>
           </a:prstGeom>
           <a:solidFill>
-            <a:schemeClr val="tx1"/>
+            <a:schemeClr val="bg1"/>
           </a:solidFill>
           <a:ln>
-            <a:solidFill>
-              <a:schemeClr val="tx1"/>
-            </a:solidFill>
+            <a:noFill/>
           </a:ln>
         </p:spPr>
         <p:txBody>
@@ -25118,7 +25258,9 @@
             <a:r>
               <a:rPr lang="en-US" sz="1100" dirty="0">
                 <a:solidFill>
-                  <a:schemeClr val="bg2"/>
+                  <a:schemeClr val="bg2">
+                    <a:lumMod val="25000"/>
+                  </a:schemeClr>
                 </a:solidFill>
               </a:rPr>
               <a:t>Cy3 – green, 532 nm</a:t>
@@ -25128,7 +25270,9 @@
             <a:r>
               <a:rPr lang="en-US" sz="1100" dirty="0">
                 <a:solidFill>
-                  <a:schemeClr val="bg2"/>
+                  <a:schemeClr val="bg2">
+                    <a:lumMod val="25000"/>
+                  </a:schemeClr>
                 </a:solidFill>
               </a:rPr>
               <a:t>Cy5 – red, 635 nm</a:t>
@@ -25150,56 +25294,150 @@
 </file>
 
 <file path=ppt/theme/theme1.xml><?xml version="1.0" encoding="utf-8"?>
-<a:theme xmlns:a="http://schemas.openxmlformats.org/drawingml/2006/main" name="DalhousieTemplate">
+<a:theme xmlns:a="http://schemas.openxmlformats.org/drawingml/2006/main" name="Office Theme">
   <a:themeElements>
-    <a:clrScheme name="DalhousieTemplate 2">
+    <a:clrScheme name="Office">
       <a:dk1>
-        <a:srgbClr val="000000"/>
+        <a:sysClr val="windowText" lastClr="000000"/>
       </a:dk1>
       <a:lt1>
-        <a:srgbClr val="FFFFFF"/>
+        <a:sysClr val="window" lastClr="FFFFFF"/>
       </a:lt1>
       <a:dk2>
-        <a:srgbClr val="000066"/>
+        <a:srgbClr val="0E2841"/>
       </a:dk2>
       <a:lt2>
-        <a:srgbClr val="FFCC66"/>
+        <a:srgbClr val="E8E8E8"/>
       </a:lt2>
       <a:accent1>
-        <a:srgbClr val="FF9900"/>
+        <a:srgbClr val="156082"/>
       </a:accent1>
       <a:accent2>
-        <a:srgbClr val="000044"/>
+        <a:srgbClr val="E97132"/>
       </a:accent2>
       <a:accent3>
-        <a:srgbClr val="AAAAB8"/>
+        <a:srgbClr val="196B24"/>
       </a:accent3>
       <a:accent4>
-        <a:srgbClr val="DADADA"/>
+        <a:srgbClr val="0F9ED5"/>
       </a:accent4>
       <a:accent5>
-        <a:srgbClr val="FFCAAA"/>
+        <a:srgbClr val="A02B93"/>
       </a:accent5>
       <a:accent6>
-        <a:srgbClr val="00003D"/>
+        <a:srgbClr val="4EA72E"/>
       </a:accent6>
       <a:hlink>
-        <a:srgbClr val="3366FF"/>
+        <a:srgbClr val="467886"/>
       </a:hlink>
       <a:folHlink>
-        <a:srgbClr val="FFFF00"/>
+        <a:srgbClr val="96607D"/>
       </a:folHlink>
     </a:clrScheme>
-    <a:fontScheme name="DalhousieTemplate">
+    <a:fontScheme name="Office">
       <a:majorFont>
-        <a:latin typeface="Times New Roman"/>
+        <a:latin typeface="Aptos Display" panose="02110004020202020204"/>
         <a:ea typeface=""/>
         <a:cs typeface=""/>
+        <a:font script="Jpan" typeface="游ゴシック Light"/>
+        <a:font script="Hang" typeface="맑은 고딕"/>
+        <a:font script="Hans" typeface="等线 Light"/>
+        <a:font script="Hant" typeface="新細明體"/>
+        <a:font script="Arab" typeface="Times New Roman"/>
+        <a:font script="Hebr" typeface="Times New Roman"/>
+        <a:font script="Thai" typeface="Angsana New"/>
+        <a:font script="Ethi" typeface="Nyala"/>
+        <a:font script="Beng" typeface="Vrinda"/>
+        <a:font script="Gujr" typeface="Shruti"/>
+        <a:font script="Khmr" typeface="MoolBoran"/>
+        <a:font script="Knda" typeface="Tunga"/>
+        <a:font script="Guru" typeface="Raavi"/>
+        <a:font script="Cans" typeface="Euphemia"/>
+        <a:font script="Cher" typeface="Plantagenet Cherokee"/>
+        <a:font script="Yiii" typeface="Microsoft Yi Baiti"/>
+        <a:font script="Tibt" typeface="Microsoft Himalaya"/>
+        <a:font script="Thaa" typeface="MV Boli"/>
+        <a:font script="Deva" typeface="Mangal"/>
+        <a:font script="Telu" typeface="Gautami"/>
+        <a:font script="Taml" typeface="Latha"/>
+        <a:font script="Syrc" typeface="Estrangelo Edessa"/>
+        <a:font script="Orya" typeface="Kalinga"/>
+        <a:font script="Mlym" typeface="Kartika"/>
+        <a:font script="Laoo" typeface="DokChampa"/>
+        <a:font script="Sinh" typeface="Iskoola Pota"/>
+        <a:font script="Mong" typeface="Mongolian Baiti"/>
+        <a:font script="Viet" typeface="Times New Roman"/>
+        <a:font script="Uigh" typeface="Microsoft Uighur"/>
+        <a:font script="Geor" typeface="Sylfaen"/>
+        <a:font script="Armn" typeface="Arial"/>
+        <a:font script="Bugi" typeface="Leelawadee UI"/>
+        <a:font script="Bopo" typeface="Microsoft JhengHei"/>
+        <a:font script="Java" typeface="Javanese Text"/>
+        <a:font script="Lisu" typeface="Segoe UI"/>
+        <a:font script="Mymr" typeface="Myanmar Text"/>
+        <a:font script="Nkoo" typeface="Ebrima"/>
+        <a:font script="Olck" typeface="Nirmala UI"/>
+        <a:font script="Osma" typeface="Ebrima"/>
+        <a:font script="Phag" typeface="Phagspa"/>
+        <a:font script="Syrn" typeface="Estrangelo Edessa"/>
+        <a:font script="Syrj" typeface="Estrangelo Edessa"/>
+        <a:font script="Syre" typeface="Estrangelo Edessa"/>
+        <a:font script="Sora" typeface="Nirmala UI"/>
+        <a:font script="Tale" typeface="Microsoft Tai Le"/>
+        <a:font script="Talu" typeface="Microsoft New Tai Lue"/>
+        <a:font script="Tfng" typeface="Ebrima"/>
       </a:majorFont>
       <a:minorFont>
-        <a:latin typeface="Times New Roman"/>
+        <a:latin typeface="Aptos" panose="02110004020202020204"/>
         <a:ea typeface=""/>
         <a:cs typeface=""/>
+        <a:font script="Jpan" typeface="游ゴシック"/>
+        <a:font script="Hang" typeface="맑은 고딕"/>
+        <a:font script="Hans" typeface="等线"/>
+        <a:font script="Hant" typeface="新細明體"/>
+        <a:font script="Arab" typeface="Arial"/>
+        <a:font script="Hebr" typeface="Arial"/>
+        <a:font script="Thai" typeface="Cordia New"/>
+        <a:font script="Ethi" typeface="Nyala"/>
+        <a:font script="Beng" typeface="Vrinda"/>
+        <a:font script="Gujr" typeface="Shruti"/>
+        <a:font script="Khmr" typeface="DaunPenh"/>
+        <a:font script="Knda" typeface="Tunga"/>
+        <a:font script="Guru" typeface="Raavi"/>
+        <a:font script="Cans" typeface="Euphemia"/>
+        <a:font script="Cher" typeface="Plantagenet Cherokee"/>
+        <a:font script="Yiii" typeface="Microsoft Yi Baiti"/>
+        <a:font script="Tibt" typeface="Microsoft Himalaya"/>
+        <a:font script="Thaa" typeface="MV Boli"/>
+        <a:font script="Deva" typeface="Mangal"/>
+        <a:font script="Telu" typeface="Gautami"/>
+        <a:font script="Taml" typeface="Latha"/>
+        <a:font script="Syrc" typeface="Estrangelo Edessa"/>
+        <a:font script="Orya" typeface="Kalinga"/>
+        <a:font script="Mlym" typeface="Kartika"/>
+        <a:font script="Laoo" typeface="DokChampa"/>
+        <a:font script="Sinh" typeface="Iskoola Pota"/>
+        <a:font script="Mong" typeface="Mongolian Baiti"/>
+        <a:font script="Viet" typeface="Arial"/>
+        <a:font script="Uigh" typeface="Microsoft Uighur"/>
+        <a:font script="Geor" typeface="Sylfaen"/>
+        <a:font script="Armn" typeface="Arial"/>
+        <a:font script="Bugi" typeface="Leelawadee UI"/>
+        <a:font script="Bopo" typeface="Microsoft JhengHei"/>
+        <a:font script="Java" typeface="Javanese Text"/>
+        <a:font script="Lisu" typeface="Segoe UI"/>
+        <a:font script="Mymr" typeface="Myanmar Text"/>
+        <a:font script="Nkoo" typeface="Ebrima"/>
+        <a:font script="Olck" typeface="Nirmala UI"/>
+        <a:font script="Osma" typeface="Ebrima"/>
+        <a:font script="Phag" typeface="Phagspa"/>
+        <a:font script="Syrn" typeface="Estrangelo Edessa"/>
+        <a:font script="Syrj" typeface="Estrangelo Edessa"/>
+        <a:font script="Syre" typeface="Estrangelo Edessa"/>
+        <a:font script="Sora" typeface="Nirmala UI"/>
+        <a:font script="Tale" typeface="Microsoft Tai Le"/>
+        <a:font script="Talu" typeface="Microsoft New Tai Lue"/>
+        <a:font script="Tfng" typeface="Ebrima"/>
       </a:minorFont>
     </a:fontScheme>
     <a:fmtScheme name="Office">
@@ -25211,534 +25449,162 @@
           <a:gsLst>
             <a:gs pos="0">
               <a:schemeClr val="phClr">
-                <a:tint val="50000"/>
-                <a:satMod val="300000"/>
+                <a:lumMod val="110000"/>
+                <a:satMod val="105000"/>
+                <a:tint val="67000"/>
               </a:schemeClr>
             </a:gs>
-            <a:gs pos="35000">
+            <a:gs pos="50000">
               <a:schemeClr val="phClr">
-                <a:tint val="37000"/>
-                <a:satMod val="300000"/>
+                <a:lumMod val="105000"/>
+                <a:satMod val="103000"/>
+                <a:tint val="73000"/>
               </a:schemeClr>
             </a:gs>
             <a:gs pos="100000">
               <a:schemeClr val="phClr">
-                <a:tint val="15000"/>
-                <a:satMod val="350000"/>
+                <a:lumMod val="105000"/>
+                <a:satMod val="109000"/>
+                <a:tint val="81000"/>
               </a:schemeClr>
             </a:gs>
           </a:gsLst>
-          <a:lin ang="16200000" scaled="1"/>
+          <a:lin ang="5400000" scaled="0"/>
         </a:gradFill>
         <a:gradFill rotWithShape="1">
           <a:gsLst>
             <a:gs pos="0">
               <a:schemeClr val="phClr">
-                <a:tint val="100000"/>
+                <a:satMod val="103000"/>
+                <a:lumMod val="102000"/>
+                <a:tint val="94000"/>
+              </a:schemeClr>
+            </a:gs>
+            <a:gs pos="50000">
+              <a:schemeClr val="phClr">
+                <a:satMod val="110000"/>
+                <a:lumMod val="100000"/>
                 <a:shade val="100000"/>
-                <a:satMod val="130000"/>
               </a:schemeClr>
             </a:gs>
             <a:gs pos="100000">
               <a:schemeClr val="phClr">
-                <a:tint val="50000"/>
-                <a:shade val="100000"/>
-                <a:satMod val="350000"/>
+                <a:lumMod val="99000"/>
+                <a:satMod val="120000"/>
+                <a:shade val="78000"/>
               </a:schemeClr>
             </a:gs>
           </a:gsLst>
-          <a:lin ang="16200000" scaled="0"/>
+          <a:lin ang="5400000" scaled="0"/>
         </a:gradFill>
       </a:fillStyleLst>
       <a:lnStyleLst>
-        <a:ln w="9525" cap="flat" cmpd="sng" algn="ctr">
+        <a:ln w="12700" cap="flat" cmpd="sng" algn="ctr">
           <a:solidFill>
-            <a:schemeClr val="phClr">
-              <a:shade val="95000"/>
-              <a:satMod val="105000"/>
-            </a:schemeClr>
+            <a:schemeClr val="phClr"/>
           </a:solidFill>
           <a:prstDash val="solid"/>
+          <a:miter lim="800000"/>
+        </a:ln>
+        <a:ln w="19050" cap="flat" cmpd="sng" algn="ctr">
+          <a:solidFill>
+            <a:schemeClr val="phClr"/>
+          </a:solidFill>
+          <a:prstDash val="solid"/>
+          <a:miter lim="800000"/>
         </a:ln>
         <a:ln w="25400" cap="flat" cmpd="sng" algn="ctr">
           <a:solidFill>
             <a:schemeClr val="phClr"/>
           </a:solidFill>
           <a:prstDash val="solid"/>
-        </a:ln>
-        <a:ln w="38100" cap="flat" cmpd="sng" algn="ctr">
-          <a:solidFill>
-            <a:schemeClr val="phClr"/>
-          </a:solidFill>
-          <a:prstDash val="solid"/>
+          <a:miter lim="800000"/>
         </a:ln>
       </a:lnStyleLst>
       <a:effectStyleLst>
         <a:effectStyle>
+          <a:effectLst/>
+        </a:effectStyle>
+        <a:effectStyle>
+          <a:effectLst/>
+        </a:effectStyle>
+        <a:effectStyle>
           <a:effectLst>
-            <a:outerShdw blurRad="40000" dist="20000" dir="5400000" rotWithShape="0">
+            <a:outerShdw blurRad="57150" dist="19050" dir="5400000" algn="ctr" rotWithShape="0">
               <a:srgbClr val="000000">
-                <a:alpha val="38000"/>
+                <a:alpha val="63000"/>
               </a:srgbClr>
             </a:outerShdw>
           </a:effectLst>
-        </a:effectStyle>
-        <a:effectStyle>
-          <a:effectLst>
-            <a:outerShdw blurRad="40000" dist="23000" dir="5400000" rotWithShape="0">
-              <a:srgbClr val="000000">
-                <a:alpha val="35000"/>
-              </a:srgbClr>
-            </a:outerShdw>
-          </a:effectLst>
-        </a:effectStyle>
-        <a:effectStyle>
-          <a:effectLst>
-            <a:outerShdw blurRad="40000" dist="23000" dir="5400000" rotWithShape="0">
-              <a:srgbClr val="000000">
-                <a:alpha val="35000"/>
-              </a:srgbClr>
-            </a:outerShdw>
-          </a:effectLst>
-          <a:scene3d>
-            <a:camera prst="orthographicFront">
-              <a:rot lat="0" lon="0" rev="0"/>
-            </a:camera>
-            <a:lightRig rig="threePt" dir="t">
-              <a:rot lat="0" lon="0" rev="1200000"/>
-            </a:lightRig>
-          </a:scene3d>
-          <a:sp3d>
-            <a:bevelT w="63500" h="25400"/>
-          </a:sp3d>
         </a:effectStyle>
       </a:effectStyleLst>
       <a:bgFillStyleLst>
         <a:solidFill>
           <a:schemeClr val="phClr"/>
         </a:solidFill>
+        <a:solidFill>
+          <a:schemeClr val="phClr">
+            <a:tint val="95000"/>
+            <a:satMod val="170000"/>
+          </a:schemeClr>
+        </a:solidFill>
         <a:gradFill rotWithShape="1">
           <a:gsLst>
             <a:gs pos="0">
               <a:schemeClr val="phClr">
-                <a:tint val="40000"/>
-                <a:satMod val="350000"/>
+                <a:tint val="93000"/>
+                <a:satMod val="150000"/>
+                <a:shade val="98000"/>
+                <a:lumMod val="102000"/>
               </a:schemeClr>
             </a:gs>
-            <a:gs pos="40000">
+            <a:gs pos="50000">
               <a:schemeClr val="phClr">
-                <a:tint val="45000"/>
-                <a:shade val="99000"/>
-                <a:satMod val="350000"/>
+                <a:tint val="98000"/>
+                <a:satMod val="130000"/>
+                <a:shade val="90000"/>
+                <a:lumMod val="103000"/>
               </a:schemeClr>
             </a:gs>
             <a:gs pos="100000">
               <a:schemeClr val="phClr">
-                <a:shade val="20000"/>
-                <a:satMod val="255000"/>
+                <a:shade val="63000"/>
+                <a:satMod val="120000"/>
               </a:schemeClr>
             </a:gs>
           </a:gsLst>
-          <a:path path="circle">
-            <a:fillToRect l="50000" t="-80000" r="50000" b="180000"/>
-          </a:path>
-        </a:gradFill>
-        <a:gradFill rotWithShape="1">
-          <a:gsLst>
-            <a:gs pos="0">
-              <a:schemeClr val="phClr">
-                <a:tint val="80000"/>
-                <a:satMod val="300000"/>
-              </a:schemeClr>
-            </a:gs>
-            <a:gs pos="100000">
-              <a:schemeClr val="phClr">
-                <a:shade val="30000"/>
-                <a:satMod val="200000"/>
-              </a:schemeClr>
-            </a:gs>
-          </a:gsLst>
-          <a:path path="circle">
-            <a:fillToRect l="50000" t="50000" r="50000" b="50000"/>
-          </a:path>
+          <a:lin ang="5400000" scaled="0"/>
         </a:gradFill>
       </a:bgFillStyleLst>
     </a:fmtScheme>
   </a:themeElements>
   <a:objectDefaults>
-    <a:spDef>
-      <a:spPr bwMode="auto">
-        <a:xfrm>
-          <a:off x="0" y="0"/>
-          <a:ext cx="1" cy="1"/>
-        </a:xfrm>
-        <a:custGeom>
-          <a:avLst/>
-          <a:gdLst/>
-          <a:ahLst/>
-          <a:cxnLst/>
-          <a:rect l="0" t="0" r="0" b="0"/>
-          <a:pathLst/>
-        </a:custGeom>
-        <a:solidFill>
+    <a:lnDef>
+      <a:spPr/>
+      <a:bodyPr/>
+      <a:lstStyle/>
+      <a:style>
+        <a:lnRef idx="2">
           <a:schemeClr val="accent1"/>
-        </a:solidFill>
-        <a:ln w="9525" cap="flat" cmpd="sng" algn="ctr">
-          <a:solidFill>
-            <a:schemeClr val="tx1"/>
-          </a:solidFill>
-          <a:prstDash val="solid"/>
-          <a:round/>
-          <a:headEnd type="none" w="med" len="med"/>
-          <a:tailEnd type="none" w="med" len="med"/>
-        </a:ln>
-        <a:effectLst/>
-      </a:spPr>
-      <a:bodyPr vert="horz" wrap="square" lIns="91440" tIns="45720" rIns="91440" bIns="45720" numCol="1" anchor="t" anchorCtr="0" compatLnSpc="1">
-        <a:prstTxWarp prst="textNoShape">
-          <a:avLst/>
-        </a:prstTxWarp>
-      </a:bodyPr>
-      <a:lstStyle>
-        <a:defPPr marL="0" marR="0" indent="0" algn="l" defTabSz="914400" rtl="0" eaLnBrk="0" fontAlgn="base" latinLnBrk="0" hangingPunct="0">
-          <a:lnSpc>
-            <a:spcPct val="100000"/>
-          </a:lnSpc>
-          <a:spcBef>
-            <a:spcPct val="0"/>
-          </a:spcBef>
-          <a:spcAft>
-            <a:spcPct val="0"/>
-          </a:spcAft>
-          <a:buClrTx/>
-          <a:buSzTx/>
-          <a:buFontTx/>
-          <a:buNone/>
-          <a:tabLst/>
-          <a:defRPr kumimoji="0" lang="en-US" sz="2400" b="0" i="0" u="none" strike="noStrike" cap="none" normalizeH="0" baseline="0">
-            <a:ln>
-              <a:noFill/>
-            </a:ln>
-            <a:solidFill>
-              <a:schemeClr val="tx1"/>
-            </a:solidFill>
-            <a:effectLst/>
-            <a:latin typeface="Times" charset="0"/>
-          </a:defRPr>
-        </a:defPPr>
-      </a:lstStyle>
-    </a:spDef>
-    <a:lnDef>
-      <a:spPr bwMode="auto">
-        <a:xfrm>
-          <a:off x="0" y="0"/>
-          <a:ext cx="1" cy="1"/>
-        </a:xfrm>
-        <a:custGeom>
-          <a:avLst/>
-          <a:gdLst/>
-          <a:ahLst/>
-          <a:cxnLst/>
-          <a:rect l="0" t="0" r="0" b="0"/>
-          <a:pathLst/>
-        </a:custGeom>
-        <a:solidFill>
+        </a:lnRef>
+        <a:fillRef idx="0">
           <a:schemeClr val="accent1"/>
-        </a:solidFill>
-        <a:ln w="9525" cap="flat" cmpd="sng" algn="ctr">
-          <a:solidFill>
-            <a:schemeClr val="tx1"/>
-          </a:solidFill>
-          <a:prstDash val="solid"/>
-          <a:round/>
-          <a:headEnd type="none" w="med" len="med"/>
-          <a:tailEnd type="none" w="med" len="med"/>
-        </a:ln>
-        <a:effectLst/>
-      </a:spPr>
-      <a:bodyPr vert="horz" wrap="square" lIns="91440" tIns="45720" rIns="91440" bIns="45720" numCol="1" anchor="t" anchorCtr="0" compatLnSpc="1">
-        <a:prstTxWarp prst="textNoShape">
-          <a:avLst/>
-        </a:prstTxWarp>
-      </a:bodyPr>
-      <a:lstStyle>
-        <a:defPPr marL="0" marR="0" indent="0" algn="l" defTabSz="914400" rtl="0" eaLnBrk="0" fontAlgn="base" latinLnBrk="0" hangingPunct="0">
-          <a:lnSpc>
-            <a:spcPct val="100000"/>
-          </a:lnSpc>
-          <a:spcBef>
-            <a:spcPct val="0"/>
-          </a:spcBef>
-          <a:spcAft>
-            <a:spcPct val="0"/>
-          </a:spcAft>
-          <a:buClrTx/>
-          <a:buSzTx/>
-          <a:buFontTx/>
-          <a:buNone/>
-          <a:tabLst/>
-          <a:defRPr kumimoji="0" lang="en-US" sz="2400" b="0" i="0" u="none" strike="noStrike" cap="none" normalizeH="0" baseline="0">
-            <a:ln>
-              <a:noFill/>
-            </a:ln>
-            <a:solidFill>
-              <a:schemeClr val="tx1"/>
-            </a:solidFill>
-            <a:effectLst/>
-            <a:latin typeface="Times" charset="0"/>
-          </a:defRPr>
-        </a:defPPr>
-      </a:lstStyle>
+        </a:fillRef>
+        <a:effectRef idx="1">
+          <a:schemeClr val="accent1"/>
+        </a:effectRef>
+        <a:fontRef idx="minor">
+          <a:schemeClr val="tx1"/>
+        </a:fontRef>
+      </a:style>
     </a:lnDef>
   </a:objectDefaults>
-  <a:extraClrSchemeLst>
-    <a:extraClrScheme>
-      <a:clrScheme name="DalhousieTemplate 1">
-        <a:dk1>
-          <a:srgbClr val="000000"/>
-        </a:dk1>
-        <a:lt1>
-          <a:srgbClr val="CCECFF"/>
-        </a:lt1>
-        <a:dk2>
-          <a:srgbClr val="000066"/>
-        </a:dk2>
-        <a:lt2>
-          <a:srgbClr val="6699FF"/>
-        </a:lt2>
-        <a:accent1>
-          <a:srgbClr val="33CCCC"/>
-        </a:accent1>
-        <a:accent2>
-          <a:srgbClr val="0099FF"/>
-        </a:accent2>
-        <a:accent3>
-          <a:srgbClr val="E2F4FF"/>
-        </a:accent3>
-        <a:accent4>
-          <a:srgbClr val="000000"/>
-        </a:accent4>
-        <a:accent5>
-          <a:srgbClr val="ADE2E2"/>
-        </a:accent5>
-        <a:accent6>
-          <a:srgbClr val="008AE7"/>
-        </a:accent6>
-        <a:hlink>
-          <a:srgbClr val="FFFFFF"/>
-        </a:hlink>
-        <a:folHlink>
-          <a:srgbClr val="3366FF"/>
-        </a:folHlink>
-      </a:clrScheme>
-      <a:clrMap bg1="lt1" tx1="dk1" bg2="lt2" tx2="dk2" accent1="accent1" accent2="accent2" accent3="accent3" accent4="accent4" accent5="accent5" accent6="accent6" hlink="hlink" folHlink="folHlink"/>
-    </a:extraClrScheme>
-    <a:extraClrScheme>
-      <a:clrScheme name="DalhousieTemplate 2">
-        <a:dk1>
-          <a:srgbClr val="000000"/>
-        </a:dk1>
-        <a:lt1>
-          <a:srgbClr val="FFFFFF"/>
-        </a:lt1>
-        <a:dk2>
-          <a:srgbClr val="000066"/>
-        </a:dk2>
-        <a:lt2>
-          <a:srgbClr val="FFCC66"/>
-        </a:lt2>
-        <a:accent1>
-          <a:srgbClr val="FF9900"/>
-        </a:accent1>
-        <a:accent2>
-          <a:srgbClr val="000044"/>
-        </a:accent2>
-        <a:accent3>
-          <a:srgbClr val="AAAAB8"/>
-        </a:accent3>
-        <a:accent4>
-          <a:srgbClr val="DADADA"/>
-        </a:accent4>
-        <a:accent5>
-          <a:srgbClr val="FFCAAA"/>
-        </a:accent5>
-        <a:accent6>
-          <a:srgbClr val="00003D"/>
-        </a:accent6>
-        <a:hlink>
-          <a:srgbClr val="3366FF"/>
-        </a:hlink>
-        <a:folHlink>
-          <a:srgbClr val="FFFF00"/>
-        </a:folHlink>
-      </a:clrScheme>
-      <a:clrMap bg1="dk2" tx1="lt1" bg2="dk1" tx2="lt2" accent1="accent1" accent2="accent2" accent3="accent3" accent4="accent4" accent5="accent5" accent6="accent6" hlink="hlink" folHlink="folHlink"/>
-    </a:extraClrScheme>
-    <a:extraClrScheme>
-      <a:clrScheme name="DalhousieTemplate 3">
-        <a:dk1>
-          <a:srgbClr val="000000"/>
-        </a:dk1>
-        <a:lt1>
-          <a:srgbClr val="FFFFFF"/>
-        </a:lt1>
-        <a:dk2>
-          <a:srgbClr val="000000"/>
-        </a:dk2>
-        <a:lt2>
-          <a:srgbClr val="DDDDDD"/>
-        </a:lt2>
-        <a:accent1>
-          <a:srgbClr val="CBCBCB"/>
-        </a:accent1>
-        <a:accent2>
-          <a:srgbClr val="C0C0C0"/>
-        </a:accent2>
-        <a:accent3>
-          <a:srgbClr val="FFFFFF"/>
-        </a:accent3>
-        <a:accent4>
-          <a:srgbClr val="000000"/>
-        </a:accent4>
-        <a:accent5>
-          <a:srgbClr val="E2E2E2"/>
-        </a:accent5>
-        <a:accent6>
-          <a:srgbClr val="AEAEAE"/>
-        </a:accent6>
-        <a:hlink>
-          <a:srgbClr val="4D4D4D"/>
-        </a:hlink>
-        <a:folHlink>
-          <a:srgbClr val="868686"/>
-        </a:folHlink>
-      </a:clrScheme>
-      <a:clrMap bg1="lt1" tx1="dk1" bg2="lt2" tx2="dk2" accent1="accent1" accent2="accent2" accent3="accent3" accent4="accent4" accent5="accent5" accent6="accent6" hlink="hlink" folHlink="folHlink"/>
-    </a:extraClrScheme>
-    <a:extraClrScheme>
-      <a:clrScheme name="DalhousieTemplate 4">
-        <a:dk1>
-          <a:srgbClr val="000000"/>
-        </a:dk1>
-        <a:lt1>
-          <a:srgbClr val="FFFFFF"/>
-        </a:lt1>
-        <a:dk2>
-          <a:srgbClr val="660033"/>
-        </a:dk2>
-        <a:lt2>
-          <a:srgbClr val="FFCC66"/>
-        </a:lt2>
-        <a:accent1>
-          <a:srgbClr val="FF9900"/>
-        </a:accent1>
-        <a:accent2>
-          <a:srgbClr val="440022"/>
-        </a:accent2>
-        <a:accent3>
-          <a:srgbClr val="B8AAAD"/>
-        </a:accent3>
-        <a:accent4>
-          <a:srgbClr val="DADADA"/>
-        </a:accent4>
-        <a:accent5>
-          <a:srgbClr val="FFCAAA"/>
-        </a:accent5>
-        <a:accent6>
-          <a:srgbClr val="3D001E"/>
-        </a:accent6>
-        <a:hlink>
-          <a:srgbClr val="B20059"/>
-        </a:hlink>
-        <a:folHlink>
-          <a:srgbClr val="FF6699"/>
-        </a:folHlink>
-      </a:clrScheme>
-      <a:clrMap bg1="dk2" tx1="lt1" bg2="dk1" tx2="lt2" accent1="accent1" accent2="accent2" accent3="accent3" accent4="accent4" accent5="accent5" accent6="accent6" hlink="hlink" folHlink="folHlink"/>
-    </a:extraClrScheme>
-    <a:extraClrScheme>
-      <a:clrScheme name="DalhousieTemplate 5">
-        <a:dk1>
-          <a:srgbClr val="000000"/>
-        </a:dk1>
-        <a:lt1>
-          <a:srgbClr val="FFFFFF"/>
-        </a:lt1>
-        <a:dk2>
-          <a:srgbClr val="663300"/>
-        </a:dk2>
-        <a:lt2>
-          <a:srgbClr val="FFCC66"/>
-        </a:lt2>
-        <a:accent1>
-          <a:srgbClr val="FF9900"/>
-        </a:accent1>
-        <a:accent2>
-          <a:srgbClr val="361B00"/>
-        </a:accent2>
-        <a:accent3>
-          <a:srgbClr val="B8ADAA"/>
-        </a:accent3>
-        <a:accent4>
-          <a:srgbClr val="DADADA"/>
-        </a:accent4>
-        <a:accent5>
-          <a:srgbClr val="FFCAAA"/>
-        </a:accent5>
-        <a:accent6>
-          <a:srgbClr val="301700"/>
-        </a:accent6>
-        <a:hlink>
-          <a:srgbClr val="996633"/>
-        </a:hlink>
-        <a:folHlink>
-          <a:srgbClr val="FF6699"/>
-        </a:folHlink>
-      </a:clrScheme>
-      <a:clrMap bg1="dk2" tx1="lt1" bg2="dk1" tx2="lt2" accent1="accent1" accent2="accent2" accent3="accent3" accent4="accent4" accent5="accent5" accent6="accent6" hlink="hlink" folHlink="folHlink"/>
-    </a:extraClrScheme>
-    <a:extraClrScheme>
-      <a:clrScheme name="DalhousieTemplate 6">
-        <a:dk1>
-          <a:srgbClr val="000000"/>
-        </a:dk1>
-        <a:lt1>
-          <a:srgbClr val="FFFFFF"/>
-        </a:lt1>
-        <a:dk2>
-          <a:srgbClr val="003300"/>
-        </a:dk2>
-        <a:lt2>
-          <a:srgbClr val="FFCC66"/>
-        </a:lt2>
-        <a:accent1>
-          <a:srgbClr val="CC9900"/>
-        </a:accent1>
-        <a:accent2>
-          <a:srgbClr val="001600"/>
-        </a:accent2>
-        <a:accent3>
-          <a:srgbClr val="AAADAA"/>
-        </a:accent3>
-        <a:accent4>
-          <a:srgbClr val="DADADA"/>
-        </a:accent4>
-        <a:accent5>
-          <a:srgbClr val="E2CAAA"/>
-        </a:accent5>
-        <a:accent6>
-          <a:srgbClr val="001300"/>
-        </a:accent6>
-        <a:hlink>
-          <a:srgbClr val="006600"/>
-        </a:hlink>
-        <a:folHlink>
-          <a:srgbClr val="009999"/>
-        </a:folHlink>
-      </a:clrScheme>
-      <a:clrMap bg1="dk2" tx1="lt1" bg2="dk1" tx2="lt2" accent1="accent1" accent2="accent2" accent3="accent3" accent4="accent4" accent5="accent5" accent6="accent6" hlink="hlink" folHlink="folHlink"/>
-    </a:extraClrScheme>
-  </a:extraClrSchemeLst>
+  <a:extraClrSchemeLst/>
+  <a:extLst>
+    <a:ext uri="{05A4C25C-085E-4340-85A3-A5531E510DB2}">
+      <thm15:themeFamily xmlns:thm15="http://schemas.microsoft.com/office/thememl/2012/main" name="Office Theme" id="{2E142A2C-CD16-42D6-873A-C26D2A0506FA}" vid="{1BDDFF52-6CD6-40A5-AB3C-68EB2F1E4D0A}"/>
+    </a:ext>
+  </a:extLst>
 </a:theme>
 </file>
 
